--- a/Lectures/Lecture9.pptx
+++ b/Lectures/Lecture9.pptx
@@ -297,7 +297,7 @@
           <a:p>
             <a:fld id="{CBA08D16-15DC-4E25-BDC3-F25146157B16}" type="datetimeFigureOut">
               <a:rPr lang="ru-RU" smtClean="0"/>
-              <a:t>08.11.2018</a:t>
+              <a:t>12.12.2018</a:t>
             </a:fld>
             <a:endParaRPr lang="ru-RU"/>
           </a:p>
@@ -696,7 +696,7 @@
           <a:p>
             <a:fld id="{FCEC8293-DB51-454A-BE81-EC8FCB31EBA2}" type="datetime1">
               <a:rPr lang="ru-RU" smtClean="0"/>
-              <a:t>08.11.2018</a:t>
+              <a:t>12.12.2018</a:t>
             </a:fld>
             <a:endParaRPr lang="ru-RU"/>
           </a:p>
@@ -870,7 +870,7 @@
           <a:p>
             <a:fld id="{241C87B1-1C35-4DBD-BC18-2BC72E776603}" type="datetime1">
               <a:rPr lang="ru-RU" smtClean="0"/>
-              <a:t>08.11.2018</a:t>
+              <a:t>12.12.2018</a:t>
             </a:fld>
             <a:endParaRPr lang="ru-RU"/>
           </a:p>
@@ -1054,7 +1054,7 @@
           <a:p>
             <a:fld id="{3134C275-26C0-42CD-9111-9ADE65922AF9}" type="datetime1">
               <a:rPr lang="ru-RU" smtClean="0"/>
-              <a:t>08.11.2018</a:t>
+              <a:t>12.12.2018</a:t>
             </a:fld>
             <a:endParaRPr lang="ru-RU"/>
           </a:p>
@@ -1228,7 +1228,7 @@
           <a:p>
             <a:fld id="{C1A9A50B-C350-45F5-8AAB-ADB9E670AF2E}" type="datetime1">
               <a:rPr lang="ru-RU" smtClean="0"/>
-              <a:t>08.11.2018</a:t>
+              <a:t>12.12.2018</a:t>
             </a:fld>
             <a:endParaRPr lang="ru-RU"/>
           </a:p>
@@ -1478,7 +1478,7 @@
           <a:p>
             <a:fld id="{089688C9-348F-42F9-B6C0-5990DDE0C5B2}" type="datetime1">
               <a:rPr lang="ru-RU" smtClean="0"/>
-              <a:t>08.11.2018</a:t>
+              <a:t>12.12.2018</a:t>
             </a:fld>
             <a:endParaRPr lang="ru-RU"/>
           </a:p>
@@ -1714,7 +1714,7 @@
           <a:p>
             <a:fld id="{684AFD8F-6DD9-4AD3-A505-FDC3F5C5F3F6}" type="datetime1">
               <a:rPr lang="ru-RU" smtClean="0"/>
-              <a:t>08.11.2018</a:t>
+              <a:t>12.12.2018</a:t>
             </a:fld>
             <a:endParaRPr lang="ru-RU"/>
           </a:p>
@@ -2085,7 +2085,7 @@
           <a:p>
             <a:fld id="{63551EFE-4D02-45EB-A747-8B6F047B5AA0}" type="datetime1">
               <a:rPr lang="ru-RU" smtClean="0"/>
-              <a:t>08.11.2018</a:t>
+              <a:t>12.12.2018</a:t>
             </a:fld>
             <a:endParaRPr lang="ru-RU"/>
           </a:p>
@@ -2207,7 +2207,7 @@
           <a:p>
             <a:fld id="{813A9F34-E5CD-4B8F-AA9E-889C84372B20}" type="datetime1">
               <a:rPr lang="ru-RU" smtClean="0"/>
-              <a:t>08.11.2018</a:t>
+              <a:t>12.12.2018</a:t>
             </a:fld>
             <a:endParaRPr lang="ru-RU"/>
           </a:p>
@@ -2306,7 +2306,7 @@
           <a:p>
             <a:fld id="{51224D22-9B29-44A6-8E82-95FC492DEDC1}" type="datetime1">
               <a:rPr lang="ru-RU" smtClean="0"/>
-              <a:t>08.11.2018</a:t>
+              <a:t>12.12.2018</a:t>
             </a:fld>
             <a:endParaRPr lang="ru-RU"/>
           </a:p>
@@ -2587,7 +2587,7 @@
           <a:p>
             <a:fld id="{91D1034F-4441-48A1-BDC0-25EA1022324A}" type="datetime1">
               <a:rPr lang="ru-RU" smtClean="0"/>
-              <a:t>08.11.2018</a:t>
+              <a:t>12.12.2018</a:t>
             </a:fld>
             <a:endParaRPr lang="ru-RU"/>
           </a:p>
@@ -2844,7 +2844,7 @@
           <a:p>
             <a:fld id="{B0FFDE79-B627-473B-AE17-4C65BD2495F7}" type="datetime1">
               <a:rPr lang="ru-RU" smtClean="0"/>
-              <a:t>08.11.2018</a:t>
+              <a:t>12.12.2018</a:t>
             </a:fld>
             <a:endParaRPr lang="ru-RU"/>
           </a:p>
@@ -3061,7 +3061,7 @@
           <a:p>
             <a:fld id="{11CA537A-1B8C-47BA-9BA6-7CE3FAFDA8BE}" type="datetime1">
               <a:rPr lang="ru-RU" smtClean="0"/>
-              <a:t>08.11.2018</a:t>
+              <a:t>12.12.2018</a:t>
             </a:fld>
             <a:endParaRPr lang="ru-RU"/>
           </a:p>
@@ -10971,8 +10971,8 @@
         </p:nvSpPr>
         <p:spPr>
           <a:xfrm>
-            <a:off x="838200" y="1690688"/>
-            <a:ext cx="10515600" cy="2145042"/>
+            <a:off x="838200" y="1690687"/>
+            <a:ext cx="10515600" cy="2471879"/>
           </a:xfrm>
           <a:prstGeom prst="roundRect">
             <a:avLst/>
@@ -11050,7 +11050,23 @@
                 </a:r>
                 <a:r>
                   <a:rPr lang="ru-RU" dirty="0" smtClean="0"/>
-                  <a:t>Определения стойкость и </a:t>
+                  <a:t>Определения </a:t>
+                </a:r>
+                <a:r>
+                  <a:rPr lang="ru-RU" dirty="0" smtClean="0"/>
+                  <a:t>стойкост</a:t>
+                </a:r>
+                <a:r>
+                  <a:rPr lang="ru-RU" dirty="0"/>
+                  <a:t>и</a:t>
+                </a:r>
+                <a:r>
+                  <a:rPr lang="ru-RU" dirty="0" smtClean="0"/>
+                  <a:t> </a:t>
+                </a:r>
+                <a:r>
+                  <a:rPr lang="ru-RU" dirty="0" smtClean="0"/>
+                  <a:t>и </a:t>
                 </a:r>
                 <a:r>
                   <a:rPr lang="en-US" dirty="0" err="1" smtClean="0"/>
@@ -11253,8 +11269,200 @@
                 </a:r>
                 <a:r>
                   <a:rPr lang="ru-RU" dirty="0" smtClean="0"/>
-                  <a:t>запросов, причём </a:t>
-                </a:r>
+                  <a:t>запросов, </a:t>
+                </a:r>
+                <a:r>
+                  <a:rPr lang="ru-RU" dirty="0" smtClean="0"/>
+                  <a:t>причём</a:t>
+                </a:r>
+                <a:r>
+                  <a:rPr lang="en-US" dirty="0" smtClean="0"/>
+                  <a:t>:</a:t>
+                </a:r>
+              </a:p>
+              <a:p>
+                <a:pPr marL="0" indent="0">
+                  <a:buNone/>
+                </a:pPr>
+                <a14:m>
+                  <m:oMathPara xmlns:m="http://schemas.openxmlformats.org/officeDocument/2006/math">
+                    <m:oMathParaPr>
+                      <m:jc m:val="centerGroup"/>
+                    </m:oMathParaPr>
+                    <m:oMath xmlns:m="http://schemas.openxmlformats.org/officeDocument/2006/math">
+                      <m:r>
+                        <a:rPr lang="en-US" i="1">
+                          <a:latin typeface="Cambria Math" panose="02040503050406030204" pitchFamily="18" charset="0"/>
+                        </a:rPr>
+                        <m:t>𝑀𝐴</m:t>
+                      </m:r>
+                      <m:sSubSup>
+                        <m:sSubSupPr>
+                          <m:ctrlPr>
+                            <a:rPr lang="en-US" i="1">
+                              <a:latin typeface="Cambria Math" panose="02040503050406030204" pitchFamily="18" charset="0"/>
+                            </a:rPr>
+                          </m:ctrlPr>
+                        </m:sSubSupPr>
+                        <m:e>
+                          <m:r>
+                            <a:rPr lang="en-US" i="1">
+                              <a:latin typeface="Cambria Math" panose="02040503050406030204" pitchFamily="18" charset="0"/>
+                            </a:rPr>
+                            <m:t>𝐶</m:t>
+                          </m:r>
+                        </m:e>
+                        <m:sub>
+                          <m:r>
+                            <a:rPr lang="en-US" i="1">
+                              <a:latin typeface="Cambria Math" panose="02040503050406030204" pitchFamily="18" charset="0"/>
+                            </a:rPr>
+                            <m:t>𝑎𝑑𝑣</m:t>
+                          </m:r>
+                        </m:sub>
+                        <m:sup>
+                          <m:r>
+                            <a:rPr lang="en-US" i="1">
+                              <a:latin typeface="Cambria Math" panose="02040503050406030204" pitchFamily="18" charset="0"/>
+                            </a:rPr>
+                            <m:t>𝑣𝑞</m:t>
+                          </m:r>
+                        </m:sup>
+                      </m:sSubSup>
+                      <m:d>
+                        <m:dPr>
+                          <m:begChr m:val="["/>
+                          <m:endChr m:val="]"/>
+                          <m:ctrlPr>
+                            <a:rPr lang="en-US" i="1">
+                              <a:latin typeface="Cambria Math" panose="02040503050406030204" pitchFamily="18" charset="0"/>
+                            </a:rPr>
+                          </m:ctrlPr>
+                        </m:dPr>
+                        <m:e>
+                          <m:r>
+                            <a:rPr lang="en-US" i="1">
+                              <a:latin typeface="Cambria Math" panose="02040503050406030204" pitchFamily="18" charset="0"/>
+                            </a:rPr>
+                            <m:t>𝐴</m:t>
+                          </m:r>
+                          <m:r>
+                            <a:rPr lang="en-US" i="1">
+                              <a:latin typeface="Cambria Math" panose="02040503050406030204" pitchFamily="18" charset="0"/>
+                            </a:rPr>
+                            <m:t>,</m:t>
+                          </m:r>
+                          <m:r>
+                            <a:rPr lang="en-US" i="1">
+                              <a:latin typeface="Cambria Math" panose="02040503050406030204" pitchFamily="18" charset="0"/>
+                            </a:rPr>
+                            <m:t>𝐼</m:t>
+                          </m:r>
+                        </m:e>
+                      </m:d>
+                      <m:r>
+                        <a:rPr lang="en-US" i="1">
+                          <a:latin typeface="Cambria Math" panose="02040503050406030204" pitchFamily="18" charset="0"/>
+                        </a:rPr>
+                        <m:t>≤</m:t>
+                      </m:r>
+                      <m:r>
+                        <a:rPr lang="en-US" i="1">
+                          <a:latin typeface="Cambria Math" panose="02040503050406030204" pitchFamily="18" charset="0"/>
+                        </a:rPr>
+                        <m:t>𝑀𝐴</m:t>
+                      </m:r>
+                      <m:sSub>
+                        <m:sSubPr>
+                          <m:ctrlPr>
+                            <a:rPr lang="en-US" i="1">
+                              <a:latin typeface="Cambria Math" panose="02040503050406030204" pitchFamily="18" charset="0"/>
+                            </a:rPr>
+                          </m:ctrlPr>
+                        </m:sSubPr>
+                        <m:e>
+                          <m:r>
+                            <a:rPr lang="en-US" i="1">
+                              <a:latin typeface="Cambria Math" panose="02040503050406030204" pitchFamily="18" charset="0"/>
+                            </a:rPr>
+                            <m:t>𝐶</m:t>
+                          </m:r>
+                        </m:e>
+                        <m:sub>
+                          <m:r>
+                            <a:rPr lang="en-US" i="1">
+                              <a:latin typeface="Cambria Math" panose="02040503050406030204" pitchFamily="18" charset="0"/>
+                            </a:rPr>
+                            <m:t>𝑎𝑑𝑣</m:t>
+                          </m:r>
+                        </m:sub>
+                      </m:sSub>
+                      <m:d>
+                        <m:dPr>
+                          <m:begChr m:val="["/>
+                          <m:endChr m:val="]"/>
+                          <m:ctrlPr>
+                            <a:rPr lang="en-US" i="1">
+                              <a:latin typeface="Cambria Math" panose="02040503050406030204" pitchFamily="18" charset="0"/>
+                            </a:rPr>
+                          </m:ctrlPr>
+                        </m:dPr>
+                        <m:e>
+                          <m:r>
+                            <a:rPr lang="en-US" i="1">
+                              <a:latin typeface="Cambria Math" panose="02040503050406030204" pitchFamily="18" charset="0"/>
+                            </a:rPr>
+                            <m:t>𝐵</m:t>
+                          </m:r>
+                          <m:r>
+                            <a:rPr lang="en-US" i="1">
+                              <a:latin typeface="Cambria Math" panose="02040503050406030204" pitchFamily="18" charset="0"/>
+                            </a:rPr>
+                            <m:t>,</m:t>
+                          </m:r>
+                          <m:r>
+                            <a:rPr lang="en-US" i="1">
+                              <a:latin typeface="Cambria Math" panose="02040503050406030204" pitchFamily="18" charset="0"/>
+                            </a:rPr>
+                            <m:t>𝐼</m:t>
+                          </m:r>
+                        </m:e>
+                      </m:d>
+                      <m:r>
+                        <a:rPr lang="en-US" i="1">
+                          <a:latin typeface="Cambria Math" panose="02040503050406030204" pitchFamily="18" charset="0"/>
+                        </a:rPr>
+                        <m:t>∗</m:t>
+                      </m:r>
+                      <m:sSub>
+                        <m:sSubPr>
+                          <m:ctrlPr>
+                            <a:rPr lang="en-US" i="1">
+                              <a:latin typeface="Cambria Math" panose="02040503050406030204" pitchFamily="18" charset="0"/>
+                            </a:rPr>
+                          </m:ctrlPr>
+                        </m:sSubPr>
+                        <m:e>
+                          <m:r>
+                            <a:rPr lang="en-US" i="1">
+                              <a:latin typeface="Cambria Math" panose="02040503050406030204" pitchFamily="18" charset="0"/>
+                            </a:rPr>
+                            <m:t>𝑄</m:t>
+                          </m:r>
+                        </m:e>
+                        <m:sub>
+                          <m:r>
+                            <a:rPr lang="en-US" i="1">
+                              <a:latin typeface="Cambria Math" panose="02040503050406030204" pitchFamily="18" charset="0"/>
+                            </a:rPr>
+                            <m:t>𝑣</m:t>
+                          </m:r>
+                        </m:sub>
+                      </m:sSub>
+                    </m:oMath>
+                  </m:oMathPara>
+                </a14:m>
+                <a:endParaRPr lang="ru-RU" dirty="0" smtClean="0"/>
               </a:p>
               <a:p>
                 <a:pPr marL="0" indent="0">
@@ -11315,7 +11523,7 @@
               </p:nvPr>
             </p:nvSpPr>
             <p:spPr>
-              <a:blipFill rotWithShape="0">
+              <a:blipFill>
                 <a:blip r:embed="rId2"/>
                 <a:stretch>
                   <a:fillRect l="-1043" t="-2101" r="-174"/>
@@ -19184,8 +19392,8 @@
           </a:p>
         </p:txBody>
       </p:sp>
-      <mc:AlternateContent xmlns:mc="http://schemas.openxmlformats.org/markup-compatibility/2006">
-        <mc:Choice xmlns:a14="http://schemas.microsoft.com/office/drawing/2010/main" Requires="a14">
+      <mc:AlternateContent xmlns:mc="http://schemas.openxmlformats.org/markup-compatibility/2006" xmlns:a14="http://schemas.microsoft.com/office/drawing/2010/main">
+        <mc:Choice Requires="a14">
           <p:sp>
             <p:nvSpPr>
               <p:cNvPr id="3" name="Объект 2"/>
@@ -19934,7 +20142,7 @@
             </p:txBody>
           </p:sp>
         </mc:Choice>
-        <mc:Fallback>
+        <mc:Fallback xmlns="">
           <p:sp>
             <p:nvSpPr>
               <p:cNvPr id="3" name="Объект 2"/>
@@ -28405,8 +28613,8 @@
           </a:p>
         </p:txBody>
       </p:sp>
-      <mc:AlternateContent xmlns:mc="http://schemas.openxmlformats.org/markup-compatibility/2006">
-        <mc:Choice xmlns:a14="http://schemas.microsoft.com/office/drawing/2010/main" Requires="a14">
+      <mc:AlternateContent xmlns:mc="http://schemas.openxmlformats.org/markup-compatibility/2006" xmlns:a14="http://schemas.microsoft.com/office/drawing/2010/main">
+        <mc:Choice Requires="a14">
           <p:sp>
             <p:nvSpPr>
               <p:cNvPr id="3" name="Объект 2"/>
@@ -29476,7 +29684,7 @@
             </p:txBody>
           </p:sp>
         </mc:Choice>
-        <mc:Fallback>
+        <mc:Fallback xmlns="">
           <p:sp>
             <p:nvSpPr>
               <p:cNvPr id="3" name="Объект 2"/>

--- a/Lectures/Lecture9.pptx
+++ b/Lectures/Lecture9.pptx
@@ -297,7 +297,7 @@
           <a:p>
             <a:fld id="{CBA08D16-15DC-4E25-BDC3-F25146157B16}" type="datetimeFigureOut">
               <a:rPr lang="ru-RU" smtClean="0"/>
-              <a:t>12.12.2018</a:t>
+              <a:t>12.11.2019</a:t>
             </a:fld>
             <a:endParaRPr lang="ru-RU"/>
           </a:p>
@@ -696,7 +696,7 @@
           <a:p>
             <a:fld id="{FCEC8293-DB51-454A-BE81-EC8FCB31EBA2}" type="datetime1">
               <a:rPr lang="ru-RU" smtClean="0"/>
-              <a:t>12.12.2018</a:t>
+              <a:t>12.11.2019</a:t>
             </a:fld>
             <a:endParaRPr lang="ru-RU"/>
           </a:p>
@@ -870,7 +870,7 @@
           <a:p>
             <a:fld id="{241C87B1-1C35-4DBD-BC18-2BC72E776603}" type="datetime1">
               <a:rPr lang="ru-RU" smtClean="0"/>
-              <a:t>12.12.2018</a:t>
+              <a:t>12.11.2019</a:t>
             </a:fld>
             <a:endParaRPr lang="ru-RU"/>
           </a:p>
@@ -1054,7 +1054,7 @@
           <a:p>
             <a:fld id="{3134C275-26C0-42CD-9111-9ADE65922AF9}" type="datetime1">
               <a:rPr lang="ru-RU" smtClean="0"/>
-              <a:t>12.12.2018</a:t>
+              <a:t>12.11.2019</a:t>
             </a:fld>
             <a:endParaRPr lang="ru-RU"/>
           </a:p>
@@ -1228,7 +1228,7 @@
           <a:p>
             <a:fld id="{C1A9A50B-C350-45F5-8AAB-ADB9E670AF2E}" type="datetime1">
               <a:rPr lang="ru-RU" smtClean="0"/>
-              <a:t>12.12.2018</a:t>
+              <a:t>12.11.2019</a:t>
             </a:fld>
             <a:endParaRPr lang="ru-RU"/>
           </a:p>
@@ -1478,7 +1478,7 @@
           <a:p>
             <a:fld id="{089688C9-348F-42F9-B6C0-5990DDE0C5B2}" type="datetime1">
               <a:rPr lang="ru-RU" smtClean="0"/>
-              <a:t>12.12.2018</a:t>
+              <a:t>12.11.2019</a:t>
             </a:fld>
             <a:endParaRPr lang="ru-RU"/>
           </a:p>
@@ -1714,7 +1714,7 @@
           <a:p>
             <a:fld id="{684AFD8F-6DD9-4AD3-A505-FDC3F5C5F3F6}" type="datetime1">
               <a:rPr lang="ru-RU" smtClean="0"/>
-              <a:t>12.12.2018</a:t>
+              <a:t>12.11.2019</a:t>
             </a:fld>
             <a:endParaRPr lang="ru-RU"/>
           </a:p>
@@ -2085,7 +2085,7 @@
           <a:p>
             <a:fld id="{63551EFE-4D02-45EB-A747-8B6F047B5AA0}" type="datetime1">
               <a:rPr lang="ru-RU" smtClean="0"/>
-              <a:t>12.12.2018</a:t>
+              <a:t>12.11.2019</a:t>
             </a:fld>
             <a:endParaRPr lang="ru-RU"/>
           </a:p>
@@ -2207,7 +2207,7 @@
           <a:p>
             <a:fld id="{813A9F34-E5CD-4B8F-AA9E-889C84372B20}" type="datetime1">
               <a:rPr lang="ru-RU" smtClean="0"/>
-              <a:t>12.12.2018</a:t>
+              <a:t>12.11.2019</a:t>
             </a:fld>
             <a:endParaRPr lang="ru-RU"/>
           </a:p>
@@ -2306,7 +2306,7 @@
           <a:p>
             <a:fld id="{51224D22-9B29-44A6-8E82-95FC492DEDC1}" type="datetime1">
               <a:rPr lang="ru-RU" smtClean="0"/>
-              <a:t>12.12.2018</a:t>
+              <a:t>12.11.2019</a:t>
             </a:fld>
             <a:endParaRPr lang="ru-RU"/>
           </a:p>
@@ -2587,7 +2587,7 @@
           <a:p>
             <a:fld id="{91D1034F-4441-48A1-BDC0-25EA1022324A}" type="datetime1">
               <a:rPr lang="ru-RU" smtClean="0"/>
-              <a:t>12.12.2018</a:t>
+              <a:t>12.11.2019</a:t>
             </a:fld>
             <a:endParaRPr lang="ru-RU"/>
           </a:p>
@@ -2844,7 +2844,7 @@
           <a:p>
             <a:fld id="{B0FFDE79-B627-473B-AE17-4C65BD2495F7}" type="datetime1">
               <a:rPr lang="ru-RU" smtClean="0"/>
-              <a:t>12.12.2018</a:t>
+              <a:t>12.11.2019</a:t>
             </a:fld>
             <a:endParaRPr lang="ru-RU"/>
           </a:p>
@@ -3061,7 +3061,7 @@
           <a:p>
             <a:fld id="{11CA537A-1B8C-47BA-9BA6-7CE3FAFDA8BE}" type="datetime1">
               <a:rPr lang="ru-RU" smtClean="0"/>
-              <a:t>12.12.2018</a:t>
+              <a:t>12.11.2019</a:t>
             </a:fld>
             <a:endParaRPr lang="ru-RU"/>
           </a:p>
@@ -3559,7 +3559,11 @@
           <a:p>
             <a:r>
               <a:rPr lang="ru-RU" dirty="0" smtClean="0"/>
-              <a:t>МИФИ 2018</a:t>
+              <a:t>МИФИ 201</a:t>
+            </a:r>
+            <a:r>
+              <a:rPr lang="en-US" dirty="0" smtClean="0"/>
+              <a:t>9</a:t>
             </a:r>
             <a:endParaRPr lang="ru-RU" dirty="0"/>
           </a:p>
@@ -7176,6 +7180,12 @@
                           </a:rPr>
                           <m:t>𝑖</m:t>
                         </m:r>
+                        <m:r>
+                          <a:rPr lang="en-US" sz="2400" b="0" i="1" smtClean="0">
+                            <a:latin typeface="Cambria Math" panose="02040503050406030204" pitchFamily="18" charset="0"/>
+                          </a:rPr>
+                          <m:t>′</m:t>
+                        </m:r>
                       </m:sub>
                     </m:sSub>
                     <m:r>
@@ -7206,6 +7216,12 @@
                             <a:latin typeface="Cambria Math" panose="02040503050406030204" pitchFamily="18" charset="0"/>
                           </a:rPr>
                           <m:t>𝑖</m:t>
+                        </m:r>
+                        <m:r>
+                          <a:rPr lang="en-US" sz="2400" b="0" i="1" smtClean="0">
+                            <a:latin typeface="Cambria Math" panose="02040503050406030204" pitchFamily="18" charset="0"/>
+                          </a:rPr>
+                          <m:t>′</m:t>
                         </m:r>
                       </m:sub>
                     </m:sSub>
@@ -7760,7 +7776,7 @@
                               <a:rPr lang="en-US" sz="2400" b="0" i="1" smtClean="0">
                                 <a:latin typeface="Cambria Math" panose="02040503050406030204" pitchFamily="18" charset="0"/>
                               </a:rPr>
-                              <m:t>1</m:t>
+                              <m:t>𝑖</m:t>
                             </m:r>
                           </m:sub>
                         </m:sSub>
@@ -7791,7 +7807,7 @@
                               <a:rPr lang="en-US" sz="2400" b="0" i="1" smtClean="0">
                                 <a:latin typeface="Cambria Math" panose="02040503050406030204" pitchFamily="18" charset="0"/>
                               </a:rPr>
-                              <m:t>1</m:t>
+                              <m:t>𝑖</m:t>
                             </m:r>
                           </m:sub>
                         </m:sSub>
@@ -7801,69 +7817,7 @@
                       <a:rPr lang="en-US" sz="2400" b="0" i="1" smtClean="0">
                         <a:latin typeface="Cambria Math" panose="02040503050406030204" pitchFamily="18" charset="0"/>
                       </a:rPr>
-                      <m:t>,(</m:t>
-                    </m:r>
-                    <m:sSub>
-                      <m:sSubPr>
-                        <m:ctrlPr>
-                          <a:rPr lang="en-US" sz="2400" b="0" i="1" smtClean="0">
-                            <a:latin typeface="Cambria Math" panose="02040503050406030204" pitchFamily="18" charset="0"/>
-                          </a:rPr>
-                        </m:ctrlPr>
-                      </m:sSubPr>
-                      <m:e>
-                        <m:r>
-                          <a:rPr lang="en-US" sz="2400" b="0" i="1" smtClean="0">
-                            <a:latin typeface="Cambria Math" panose="02040503050406030204" pitchFamily="18" charset="0"/>
-                          </a:rPr>
-                          <m:t>𝑚</m:t>
-                        </m:r>
-                      </m:e>
-                      <m:sub>
-                        <m:r>
-                          <a:rPr lang="en-US" sz="2400" b="0" i="1" smtClean="0">
-                            <a:latin typeface="Cambria Math" panose="02040503050406030204" pitchFamily="18" charset="0"/>
-                          </a:rPr>
-                          <m:t>2</m:t>
-                        </m:r>
-                      </m:sub>
-                    </m:sSub>
-                    <m:r>
-                      <a:rPr lang="en-US" sz="2400" b="0" i="1" smtClean="0">
-                        <a:latin typeface="Cambria Math" panose="02040503050406030204" pitchFamily="18" charset="0"/>
-                      </a:rPr>
-                      <m:t>,</m:t>
-                    </m:r>
-                    <m:sSub>
-                      <m:sSubPr>
-                        <m:ctrlPr>
-                          <a:rPr lang="en-US" sz="2400" b="0" i="1" smtClean="0">
-                            <a:latin typeface="Cambria Math" panose="02040503050406030204" pitchFamily="18" charset="0"/>
-                          </a:rPr>
-                        </m:ctrlPr>
-                      </m:sSubPr>
-                      <m:e>
-                        <m:r>
-                          <a:rPr lang="en-US" sz="2400" b="0" i="1" smtClean="0">
-                            <a:latin typeface="Cambria Math" panose="02040503050406030204" pitchFamily="18" charset="0"/>
-                          </a:rPr>
-                          <m:t>𝑡</m:t>
-                        </m:r>
-                      </m:e>
-                      <m:sub>
-                        <m:r>
-                          <a:rPr lang="en-US" sz="2400" b="0" i="1" smtClean="0">
-                            <a:latin typeface="Cambria Math" panose="02040503050406030204" pitchFamily="18" charset="0"/>
-                          </a:rPr>
-                          <m:t>2</m:t>
-                        </m:r>
-                      </m:sub>
-                    </m:sSub>
-                    <m:r>
-                      <a:rPr lang="en-US" sz="2400" b="0" i="1" smtClean="0">
-                        <a:latin typeface="Cambria Math" panose="02040503050406030204" pitchFamily="18" charset="0"/>
-                      </a:rPr>
-                      <m:t>)…}</m:t>
+                      <m:t>}</m:t>
                     </m:r>
                   </m:oMath>
                 </a14:m>
@@ -7928,6 +7882,1886 @@
             <a:fld id="{8253DDDB-F8F7-4D64-A7FD-3F3D61C1949F}" type="slidenum">
               <a:rPr lang="ru-RU" smtClean="0"/>
               <a:t>13</a:t>
+            </a:fld>
+            <a:endParaRPr lang="ru-RU"/>
+          </a:p>
+        </p:txBody>
+      </p:sp>
+      <p:sp>
+        <p:nvSpPr>
+          <p:cNvPr id="5" name="Rectangle 4"/>
+          <p:cNvSpPr>
+            <a:spLocks noChangeArrowheads="1"/>
+          </p:cNvSpPr>
+          <p:nvPr/>
+        </p:nvSpPr>
+        <p:spPr bwMode="auto">
+          <a:xfrm>
+            <a:off x="2649478" y="4901502"/>
+            <a:ext cx="1295400" cy="1454847"/>
+          </a:xfrm>
+          <a:prstGeom prst="rect">
+            <a:avLst/>
+          </a:prstGeom>
+          <a:solidFill>
+            <a:schemeClr val="accent1"/>
+          </a:solidFill>
+          <a:ln w="9525">
+            <a:solidFill>
+              <a:schemeClr val="tx1"/>
+            </a:solidFill>
+            <a:miter lim="800000"/>
+            <a:headEnd/>
+            <a:tailEnd/>
+          </a:ln>
+          <a:effectLst/>
+        </p:spPr>
+        <p:txBody>
+          <a:bodyPr wrap="none"/>
+          <a:lstStyle/>
+          <a:p>
+            <a:pPr algn="ctr"/>
+            <a:r>
+              <a:rPr lang="en-US"/>
+              <a:t>Chal.</a:t>
+            </a:r>
+          </a:p>
+        </p:txBody>
+      </p:sp>
+      <mc:AlternateContent xmlns:mc="http://schemas.openxmlformats.org/markup-compatibility/2006" xmlns:a14="http://schemas.microsoft.com/office/drawing/2010/main">
+        <mc:Choice Requires="a14">
+          <p:sp>
+            <p:nvSpPr>
+              <p:cNvPr id="8" name="Rectangle 7"/>
+              <p:cNvSpPr>
+                <a:spLocks noChangeArrowheads="1"/>
+              </p:cNvSpPr>
+              <p:nvPr/>
+            </p:nvSpPr>
+            <p:spPr bwMode="auto">
+              <a:xfrm>
+                <a:off x="7831078" y="4901502"/>
+                <a:ext cx="1295400" cy="1454847"/>
+              </a:xfrm>
+              <a:prstGeom prst="rect">
+                <a:avLst/>
+              </a:prstGeom>
+              <a:solidFill>
+                <a:schemeClr val="accent1"/>
+              </a:solidFill>
+              <a:ln w="9525">
+                <a:solidFill>
+                  <a:schemeClr val="tx1"/>
+                </a:solidFill>
+                <a:miter lim="800000"/>
+                <a:headEnd/>
+                <a:tailEnd/>
+              </a:ln>
+              <a:effectLst/>
+            </p:spPr>
+            <p:txBody>
+              <a:bodyPr wrap="none"/>
+              <a:lstStyle/>
+              <a:p>
+                <a:pPr algn="ctr"/>
+                <a:r>
+                  <a:rPr lang="en-US" dirty="0"/>
+                  <a:t>Adv. </a:t>
+                </a:r>
+                <a14:m>
+                  <m:oMath xmlns:m="http://schemas.openxmlformats.org/officeDocument/2006/math">
+                    <m:r>
+                      <a:rPr lang="en-US" i="1" dirty="0" smtClean="0">
+                        <a:latin typeface="Cambria Math" panose="02040503050406030204" pitchFamily="18" charset="0"/>
+                      </a:rPr>
+                      <m:t>𝐴</m:t>
+                    </m:r>
+                  </m:oMath>
+                </a14:m>
+                <a:endParaRPr lang="en-US" dirty="0"/>
+              </a:p>
+            </p:txBody>
+          </p:sp>
+        </mc:Choice>
+        <mc:Fallback xmlns="">
+          <p:sp>
+            <p:nvSpPr>
+              <p:cNvPr id="8" name="Rectangle 7"/>
+              <p:cNvSpPr>
+                <a:spLocks noRot="1" noChangeAspect="1" noMove="1" noResize="1" noEditPoints="1" noAdjustHandles="1" noChangeArrowheads="1" noChangeShapeType="1" noTextEdit="1"/>
+              </p:cNvSpPr>
+              <p:nvPr/>
+            </p:nvSpPr>
+            <p:spPr bwMode="auto">
+              <a:xfrm>
+                <a:off x="7831078" y="4901502"/>
+                <a:ext cx="1295400" cy="1454847"/>
+              </a:xfrm>
+              <a:prstGeom prst="rect">
+                <a:avLst/>
+              </a:prstGeom>
+              <a:blipFill rotWithShape="0">
+                <a:blip r:embed="rId3"/>
+                <a:stretch>
+                  <a:fillRect t="-1660"/>
+                </a:stretch>
+              </a:blipFill>
+              <a:ln w="9525">
+                <a:solidFill>
+                  <a:schemeClr val="tx1"/>
+                </a:solidFill>
+                <a:miter lim="800000"/>
+                <a:headEnd/>
+                <a:tailEnd/>
+              </a:ln>
+              <a:effectLst/>
+            </p:spPr>
+            <p:txBody>
+              <a:bodyPr/>
+              <a:lstStyle/>
+              <a:p>
+                <a:r>
+                  <a:rPr lang="ru-RU">
+                    <a:noFill/>
+                  </a:rPr>
+                  <a:t> </a:t>
+                </a:r>
+              </a:p>
+            </p:txBody>
+          </p:sp>
+        </mc:Fallback>
+      </mc:AlternateContent>
+      <p:grpSp>
+        <p:nvGrpSpPr>
+          <p:cNvPr id="9" name="Group 21"/>
+          <p:cNvGrpSpPr>
+            <a:grpSpLocks/>
+          </p:cNvGrpSpPr>
+          <p:nvPr/>
+        </p:nvGrpSpPr>
+        <p:grpSpPr bwMode="auto">
+          <a:xfrm>
+            <a:off x="4002028" y="5114093"/>
+            <a:ext cx="3771900" cy="400050"/>
+            <a:chOff x="1776" y="1791"/>
+            <a:chExt cx="2400" cy="336"/>
+          </a:xfrm>
+        </p:grpSpPr>
+        <p:sp>
+          <p:nvSpPr>
+            <p:cNvPr id="10" name="Line 10"/>
+            <p:cNvSpPr>
+              <a:spLocks noChangeShapeType="1"/>
+            </p:cNvSpPr>
+            <p:nvPr/>
+          </p:nvSpPr>
+          <p:spPr bwMode="auto">
+            <a:xfrm flipH="1">
+              <a:off x="1776" y="2122"/>
+              <a:ext cx="2400" cy="0"/>
+            </a:xfrm>
+            <a:prstGeom prst="line">
+              <a:avLst/>
+            </a:prstGeom>
+            <a:noFill/>
+            <a:ln w="38100" cmpd="sng">
+              <a:solidFill>
+                <a:schemeClr val="tx1"/>
+              </a:solidFill>
+              <a:round/>
+              <a:headEnd/>
+              <a:tailEnd type="triangle" w="med" len="med"/>
+            </a:ln>
+            <a:effectLst/>
+          </p:spPr>
+          <p:txBody>
+            <a:bodyPr/>
+            <a:lstStyle/>
+            <a:p>
+              <a:endParaRPr lang="en-US"/>
+            </a:p>
+          </p:txBody>
+        </p:sp>
+        <mc:AlternateContent xmlns:mc="http://schemas.openxmlformats.org/markup-compatibility/2006" xmlns:a14="http://schemas.microsoft.com/office/drawing/2010/main">
+          <mc:Choice Requires="a14">
+            <p:sp>
+              <p:nvSpPr>
+                <p:cNvPr id="11" name="Text Box 11"/>
+                <p:cNvSpPr txBox="1">
+                  <a:spLocks noChangeArrowheads="1"/>
+                </p:cNvSpPr>
+                <p:nvPr/>
+              </p:nvSpPr>
+              <p:spPr bwMode="auto">
+                <a:xfrm>
+                  <a:off x="2515" y="1791"/>
+                  <a:ext cx="886" cy="336"/>
+                </a:xfrm>
+                <a:prstGeom prst="rect">
+                  <a:avLst/>
+                </a:prstGeom>
+                <a:noFill/>
+                <a:ln w="9525">
+                  <a:noFill/>
+                  <a:miter lim="800000"/>
+                  <a:headEnd/>
+                  <a:tailEnd/>
+                </a:ln>
+                <a:effectLst/>
+              </p:spPr>
+              <p:txBody>
+                <a:bodyPr wrap="none">
+                  <a:spAutoFit/>
+                </a:bodyPr>
+                <a:lstStyle/>
+                <a:p>
+                  <a14:m>
+                    <m:oMath xmlns:m="http://schemas.openxmlformats.org/officeDocument/2006/math">
+                      <m:sSub>
+                        <m:sSubPr>
+                          <m:ctrlPr>
+                            <a:rPr lang="en-US" sz="2000" b="0" i="1" smtClean="0">
+                              <a:latin typeface="Cambria Math" panose="02040503050406030204" pitchFamily="18" charset="0"/>
+                              <a:sym typeface="Symbol" pitchFamily="18" charset="2"/>
+                            </a:rPr>
+                          </m:ctrlPr>
+                        </m:sSubPr>
+                        <m:e>
+                          <m:r>
+                            <a:rPr lang="en-US" sz="2000" b="0" i="1" smtClean="0">
+                              <a:latin typeface="Cambria Math" panose="02040503050406030204" pitchFamily="18" charset="0"/>
+                              <a:sym typeface="Symbol" pitchFamily="18" charset="2"/>
+                            </a:rPr>
+                            <m:t>𝑚</m:t>
+                          </m:r>
+                        </m:e>
+                        <m:sub>
+                          <m:r>
+                            <a:rPr lang="en-US" sz="2000" b="0" i="1" smtClean="0">
+                              <a:latin typeface="Cambria Math" panose="02040503050406030204" pitchFamily="18" charset="0"/>
+                              <a:sym typeface="Symbol" pitchFamily="18" charset="2"/>
+                            </a:rPr>
+                            <m:t>𝑖</m:t>
+                          </m:r>
+                        </m:sub>
+                      </m:sSub>
+                    </m:oMath>
+                  </a14:m>
+                  <a:r>
+                    <a:rPr lang="en-US" sz="2000" dirty="0" smtClean="0">
+                      <a:sym typeface="Symbol" pitchFamily="18" charset="2"/>
+                    </a:rPr>
+                    <a:t> [</a:t>
+                  </a:r>
+                  <a14:m>
+                    <m:oMath xmlns:m="http://schemas.openxmlformats.org/officeDocument/2006/math">
+                      <m:sSub>
+                        <m:sSubPr>
+                          <m:ctrlPr>
+                            <a:rPr lang="en-US" sz="2000" b="0" i="1" dirty="0" smtClean="0">
+                              <a:latin typeface="Cambria Math" panose="02040503050406030204" pitchFamily="18" charset="0"/>
+                              <a:sym typeface="Symbol" pitchFamily="18" charset="2"/>
+                            </a:rPr>
+                          </m:ctrlPr>
+                        </m:sSubPr>
+                        <m:e>
+                          <m:r>
+                            <a:rPr lang="en-US" sz="2000" b="0" i="1" dirty="0" smtClean="0">
+                              <a:latin typeface="Cambria Math" panose="02040503050406030204" pitchFamily="18" charset="0"/>
+                              <a:sym typeface="Symbol" pitchFamily="18" charset="2"/>
+                            </a:rPr>
+                            <m:t>𝑚</m:t>
+                          </m:r>
+                        </m:e>
+                        <m:sub>
+                          <m:r>
+                            <a:rPr lang="en-US" sz="2000" b="0" i="1" dirty="0" smtClean="0">
+                              <a:latin typeface="Cambria Math" panose="02040503050406030204" pitchFamily="18" charset="0"/>
+                              <a:sym typeface="Symbol" pitchFamily="18" charset="2"/>
+                            </a:rPr>
+                            <m:t>𝑖</m:t>
+                          </m:r>
+                          <m:r>
+                            <a:rPr lang="en-US" sz="2000" b="0" i="1" dirty="0" smtClean="0">
+                              <a:latin typeface="Cambria Math" panose="02040503050406030204" pitchFamily="18" charset="0"/>
+                              <a:sym typeface="Symbol" pitchFamily="18" charset="2"/>
+                            </a:rPr>
+                            <m:t>′</m:t>
+                          </m:r>
+                        </m:sub>
+                      </m:sSub>
+                      <m:r>
+                        <a:rPr lang="en-US" sz="2000" b="0" i="1" dirty="0" smtClean="0">
+                          <a:latin typeface="Cambria Math" panose="02040503050406030204" pitchFamily="18" charset="0"/>
+                          <a:sym typeface="Symbol" pitchFamily="18" charset="2"/>
+                        </a:rPr>
+                        <m:t>,</m:t>
+                      </m:r>
+                      <m:sSub>
+                        <m:sSubPr>
+                          <m:ctrlPr>
+                            <a:rPr lang="en-US" sz="2000" b="0" i="1" dirty="0" smtClean="0">
+                              <a:latin typeface="Cambria Math" panose="02040503050406030204" pitchFamily="18" charset="0"/>
+                              <a:sym typeface="Symbol" pitchFamily="18" charset="2"/>
+                            </a:rPr>
+                          </m:ctrlPr>
+                        </m:sSubPr>
+                        <m:e>
+                          <m:r>
+                            <a:rPr lang="en-US" sz="2000" b="0" i="1" dirty="0" smtClean="0">
+                              <a:latin typeface="Cambria Math" panose="02040503050406030204" pitchFamily="18" charset="0"/>
+                              <a:sym typeface="Symbol" pitchFamily="18" charset="2"/>
+                            </a:rPr>
+                            <m:t>𝑡</m:t>
+                          </m:r>
+                        </m:e>
+                        <m:sub>
+                          <m:r>
+                            <a:rPr lang="en-US" sz="2000" b="0" i="1" dirty="0" smtClean="0">
+                              <a:latin typeface="Cambria Math" panose="02040503050406030204" pitchFamily="18" charset="0"/>
+                              <a:sym typeface="Symbol" pitchFamily="18" charset="2"/>
+                            </a:rPr>
+                            <m:t>𝑖</m:t>
+                          </m:r>
+                          <m:r>
+                            <a:rPr lang="en-US" sz="2000" b="0" i="1" dirty="0" smtClean="0">
+                              <a:latin typeface="Cambria Math" panose="02040503050406030204" pitchFamily="18" charset="0"/>
+                              <a:sym typeface="Symbol" pitchFamily="18" charset="2"/>
+                            </a:rPr>
+                            <m:t>′</m:t>
+                          </m:r>
+                        </m:sub>
+                      </m:sSub>
+                    </m:oMath>
+                  </a14:m>
+                  <a:r>
+                    <a:rPr lang="en-US" sz="2000" dirty="0" smtClean="0">
+                      <a:sym typeface="Symbol" pitchFamily="18" charset="2"/>
+                    </a:rPr>
+                    <a:t>]</a:t>
+                  </a:r>
+                  <a:endParaRPr lang="en-US" sz="2000" dirty="0">
+                    <a:sym typeface="Symbol" pitchFamily="18" charset="2"/>
+                  </a:endParaRPr>
+                </a:p>
+              </p:txBody>
+            </p:sp>
+          </mc:Choice>
+          <mc:Fallback xmlns="">
+            <p:sp>
+              <p:nvSpPr>
+                <p:cNvPr id="11" name="Text Box 11"/>
+                <p:cNvSpPr txBox="1">
+                  <a:spLocks noRot="1" noChangeAspect="1" noMove="1" noResize="1" noEditPoints="1" noAdjustHandles="1" noChangeArrowheads="1" noChangeShapeType="1" noTextEdit="1"/>
+                </p:cNvSpPr>
+                <p:nvPr/>
+              </p:nvSpPr>
+              <p:spPr bwMode="auto">
+                <a:xfrm>
+                  <a:off x="2515" y="1791"/>
+                  <a:ext cx="886" cy="336"/>
+                </a:xfrm>
+                <a:prstGeom prst="rect">
+                  <a:avLst/>
+                </a:prstGeom>
+                <a:blipFill rotWithShape="0">
+                  <a:blip r:embed="rId4"/>
+                  <a:stretch>
+                    <a:fillRect t="-9091" r="-3947" b="-25758"/>
+                  </a:stretch>
+                </a:blipFill>
+                <a:ln w="9525">
+                  <a:noFill/>
+                  <a:miter lim="800000"/>
+                  <a:headEnd/>
+                  <a:tailEnd/>
+                </a:ln>
+                <a:effectLst/>
+              </p:spPr>
+              <p:txBody>
+                <a:bodyPr/>
+                <a:lstStyle/>
+                <a:p>
+                  <a:r>
+                    <a:rPr lang="ru-RU">
+                      <a:noFill/>
+                    </a:rPr>
+                    <a:t> </a:t>
+                  </a:r>
+                </a:p>
+              </p:txBody>
+            </p:sp>
+          </mc:Fallback>
+        </mc:AlternateContent>
+      </p:grpSp>
+      <p:grpSp>
+        <p:nvGrpSpPr>
+          <p:cNvPr id="12" name="Group 20"/>
+          <p:cNvGrpSpPr>
+            <a:grpSpLocks/>
+          </p:cNvGrpSpPr>
+          <p:nvPr/>
+        </p:nvGrpSpPr>
+        <p:grpSpPr bwMode="auto">
+          <a:xfrm>
+            <a:off x="4040128" y="5593771"/>
+            <a:ext cx="3967166" cy="406004"/>
+            <a:chOff x="1776" y="2069"/>
+            <a:chExt cx="2499" cy="341"/>
+          </a:xfrm>
+        </p:grpSpPr>
+        <p:sp>
+          <p:nvSpPr>
+            <p:cNvPr id="13" name="Line 13"/>
+            <p:cNvSpPr>
+              <a:spLocks noChangeShapeType="1"/>
+            </p:cNvSpPr>
+            <p:nvPr/>
+          </p:nvSpPr>
+          <p:spPr bwMode="auto">
+            <a:xfrm>
+              <a:off x="1776" y="2410"/>
+              <a:ext cx="2352" cy="0"/>
+            </a:xfrm>
+            <a:prstGeom prst="line">
+              <a:avLst/>
+            </a:prstGeom>
+            <a:noFill/>
+            <a:ln w="38100" cmpd="sng">
+              <a:solidFill>
+                <a:schemeClr val="tx1"/>
+              </a:solidFill>
+              <a:round/>
+              <a:headEnd/>
+              <a:tailEnd type="triangle" w="med" len="med"/>
+            </a:ln>
+            <a:effectLst/>
+          </p:spPr>
+          <p:txBody>
+            <a:bodyPr/>
+            <a:lstStyle/>
+            <a:p>
+              <a:endParaRPr lang="en-US"/>
+            </a:p>
+          </p:txBody>
+        </p:sp>
+        <mc:AlternateContent xmlns:mc="http://schemas.openxmlformats.org/markup-compatibility/2006" xmlns:a14="http://schemas.microsoft.com/office/drawing/2010/main">
+          <mc:Choice Requires="a14">
+            <p:sp>
+              <p:nvSpPr>
+                <p:cNvPr id="14" name="Text Box 14"/>
+                <p:cNvSpPr txBox="1">
+                  <a:spLocks noChangeArrowheads="1"/>
+                </p:cNvSpPr>
+                <p:nvPr/>
+              </p:nvSpPr>
+              <p:spPr bwMode="auto">
+                <a:xfrm>
+                  <a:off x="1828" y="2069"/>
+                  <a:ext cx="2447" cy="336"/>
+                </a:xfrm>
+                <a:prstGeom prst="rect">
+                  <a:avLst/>
+                </a:prstGeom>
+                <a:noFill/>
+                <a:ln w="9525">
+                  <a:noFill/>
+                  <a:miter lim="800000"/>
+                  <a:headEnd/>
+                  <a:tailEnd/>
+                </a:ln>
+                <a:effectLst/>
+              </p:spPr>
+              <p:txBody>
+                <a:bodyPr wrap="none">
+                  <a:spAutoFit/>
+                </a:bodyPr>
+                <a:lstStyle/>
+                <a:p>
+                  <a14:m>
+                    <m:oMath xmlns:m="http://schemas.openxmlformats.org/officeDocument/2006/math">
+                      <m:sSub>
+                        <m:sSubPr>
+                          <m:ctrlPr>
+                            <a:rPr lang="en-US" sz="2000" b="0" i="1" dirty="0" smtClean="0">
+                              <a:latin typeface="Cambria Math" panose="02040503050406030204" pitchFamily="18" charset="0"/>
+                            </a:rPr>
+                          </m:ctrlPr>
+                        </m:sSubPr>
+                        <m:e>
+                          <m:r>
+                            <a:rPr lang="en-US" sz="2000" b="0" i="1" dirty="0" smtClean="0">
+                              <a:latin typeface="Cambria Math" panose="02040503050406030204" pitchFamily="18" charset="0"/>
+                            </a:rPr>
+                            <m:t>𝑡</m:t>
+                          </m:r>
+                        </m:e>
+                        <m:sub>
+                          <m:r>
+                            <a:rPr lang="en-US" sz="2000" b="0" i="1" dirty="0" smtClean="0">
+                              <a:latin typeface="Cambria Math" panose="02040503050406030204" pitchFamily="18" charset="0"/>
+                            </a:rPr>
+                            <m:t>𝑖</m:t>
+                          </m:r>
+                        </m:sub>
+                      </m:sSub>
+                      <m:sSup>
+                        <m:sSupPr>
+                          <m:ctrlPr>
+                            <a:rPr lang="en-US" sz="2000" b="0" i="1" dirty="0" smtClean="0">
+                              <a:latin typeface="Cambria Math" panose="02040503050406030204" pitchFamily="18" charset="0"/>
+                            </a:rPr>
+                          </m:ctrlPr>
+                        </m:sSupPr>
+                        <m:e>
+                          <m:r>
+                            <a:rPr lang="en-US" sz="2000" b="0" i="1" dirty="0" smtClean="0">
+                              <a:latin typeface="Cambria Math" panose="02040503050406030204" pitchFamily="18" charset="0"/>
+                            </a:rPr>
+                            <m:t>←</m:t>
+                          </m:r>
+                        </m:e>
+                        <m:sup>
+                          <m:r>
+                            <a:rPr lang="en-US" sz="2000" b="0" i="1" dirty="0" smtClean="0">
+                              <a:latin typeface="Cambria Math" panose="02040503050406030204" pitchFamily="18" charset="0"/>
+                            </a:rPr>
+                            <m:t>𝑅</m:t>
+                          </m:r>
+                        </m:sup>
+                      </m:sSup>
+                      <m:r>
+                        <a:rPr lang="en-US" sz="2000" b="0" i="1" dirty="0" smtClean="0">
+                          <a:latin typeface="Cambria Math" panose="02040503050406030204" pitchFamily="18" charset="0"/>
+                        </a:rPr>
+                        <m:t>𝑆</m:t>
+                      </m:r>
+                      <m:r>
+                        <a:rPr lang="en-US" sz="2000" b="0" i="1" dirty="0" smtClean="0">
+                          <a:latin typeface="Cambria Math" panose="02040503050406030204" pitchFamily="18" charset="0"/>
+                        </a:rPr>
+                        <m:t>(</m:t>
+                      </m:r>
+                      <m:r>
+                        <a:rPr lang="en-US" sz="2000" b="0" i="1" dirty="0" smtClean="0">
+                          <a:latin typeface="Cambria Math" panose="02040503050406030204" pitchFamily="18" charset="0"/>
+                        </a:rPr>
+                        <m:t>𝑘</m:t>
+                      </m:r>
+                      <m:r>
+                        <a:rPr lang="en-US" sz="2000" b="0" i="1" dirty="0" smtClean="0">
+                          <a:latin typeface="Cambria Math" panose="02040503050406030204" pitchFamily="18" charset="0"/>
+                        </a:rPr>
+                        <m:t>,</m:t>
+                      </m:r>
+                      <m:sSub>
+                        <m:sSubPr>
+                          <m:ctrlPr>
+                            <a:rPr lang="en-US" sz="2000" b="0" i="1" dirty="0" smtClean="0">
+                              <a:latin typeface="Cambria Math" panose="02040503050406030204" pitchFamily="18" charset="0"/>
+                            </a:rPr>
+                          </m:ctrlPr>
+                        </m:sSubPr>
+                        <m:e>
+                          <m:r>
+                            <a:rPr lang="en-US" sz="2000" b="0" i="1" dirty="0" smtClean="0">
+                              <a:latin typeface="Cambria Math" panose="02040503050406030204" pitchFamily="18" charset="0"/>
+                            </a:rPr>
+                            <m:t>𝑚</m:t>
+                          </m:r>
+                        </m:e>
+                        <m:sub>
+                          <m:r>
+                            <a:rPr lang="en-US" sz="2000" b="0" i="1" dirty="0" smtClean="0">
+                              <a:latin typeface="Cambria Math" panose="02040503050406030204" pitchFamily="18" charset="0"/>
+                            </a:rPr>
+                            <m:t>𝑖</m:t>
+                          </m:r>
+                        </m:sub>
+                      </m:sSub>
+                      <m:r>
+                        <a:rPr lang="en-US" sz="2000" b="0" i="1" dirty="0" smtClean="0">
+                          <a:latin typeface="Cambria Math" panose="02040503050406030204" pitchFamily="18" charset="0"/>
+                        </a:rPr>
+                        <m:t>)</m:t>
+                      </m:r>
+                    </m:oMath>
+                  </a14:m>
+                  <a:r>
+                    <a:rPr lang="ru-RU" sz="2000" dirty="0" smtClean="0"/>
+                    <a:t> </a:t>
+                  </a:r>
+                  <a:r>
+                    <a:rPr lang="en-US" sz="2000" dirty="0" smtClean="0"/>
+                    <a:t>[</a:t>
+                  </a:r>
+                  <a14:m>
+                    <m:oMath xmlns:m="http://schemas.openxmlformats.org/officeDocument/2006/math">
+                      <m:sSub>
+                        <m:sSubPr>
+                          <m:ctrlPr>
+                            <a:rPr lang="en-US" sz="2000" b="0" i="1" smtClean="0">
+                              <a:latin typeface="Cambria Math" panose="02040503050406030204" pitchFamily="18" charset="0"/>
+                            </a:rPr>
+                          </m:ctrlPr>
+                        </m:sSubPr>
+                        <m:e>
+                          <m:r>
+                            <a:rPr lang="en-US" sz="2000" b="0" i="1" smtClean="0">
+                              <a:latin typeface="Cambria Math" panose="02040503050406030204" pitchFamily="18" charset="0"/>
+                            </a:rPr>
+                            <m:t>𝑟</m:t>
+                          </m:r>
+                        </m:e>
+                        <m:sub>
+                          <m:r>
+                            <a:rPr lang="en-US" sz="2000" i="1" dirty="0">
+                              <a:latin typeface="Cambria Math" panose="02040503050406030204" pitchFamily="18" charset="0"/>
+                              <a:sym typeface="Symbol" pitchFamily="18" charset="2"/>
+                            </a:rPr>
+                            <m:t>𝑖</m:t>
+                          </m:r>
+                          <m:r>
+                            <a:rPr lang="en-US" sz="2000" i="1" dirty="0">
+                              <a:latin typeface="Cambria Math" panose="02040503050406030204" pitchFamily="18" charset="0"/>
+                              <a:sym typeface="Symbol" pitchFamily="18" charset="2"/>
+                            </a:rPr>
+                            <m:t>′</m:t>
+                          </m:r>
+                        </m:sub>
+                      </m:sSub>
+                      <m:r>
+                        <a:rPr lang="en-US" sz="2000" b="0" i="1" smtClean="0">
+                          <a:latin typeface="Cambria Math" panose="02040503050406030204" pitchFamily="18" charset="0"/>
+                        </a:rPr>
+                        <m:t>←</m:t>
+                      </m:r>
+                      <m:r>
+                        <a:rPr lang="en-US" sz="2000" b="0" i="1" smtClean="0">
+                          <a:latin typeface="Cambria Math" panose="02040503050406030204" pitchFamily="18" charset="0"/>
+                        </a:rPr>
+                        <m:t>𝑉</m:t>
+                      </m:r>
+                      <m:r>
+                        <a:rPr lang="en-US" sz="2000" b="0" i="1" smtClean="0">
+                          <a:latin typeface="Cambria Math" panose="02040503050406030204" pitchFamily="18" charset="0"/>
+                        </a:rPr>
+                        <m:t>(</m:t>
+                      </m:r>
+                      <m:r>
+                        <a:rPr lang="en-US" sz="2000" b="0" i="1" smtClean="0">
+                          <a:latin typeface="Cambria Math" panose="02040503050406030204" pitchFamily="18" charset="0"/>
+                        </a:rPr>
+                        <m:t>𝑘</m:t>
+                      </m:r>
+                      <m:r>
+                        <a:rPr lang="en-US" sz="2000" b="0" i="1" smtClean="0">
+                          <a:latin typeface="Cambria Math" panose="02040503050406030204" pitchFamily="18" charset="0"/>
+                        </a:rPr>
+                        <m:t>,</m:t>
+                      </m:r>
+                      <m:sSub>
+                        <m:sSubPr>
+                          <m:ctrlPr>
+                            <a:rPr lang="en-US" sz="2000" b="0" i="1" smtClean="0">
+                              <a:latin typeface="Cambria Math" panose="02040503050406030204" pitchFamily="18" charset="0"/>
+                            </a:rPr>
+                          </m:ctrlPr>
+                        </m:sSubPr>
+                        <m:e>
+                          <m:r>
+                            <a:rPr lang="en-US" sz="2000" b="0" i="1" smtClean="0">
+                              <a:latin typeface="Cambria Math" panose="02040503050406030204" pitchFamily="18" charset="0"/>
+                            </a:rPr>
+                            <m:t>𝑚</m:t>
+                          </m:r>
+                        </m:e>
+                        <m:sub>
+                          <m:r>
+                            <a:rPr lang="en-US" sz="2000" i="1" dirty="0">
+                              <a:latin typeface="Cambria Math" panose="02040503050406030204" pitchFamily="18" charset="0"/>
+                              <a:sym typeface="Symbol" pitchFamily="18" charset="2"/>
+                            </a:rPr>
+                            <m:t>𝑖</m:t>
+                          </m:r>
+                          <m:r>
+                            <a:rPr lang="en-US" sz="2000" i="1" dirty="0">
+                              <a:latin typeface="Cambria Math" panose="02040503050406030204" pitchFamily="18" charset="0"/>
+                              <a:sym typeface="Symbol" pitchFamily="18" charset="2"/>
+                            </a:rPr>
+                            <m:t>′</m:t>
+                          </m:r>
+                        </m:sub>
+                      </m:sSub>
+                      <m:r>
+                        <a:rPr lang="en-US" sz="2000" b="0" i="1" smtClean="0">
+                          <a:latin typeface="Cambria Math" panose="02040503050406030204" pitchFamily="18" charset="0"/>
+                        </a:rPr>
+                        <m:t>,</m:t>
+                      </m:r>
+                      <m:sSub>
+                        <m:sSubPr>
+                          <m:ctrlPr>
+                            <a:rPr lang="en-US" sz="2000" b="0" i="1" smtClean="0">
+                              <a:latin typeface="Cambria Math" panose="02040503050406030204" pitchFamily="18" charset="0"/>
+                            </a:rPr>
+                          </m:ctrlPr>
+                        </m:sSubPr>
+                        <m:e>
+                          <m:r>
+                            <a:rPr lang="en-US" sz="2000" b="0" i="1" smtClean="0">
+                              <a:latin typeface="Cambria Math" panose="02040503050406030204" pitchFamily="18" charset="0"/>
+                            </a:rPr>
+                            <m:t>𝑡</m:t>
+                          </m:r>
+                        </m:e>
+                        <m:sub>
+                          <m:r>
+                            <a:rPr lang="en-US" sz="2000" i="1" dirty="0">
+                              <a:latin typeface="Cambria Math" panose="02040503050406030204" pitchFamily="18" charset="0"/>
+                              <a:sym typeface="Symbol" pitchFamily="18" charset="2"/>
+                            </a:rPr>
+                            <m:t>𝑖</m:t>
+                          </m:r>
+                          <m:r>
+                            <a:rPr lang="en-US" sz="2000" i="1" dirty="0">
+                              <a:latin typeface="Cambria Math" panose="02040503050406030204" pitchFamily="18" charset="0"/>
+                              <a:sym typeface="Symbol" pitchFamily="18" charset="2"/>
+                            </a:rPr>
+                            <m:t>′</m:t>
+                          </m:r>
+                        </m:sub>
+                      </m:sSub>
+                      <m:r>
+                        <a:rPr lang="en-US" sz="2000" b="0" i="1" smtClean="0">
+                          <a:latin typeface="Cambria Math" panose="02040503050406030204" pitchFamily="18" charset="0"/>
+                        </a:rPr>
+                        <m:t>)</m:t>
+                      </m:r>
+                    </m:oMath>
+                  </a14:m>
+                  <a:r>
+                    <a:rPr lang="en-US" sz="2000" dirty="0" smtClean="0"/>
+                    <a:t>]</a:t>
+                  </a:r>
+                  <a:endParaRPr lang="en-US" sz="2000" dirty="0"/>
+                </a:p>
+              </p:txBody>
+            </p:sp>
+          </mc:Choice>
+          <mc:Fallback xmlns="">
+            <p:sp>
+              <p:nvSpPr>
+                <p:cNvPr id="14" name="Text Box 14"/>
+                <p:cNvSpPr txBox="1">
+                  <a:spLocks noRot="1" noChangeAspect="1" noMove="1" noResize="1" noEditPoints="1" noAdjustHandles="1" noChangeArrowheads="1" noChangeShapeType="1" noTextEdit="1"/>
+                </p:cNvSpPr>
+                <p:nvPr/>
+              </p:nvSpPr>
+              <p:spPr bwMode="auto">
+                <a:xfrm>
+                  <a:off x="1828" y="2069"/>
+                  <a:ext cx="2447" cy="336"/>
+                </a:xfrm>
+                <a:prstGeom prst="rect">
+                  <a:avLst/>
+                </a:prstGeom>
+                <a:blipFill rotWithShape="0">
+                  <a:blip r:embed="rId5"/>
+                  <a:stretch>
+                    <a:fillRect t="-9231" r="-627" b="-27692"/>
+                  </a:stretch>
+                </a:blipFill>
+                <a:ln w="9525">
+                  <a:noFill/>
+                  <a:miter lim="800000"/>
+                  <a:headEnd/>
+                  <a:tailEnd/>
+                </a:ln>
+                <a:effectLst/>
+              </p:spPr>
+              <p:txBody>
+                <a:bodyPr/>
+                <a:lstStyle/>
+                <a:p>
+                  <a:r>
+                    <a:rPr lang="ru-RU">
+                      <a:noFill/>
+                    </a:rPr>
+                    <a:t> </a:t>
+                  </a:r>
+                </a:p>
+              </p:txBody>
+            </p:sp>
+          </mc:Fallback>
+        </mc:AlternateContent>
+      </p:grpSp>
+      <p:sp>
+        <p:nvSpPr>
+          <p:cNvPr id="15" name="Rectangle 18"/>
+          <p:cNvSpPr>
+            <a:spLocks noChangeArrowheads="1"/>
+          </p:cNvSpPr>
+          <p:nvPr/>
+        </p:nvSpPr>
+        <p:spPr bwMode="auto">
+          <a:xfrm>
+            <a:off x="2009718" y="4607626"/>
+            <a:ext cx="7924800" cy="1920172"/>
+          </a:xfrm>
+          <a:prstGeom prst="rect">
+            <a:avLst/>
+          </a:prstGeom>
+          <a:noFill/>
+          <a:ln w="38100">
+            <a:solidFill>
+              <a:schemeClr val="folHlink"/>
+            </a:solidFill>
+            <a:miter lim="800000"/>
+            <a:headEnd/>
+            <a:tailEnd/>
+          </a:ln>
+          <a:effectLst/>
+        </p:spPr>
+        <p:txBody>
+          <a:bodyPr wrap="none" anchor="ctr"/>
+          <a:lstStyle/>
+          <a:p>
+            <a:endParaRPr lang="en-US"/>
+          </a:p>
+        </p:txBody>
+      </p:sp>
+      <p:sp>
+        <p:nvSpPr>
+          <p:cNvPr id="16" name="TextBox 15"/>
+          <p:cNvSpPr txBox="1"/>
+          <p:nvPr/>
+        </p:nvSpPr>
+        <p:spPr>
+          <a:xfrm>
+            <a:off x="5608419" y="5829788"/>
+            <a:ext cx="415498" cy="492443"/>
+          </a:xfrm>
+          <a:prstGeom prst="rect">
+            <a:avLst/>
+          </a:prstGeom>
+          <a:noFill/>
+        </p:spPr>
+        <p:txBody>
+          <a:bodyPr wrap="none" rtlCol="0">
+            <a:spAutoFit/>
+          </a:bodyPr>
+          <a:lstStyle/>
+          <a:p>
+            <a:r>
+              <a:rPr lang="en-US" sz="2600" dirty="0" smtClean="0"/>
+              <a:t>…</a:t>
+            </a:r>
+            <a:endParaRPr lang="ru-RU" sz="2600" dirty="0"/>
+          </a:p>
+        </p:txBody>
+      </p:sp>
+      <p:sp>
+        <p:nvSpPr>
+          <p:cNvPr id="17" name="Line 5"/>
+          <p:cNvSpPr>
+            <a:spLocks noChangeShapeType="1"/>
+          </p:cNvSpPr>
+          <p:nvPr/>
+        </p:nvSpPr>
+        <p:spPr bwMode="auto">
+          <a:xfrm>
+            <a:off x="9934518" y="5639550"/>
+            <a:ext cx="386096" cy="0"/>
+          </a:xfrm>
+          <a:prstGeom prst="line">
+            <a:avLst/>
+          </a:prstGeom>
+          <a:noFill/>
+          <a:ln w="9525">
+            <a:solidFill>
+              <a:schemeClr val="tx1"/>
+            </a:solidFill>
+            <a:round/>
+            <a:headEnd/>
+            <a:tailEnd type="triangle" w="med" len="med"/>
+          </a:ln>
+          <a:effectLst/>
+        </p:spPr>
+        <p:txBody>
+          <a:bodyPr/>
+          <a:lstStyle/>
+          <a:p>
+            <a:endParaRPr lang="en-US"/>
+          </a:p>
+        </p:txBody>
+      </p:sp>
+      <mc:AlternateContent xmlns:mc="http://schemas.openxmlformats.org/markup-compatibility/2006" xmlns:a14="http://schemas.microsoft.com/office/drawing/2010/main">
+        <mc:Choice Requires="a14">
+          <p:sp>
+            <p:nvSpPr>
+              <p:cNvPr id="18" name="Text Box 6"/>
+              <p:cNvSpPr txBox="1">
+                <a:spLocks noChangeArrowheads="1"/>
+              </p:cNvSpPr>
+              <p:nvPr/>
+            </p:nvSpPr>
+            <p:spPr bwMode="auto">
+              <a:xfrm>
+                <a:off x="10149875" y="5209218"/>
+                <a:ext cx="471365" cy="461665"/>
+              </a:xfrm>
+              <a:prstGeom prst="rect">
+                <a:avLst/>
+              </a:prstGeom>
+              <a:noFill/>
+              <a:ln w="9525">
+                <a:noFill/>
+                <a:miter lim="800000"/>
+                <a:headEnd/>
+                <a:tailEnd/>
+              </a:ln>
+              <a:effectLst/>
+            </p:spPr>
+            <p:txBody>
+              <a:bodyPr wrap="square">
+                <a:spAutoFit/>
+              </a:bodyPr>
+              <a:lstStyle/>
+              <a:p>
+                <a:pPr/>
+                <a14:m>
+                  <m:oMathPara xmlns:m="http://schemas.openxmlformats.org/officeDocument/2006/math">
+                    <m:oMathParaPr>
+                      <m:jc m:val="centerGroup"/>
+                    </m:oMathParaPr>
+                    <m:oMath xmlns:m="http://schemas.openxmlformats.org/officeDocument/2006/math">
+                      <m:d>
+                        <m:dPr>
+                          <m:ctrlPr>
+                            <a:rPr lang="ru-RU" sz="2400" i="1">
+                              <a:latin typeface="Cambria Math" panose="02040503050406030204" pitchFamily="18" charset="0"/>
+                            </a:rPr>
+                          </m:ctrlPr>
+                        </m:dPr>
+                        <m:e>
+                          <m:r>
+                            <a:rPr lang="en-US" sz="2400" i="1">
+                              <a:latin typeface="Cambria Math" panose="02040503050406030204" pitchFamily="18" charset="0"/>
+                            </a:rPr>
+                            <m:t>𝑚</m:t>
+                          </m:r>
+                          <m:r>
+                            <a:rPr lang="en-US" sz="2400" i="1">
+                              <a:latin typeface="Cambria Math" panose="02040503050406030204" pitchFamily="18" charset="0"/>
+                            </a:rPr>
+                            <m:t>,</m:t>
+                          </m:r>
+                          <m:r>
+                            <a:rPr lang="en-US" sz="2400" i="1">
+                              <a:latin typeface="Cambria Math" panose="02040503050406030204" pitchFamily="18" charset="0"/>
+                            </a:rPr>
+                            <m:t>𝑡</m:t>
+                          </m:r>
+                        </m:e>
+                      </m:d>
+                    </m:oMath>
+                  </m:oMathPara>
+                </a14:m>
+                <a:endParaRPr lang="en-US" sz="2400" i="1" dirty="0"/>
+              </a:p>
+            </p:txBody>
+          </p:sp>
+        </mc:Choice>
+        <mc:Fallback xmlns="">
+          <p:sp>
+            <p:nvSpPr>
+              <p:cNvPr id="18" name="Text Box 6"/>
+              <p:cNvSpPr txBox="1">
+                <a:spLocks noRot="1" noChangeAspect="1" noMove="1" noResize="1" noEditPoints="1" noAdjustHandles="1" noChangeArrowheads="1" noChangeShapeType="1" noTextEdit="1"/>
+              </p:cNvSpPr>
+              <p:nvPr/>
+            </p:nvSpPr>
+            <p:spPr bwMode="auto">
+              <a:xfrm>
+                <a:off x="10149875" y="5209218"/>
+                <a:ext cx="471365" cy="461665"/>
+              </a:xfrm>
+              <a:prstGeom prst="rect">
+                <a:avLst/>
+              </a:prstGeom>
+              <a:blipFill rotWithShape="0">
+                <a:blip r:embed="rId6"/>
+                <a:stretch>
+                  <a:fillRect r="-75325"/>
+                </a:stretch>
+              </a:blipFill>
+              <a:ln w="9525">
+                <a:noFill/>
+                <a:miter lim="800000"/>
+                <a:headEnd/>
+                <a:tailEnd/>
+              </a:ln>
+              <a:effectLst/>
+            </p:spPr>
+            <p:txBody>
+              <a:bodyPr/>
+              <a:lstStyle/>
+              <a:p>
+                <a:r>
+                  <a:rPr lang="ru-RU">
+                    <a:noFill/>
+                  </a:rPr>
+                  <a:t> </a:t>
+                </a:r>
+              </a:p>
+            </p:txBody>
+          </p:sp>
+        </mc:Fallback>
+      </mc:AlternateContent>
+      <p:sp>
+        <p:nvSpPr>
+          <p:cNvPr id="19" name="TextBox 18"/>
+          <p:cNvSpPr txBox="1"/>
+          <p:nvPr/>
+        </p:nvSpPr>
+        <p:spPr>
+          <a:xfrm>
+            <a:off x="5608419" y="4725210"/>
+            <a:ext cx="415498" cy="492443"/>
+          </a:xfrm>
+          <a:prstGeom prst="rect">
+            <a:avLst/>
+          </a:prstGeom>
+          <a:noFill/>
+        </p:spPr>
+        <p:txBody>
+          <a:bodyPr wrap="none" rtlCol="0">
+            <a:spAutoFit/>
+          </a:bodyPr>
+          <a:lstStyle/>
+          <a:p>
+            <a:r>
+              <a:rPr lang="en-US" sz="2600" dirty="0" smtClean="0"/>
+              <a:t>…</a:t>
+            </a:r>
+            <a:endParaRPr lang="ru-RU" sz="2600" dirty="0"/>
+          </a:p>
+        </p:txBody>
+      </p:sp>
+      <mc:AlternateContent xmlns:mc="http://schemas.openxmlformats.org/markup-compatibility/2006" xmlns:a14="http://schemas.microsoft.com/office/drawing/2010/main">
+        <mc:Choice Requires="a14">
+          <p:sp>
+            <p:nvSpPr>
+              <p:cNvPr id="20" name="Text Box 13"/>
+              <p:cNvSpPr txBox="1">
+                <a:spLocks noChangeArrowheads="1"/>
+              </p:cNvSpPr>
+              <p:nvPr/>
+            </p:nvSpPr>
+            <p:spPr bwMode="auto">
+              <a:xfrm>
+                <a:off x="2966526" y="5522086"/>
+                <a:ext cx="632609" cy="423129"/>
+              </a:xfrm>
+              <a:prstGeom prst="rect">
+                <a:avLst/>
+              </a:prstGeom>
+              <a:noFill/>
+              <a:ln w="9525">
+                <a:noFill/>
+                <a:miter lim="800000"/>
+                <a:headEnd/>
+                <a:tailEnd/>
+              </a:ln>
+              <a:effectLst/>
+            </p:spPr>
+            <p:txBody>
+              <a:bodyPr wrap="none">
+                <a:spAutoFit/>
+              </a:bodyPr>
+              <a:lstStyle/>
+              <a:p>
+                <a:r>
+                  <a:rPr lang="en-US" sz="1600" i="1" dirty="0" smtClean="0"/>
+                  <a:t>k</a:t>
+                </a:r>
+                <a14:m>
+                  <m:oMath xmlns:m="http://schemas.openxmlformats.org/officeDocument/2006/math">
+                    <m:groupChr>
+                      <m:groupChrPr>
+                        <m:chr m:val="←"/>
+                        <m:vertJc m:val="bot"/>
+                        <m:ctrlPr>
+                          <a:rPr lang="en-US" sz="1600" i="1">
+                            <a:latin typeface="Cambria Math" panose="02040503050406030204" pitchFamily="18" charset="0"/>
+                          </a:rPr>
+                        </m:ctrlPr>
+                      </m:groupChrPr>
+                      <m:e>
+                        <m:r>
+                          <m:rPr>
+                            <m:brk m:alnAt="2"/>
+                          </m:rPr>
+                          <a:rPr lang="en-US" sz="1600" i="1">
+                            <a:latin typeface="Cambria Math" panose="02040503050406030204" pitchFamily="18" charset="0"/>
+                          </a:rPr>
+                          <m:t>𝑅</m:t>
+                        </m:r>
+                      </m:e>
+                    </m:groupChr>
+                    <m:r>
+                      <a:rPr lang="en-US" sz="1600" b="0" i="1" smtClean="0">
+                        <a:latin typeface="Cambria Math" panose="02040503050406030204" pitchFamily="18" charset="0"/>
+                      </a:rPr>
+                      <m:t>𝐾</m:t>
+                    </m:r>
+                  </m:oMath>
+                </a14:m>
+                <a:endParaRPr lang="en-US" sz="1600" b="1" baseline="-25000" dirty="0">
+                  <a:cs typeface="Arial" charset="0"/>
+                  <a:sym typeface="Symbol" pitchFamily="18" charset="2"/>
+                </a:endParaRPr>
+              </a:p>
+            </p:txBody>
+          </p:sp>
+        </mc:Choice>
+        <mc:Fallback xmlns="">
+          <p:sp>
+            <p:nvSpPr>
+              <p:cNvPr id="20" name="Text Box 13"/>
+              <p:cNvSpPr txBox="1">
+                <a:spLocks noRot="1" noChangeAspect="1" noMove="1" noResize="1" noEditPoints="1" noAdjustHandles="1" noChangeArrowheads="1" noChangeShapeType="1" noTextEdit="1"/>
+              </p:cNvSpPr>
+              <p:nvPr/>
+            </p:nvSpPr>
+            <p:spPr bwMode="auto">
+              <a:xfrm>
+                <a:off x="2966526" y="5522086"/>
+                <a:ext cx="632609" cy="423129"/>
+              </a:xfrm>
+              <a:prstGeom prst="rect">
+                <a:avLst/>
+              </a:prstGeom>
+              <a:blipFill rotWithShape="0">
+                <a:blip r:embed="rId7"/>
+                <a:stretch>
+                  <a:fillRect l="-5825" r="-28155" b="-44928"/>
+                </a:stretch>
+              </a:blipFill>
+              <a:ln w="9525">
+                <a:noFill/>
+                <a:miter lim="800000"/>
+                <a:headEnd/>
+                <a:tailEnd/>
+              </a:ln>
+              <a:effectLst/>
+            </p:spPr>
+            <p:txBody>
+              <a:bodyPr/>
+              <a:lstStyle/>
+              <a:p>
+                <a:r>
+                  <a:rPr lang="ru-RU">
+                    <a:noFill/>
+                  </a:rPr>
+                  <a:t> </a:t>
+                </a:r>
+              </a:p>
+            </p:txBody>
+          </p:sp>
+        </mc:Fallback>
+      </mc:AlternateContent>
+    </p:spTree>
+    <p:extLst>
+      <p:ext uri="{BB962C8B-B14F-4D97-AF65-F5344CB8AC3E}">
+        <p14:creationId xmlns:p14="http://schemas.microsoft.com/office/powerpoint/2010/main" val="2006613779"/>
+      </p:ext>
+    </p:extLst>
+  </p:cSld>
+  <p:clrMapOvr>
+    <a:masterClrMapping/>
+  </p:clrMapOvr>
+  <p:timing>
+    <p:tnLst>
+      <p:par>
+        <p:cTn id="1" dur="indefinite" restart="never" nodeType="tmRoot"/>
+      </p:par>
+    </p:tnLst>
+  </p:timing>
+</p:sld>
+</file>
+
+<file path=ppt/slides/slide14.xml><?xml version="1.0" encoding="utf-8"?>
+<p:sld xmlns:a="http://schemas.openxmlformats.org/drawingml/2006/main" xmlns:r="http://schemas.openxmlformats.org/officeDocument/2006/relationships" xmlns:p="http://schemas.openxmlformats.org/presentationml/2006/main">
+  <p:cSld>
+    <p:spTree>
+      <p:nvGrpSpPr>
+        <p:cNvPr id="1" name=""/>
+        <p:cNvGrpSpPr/>
+        <p:nvPr/>
+      </p:nvGrpSpPr>
+      <p:grpSpPr>
+        <a:xfrm>
+          <a:off x="0" y="0"/>
+          <a:ext cx="0" cy="0"/>
+          <a:chOff x="0" y="0"/>
+          <a:chExt cx="0" cy="0"/>
+        </a:xfrm>
+      </p:grpSpPr>
+      <p:sp>
+        <p:nvSpPr>
+          <p:cNvPr id="2" name="Заголовок 1"/>
+          <p:cNvSpPr>
+            <a:spLocks noGrp="1"/>
+          </p:cNvSpPr>
+          <p:nvPr>
+            <p:ph type="title"/>
+          </p:nvPr>
+        </p:nvSpPr>
+        <p:spPr/>
+        <p:txBody>
+          <a:bodyPr/>
+          <a:lstStyle/>
+          <a:p>
+            <a:r>
+              <a:rPr lang="ru-RU" dirty="0" smtClean="0"/>
+              <a:t>Игра на стойкость </a:t>
+            </a:r>
+            <a:r>
+              <a:rPr lang="en-US" dirty="0" smtClean="0"/>
+              <a:t>MAC</a:t>
+            </a:r>
+            <a:r>
+              <a:rPr lang="ru-RU" dirty="0" smtClean="0"/>
+              <a:t> </a:t>
+            </a:r>
+            <a:r>
+              <a:rPr lang="en-US" dirty="0" smtClean="0"/>
+              <a:t/>
+            </a:r>
+            <a:br>
+              <a:rPr lang="en-US" dirty="0" smtClean="0"/>
+            </a:br>
+            <a:r>
+              <a:rPr lang="ru-RU" dirty="0" smtClean="0"/>
+              <a:t>(с запросами на проверку</a:t>
+            </a:r>
+            <a:r>
+              <a:rPr lang="en-US" dirty="0" smtClean="0"/>
+              <a:t>)</a:t>
+            </a:r>
+            <a:endParaRPr lang="ru-RU" dirty="0"/>
+          </a:p>
+        </p:txBody>
+      </p:sp>
+      <mc:AlternateContent xmlns:mc="http://schemas.openxmlformats.org/markup-compatibility/2006" xmlns:a14="http://schemas.microsoft.com/office/drawing/2010/main">
+        <mc:Choice Requires="a14">
+          <p:sp>
+            <p:nvSpPr>
+              <p:cNvPr id="3" name="Объект 2"/>
+              <p:cNvSpPr>
+                <a:spLocks noGrp="1"/>
+              </p:cNvSpPr>
+              <p:nvPr>
+                <p:ph idx="1"/>
+              </p:nvPr>
+            </p:nvSpPr>
+            <p:spPr/>
+            <p:txBody>
+              <a:bodyPr>
+                <a:normAutofit/>
+              </a:bodyPr>
+              <a:lstStyle/>
+              <a:p>
+                <a:r>
+                  <a:rPr lang="ru-RU" sz="2400" dirty="0" smtClean="0"/>
+                  <a:t>Противник побеждает в игре, если пара </a:t>
+                </a:r>
+                <a14:m>
+                  <m:oMath xmlns:m="http://schemas.openxmlformats.org/officeDocument/2006/math">
+                    <m:r>
+                      <a:rPr lang="ru-RU" sz="2400" i="1">
+                        <a:latin typeface="Cambria Math" panose="02040503050406030204" pitchFamily="18" charset="0"/>
+                      </a:rPr>
+                      <m:t>(</m:t>
+                    </m:r>
+                    <m:r>
+                      <a:rPr lang="en-US" sz="2400" i="1">
+                        <a:latin typeface="Cambria Math" panose="02040503050406030204" pitchFamily="18" charset="0"/>
+                      </a:rPr>
+                      <m:t>𝑚</m:t>
+                    </m:r>
+                    <m:r>
+                      <a:rPr lang="en-US" sz="2400" i="1">
+                        <a:latin typeface="Cambria Math" panose="02040503050406030204" pitchFamily="18" charset="0"/>
+                      </a:rPr>
+                      <m:t>,</m:t>
+                    </m:r>
+                    <m:r>
+                      <a:rPr lang="en-US" sz="2400" i="1">
+                        <a:latin typeface="Cambria Math" panose="02040503050406030204" pitchFamily="18" charset="0"/>
+                      </a:rPr>
+                      <m:t>𝑡</m:t>
+                    </m:r>
+                    <m:r>
+                      <a:rPr lang="en-US" sz="2400" i="1">
+                        <a:latin typeface="Cambria Math" panose="02040503050406030204" pitchFamily="18" charset="0"/>
+                      </a:rPr>
+                      <m:t>)</m:t>
+                    </m:r>
+                  </m:oMath>
+                </a14:m>
+                <a:r>
+                  <a:rPr lang="en-US" sz="2400" dirty="0"/>
+                  <a:t> – </a:t>
+                </a:r>
+                <a:r>
+                  <a:rPr lang="ru-RU" sz="2400" dirty="0"/>
+                  <a:t>верная пара сообщение – </a:t>
+                </a:r>
+                <a:r>
+                  <a:rPr lang="en-US" sz="2400" dirty="0"/>
+                  <a:t>MA</a:t>
+                </a:r>
+                <a:r>
+                  <a:rPr lang="ru-RU" sz="2400" dirty="0"/>
+                  <a:t>С, т.е. </a:t>
+                </a:r>
+                <a14:m>
+                  <m:oMath xmlns:m="http://schemas.openxmlformats.org/officeDocument/2006/math">
+                    <m:r>
+                      <a:rPr lang="en-US" sz="2400" i="1">
+                        <a:latin typeface="Cambria Math" panose="02040503050406030204" pitchFamily="18" charset="0"/>
+                      </a:rPr>
+                      <m:t>𝑉</m:t>
+                    </m:r>
+                    <m:d>
+                      <m:dPr>
+                        <m:ctrlPr>
+                          <a:rPr lang="en-US" sz="2400" i="1">
+                            <a:latin typeface="Cambria Math" panose="02040503050406030204" pitchFamily="18" charset="0"/>
+                          </a:rPr>
+                        </m:ctrlPr>
+                      </m:dPr>
+                      <m:e>
+                        <m:r>
+                          <a:rPr lang="en-US" sz="2400" i="1">
+                            <a:latin typeface="Cambria Math" panose="02040503050406030204" pitchFamily="18" charset="0"/>
+                          </a:rPr>
+                          <m:t>𝑘</m:t>
+                        </m:r>
+                        <m:r>
+                          <a:rPr lang="en-US" sz="2400" i="1">
+                            <a:latin typeface="Cambria Math" panose="02040503050406030204" pitchFamily="18" charset="0"/>
+                          </a:rPr>
+                          <m:t>,</m:t>
+                        </m:r>
+                        <m:r>
+                          <a:rPr lang="en-US" sz="2400" i="1">
+                            <a:latin typeface="Cambria Math" panose="02040503050406030204" pitchFamily="18" charset="0"/>
+                          </a:rPr>
+                          <m:t>𝑚</m:t>
+                        </m:r>
+                        <m:r>
+                          <a:rPr lang="en-US" sz="2400" i="1">
+                            <a:latin typeface="Cambria Math" panose="02040503050406030204" pitchFamily="18" charset="0"/>
+                          </a:rPr>
+                          <m:t>,</m:t>
+                        </m:r>
+                        <m:r>
+                          <a:rPr lang="en-US" sz="2400" i="1">
+                            <a:latin typeface="Cambria Math" panose="02040503050406030204" pitchFamily="18" charset="0"/>
+                          </a:rPr>
+                          <m:t>𝑡</m:t>
+                        </m:r>
+                      </m:e>
+                    </m:d>
+                    <m:r>
+                      <a:rPr lang="en-US" sz="2400" i="1">
+                        <a:latin typeface="Cambria Math" panose="02040503050406030204" pitchFamily="18" charset="0"/>
+                      </a:rPr>
+                      <m:t>=1</m:t>
+                    </m:r>
+                    <m:r>
+                      <a:rPr lang="en-US" sz="2400">
+                        <a:latin typeface="Cambria Math" panose="02040503050406030204" pitchFamily="18" charset="0"/>
+                      </a:rPr>
+                      <m:t>.</m:t>
+                    </m:r>
+                  </m:oMath>
+                </a14:m>
+                <a:endParaRPr lang="en-US" sz="2400" dirty="0"/>
+              </a:p>
+              <a:p>
+                <a:r>
+                  <a:rPr lang="ru-RU" sz="2400" dirty="0"/>
+                  <a:t>Преимуществом противника </a:t>
+                </a:r>
+                <a14:m>
+                  <m:oMath xmlns:m="http://schemas.openxmlformats.org/officeDocument/2006/math">
+                    <m:r>
+                      <a:rPr lang="en-US" sz="2400" i="1">
+                        <a:latin typeface="Cambria Math" panose="02040503050406030204" pitchFamily="18" charset="0"/>
+                      </a:rPr>
+                      <m:t>𝐴</m:t>
+                    </m:r>
+                  </m:oMath>
+                </a14:m>
+                <a:r>
+                  <a:rPr lang="ru-RU" sz="2400" dirty="0"/>
+                  <a:t> в игре против </a:t>
+                </a:r>
+                <a:r>
+                  <a:rPr lang="en-US" sz="2400" dirty="0"/>
+                  <a:t>MAC </a:t>
+                </a:r>
+                <a14:m>
+                  <m:oMath xmlns:m="http://schemas.openxmlformats.org/officeDocument/2006/math">
+                    <m:r>
+                      <a:rPr lang="en-US" sz="2400" i="1">
+                        <a:latin typeface="Cambria Math" panose="02040503050406030204" pitchFamily="18" charset="0"/>
+                      </a:rPr>
+                      <m:t>𝐼</m:t>
+                    </m:r>
+                    <m:r>
+                      <a:rPr lang="en-US" sz="2400" i="1">
+                        <a:latin typeface="Cambria Math" panose="02040503050406030204" pitchFamily="18" charset="0"/>
+                      </a:rPr>
+                      <m:t>=(</m:t>
+                    </m:r>
+                    <m:r>
+                      <a:rPr lang="en-US" sz="2400" i="1">
+                        <a:latin typeface="Cambria Math" panose="02040503050406030204" pitchFamily="18" charset="0"/>
+                      </a:rPr>
+                      <m:t>𝑆</m:t>
+                    </m:r>
+                    <m:r>
+                      <a:rPr lang="en-US" sz="2400" i="1">
+                        <a:latin typeface="Cambria Math" panose="02040503050406030204" pitchFamily="18" charset="0"/>
+                      </a:rPr>
+                      <m:t>,</m:t>
+                    </m:r>
+                    <m:r>
+                      <a:rPr lang="en-US" sz="2400" i="1">
+                        <a:latin typeface="Cambria Math" panose="02040503050406030204" pitchFamily="18" charset="0"/>
+                      </a:rPr>
+                      <m:t>𝑉</m:t>
+                    </m:r>
+                    <m:r>
+                      <a:rPr lang="en-US" sz="2400" i="1">
+                        <a:latin typeface="Cambria Math" panose="02040503050406030204" pitchFamily="18" charset="0"/>
+                      </a:rPr>
+                      <m:t>)</m:t>
+                    </m:r>
+                  </m:oMath>
+                </a14:m>
+                <a:r>
+                  <a:rPr lang="en-US" sz="2400" dirty="0"/>
+                  <a:t> </a:t>
+                </a:r>
+                <a:r>
+                  <a:rPr lang="ru-RU" sz="2400" dirty="0"/>
+                  <a:t>называется величина </a:t>
+                </a:r>
+                <a14:m>
+                  <m:oMath xmlns:m="http://schemas.openxmlformats.org/officeDocument/2006/math">
+                    <m:r>
+                      <a:rPr lang="en-US" sz="2400" i="1">
+                        <a:latin typeface="Cambria Math" panose="02040503050406030204" pitchFamily="18" charset="0"/>
+                      </a:rPr>
+                      <m:t>𝑀𝐴</m:t>
+                    </m:r>
+                    <m:sSubSup>
+                      <m:sSubSupPr>
+                        <m:ctrlPr>
+                          <a:rPr lang="en-US" sz="2400" b="0" i="1" smtClean="0">
+                            <a:latin typeface="Cambria Math" panose="02040503050406030204" pitchFamily="18" charset="0"/>
+                          </a:rPr>
+                        </m:ctrlPr>
+                      </m:sSubSupPr>
+                      <m:e>
+                        <m:r>
+                          <a:rPr lang="en-US" sz="2400" i="1">
+                            <a:latin typeface="Cambria Math" panose="02040503050406030204" pitchFamily="18" charset="0"/>
+                          </a:rPr>
+                          <m:t>𝐶</m:t>
+                        </m:r>
+                      </m:e>
+                      <m:sub>
+                        <m:r>
+                          <a:rPr lang="en-US" sz="2400" i="1">
+                            <a:latin typeface="Cambria Math" panose="02040503050406030204" pitchFamily="18" charset="0"/>
+                          </a:rPr>
+                          <m:t>𝑎𝑑𝑣</m:t>
+                        </m:r>
+                      </m:sub>
+                      <m:sup>
+                        <m:r>
+                          <a:rPr lang="en-US" sz="2400" b="0" i="1" smtClean="0">
+                            <a:latin typeface="Cambria Math" panose="02040503050406030204" pitchFamily="18" charset="0"/>
+                          </a:rPr>
+                          <m:t>𝑣𝑞</m:t>
+                        </m:r>
+                      </m:sup>
+                    </m:sSubSup>
+                    <m:d>
+                      <m:dPr>
+                        <m:begChr m:val="["/>
+                        <m:endChr m:val="]"/>
+                        <m:ctrlPr>
+                          <a:rPr lang="en-US" sz="2400" i="1">
+                            <a:latin typeface="Cambria Math" panose="02040503050406030204" pitchFamily="18" charset="0"/>
+                          </a:rPr>
+                        </m:ctrlPr>
+                      </m:dPr>
+                      <m:e>
+                        <m:r>
+                          <a:rPr lang="en-US" sz="2400" i="1">
+                            <a:latin typeface="Cambria Math" panose="02040503050406030204" pitchFamily="18" charset="0"/>
+                          </a:rPr>
+                          <m:t>𝐴</m:t>
+                        </m:r>
+                        <m:r>
+                          <a:rPr lang="en-US" sz="2400" i="1">
+                            <a:latin typeface="Cambria Math" panose="02040503050406030204" pitchFamily="18" charset="0"/>
+                          </a:rPr>
+                          <m:t>,</m:t>
+                        </m:r>
+                        <m:r>
+                          <a:rPr lang="en-US" sz="2400" i="1">
+                            <a:latin typeface="Cambria Math" panose="02040503050406030204" pitchFamily="18" charset="0"/>
+                          </a:rPr>
+                          <m:t>𝐼</m:t>
+                        </m:r>
+                      </m:e>
+                    </m:d>
+                    <m:r>
+                      <a:rPr lang="en-US" sz="2400" i="1">
+                        <a:latin typeface="Cambria Math" panose="02040503050406030204" pitchFamily="18" charset="0"/>
+                      </a:rPr>
+                      <m:t>=</m:t>
+                    </m:r>
+                    <m:r>
+                      <m:rPr>
+                        <m:sty m:val="p"/>
+                      </m:rPr>
+                      <a:rPr lang="en-US" sz="2400">
+                        <a:latin typeface="Cambria Math" panose="02040503050406030204" pitchFamily="18" charset="0"/>
+                      </a:rPr>
+                      <m:t>Pr</m:t>
+                    </m:r>
+                    <m:r>
+                      <a:rPr lang="en-US" sz="2400" i="1">
+                        <a:latin typeface="Cambria Math" panose="02040503050406030204" pitchFamily="18" charset="0"/>
+                      </a:rPr>
+                      <m:t>⁡[</m:t>
+                    </m:r>
+                    <m:r>
+                      <a:rPr lang="en-US" sz="2400" i="1">
+                        <a:latin typeface="Cambria Math" panose="02040503050406030204" pitchFamily="18" charset="0"/>
+                      </a:rPr>
+                      <m:t>𝑉</m:t>
+                    </m:r>
+                    <m:d>
+                      <m:dPr>
+                        <m:ctrlPr>
+                          <a:rPr lang="en-US" sz="2400" i="1">
+                            <a:latin typeface="Cambria Math" panose="02040503050406030204" pitchFamily="18" charset="0"/>
+                          </a:rPr>
+                        </m:ctrlPr>
+                      </m:dPr>
+                      <m:e>
+                        <m:r>
+                          <a:rPr lang="en-US" sz="2400" i="1">
+                            <a:latin typeface="Cambria Math" panose="02040503050406030204" pitchFamily="18" charset="0"/>
+                          </a:rPr>
+                          <m:t>𝑘</m:t>
+                        </m:r>
+                        <m:r>
+                          <a:rPr lang="en-US" sz="2400" i="1">
+                            <a:latin typeface="Cambria Math" panose="02040503050406030204" pitchFamily="18" charset="0"/>
+                          </a:rPr>
+                          <m:t>,</m:t>
+                        </m:r>
+                        <m:r>
+                          <a:rPr lang="en-US" sz="2400" i="1">
+                            <a:latin typeface="Cambria Math" panose="02040503050406030204" pitchFamily="18" charset="0"/>
+                          </a:rPr>
+                          <m:t>𝑚</m:t>
+                        </m:r>
+                        <m:r>
+                          <a:rPr lang="en-US" sz="2400" i="1">
+                            <a:latin typeface="Cambria Math" panose="02040503050406030204" pitchFamily="18" charset="0"/>
+                          </a:rPr>
+                          <m:t>,</m:t>
+                        </m:r>
+                        <m:r>
+                          <a:rPr lang="en-US" sz="2400" i="1">
+                            <a:latin typeface="Cambria Math" panose="02040503050406030204" pitchFamily="18" charset="0"/>
+                          </a:rPr>
+                          <m:t>𝑡</m:t>
+                        </m:r>
+                      </m:e>
+                    </m:d>
+                    <m:r>
+                      <a:rPr lang="en-US" sz="2400" i="1">
+                        <a:latin typeface="Cambria Math" panose="02040503050406030204" pitchFamily="18" charset="0"/>
+                      </a:rPr>
+                      <m:t>=1</m:t>
+                    </m:r>
+                  </m:oMath>
+                </a14:m>
+                <a:r>
+                  <a:rPr lang="en-US" sz="2400" dirty="0" smtClean="0"/>
+                  <a:t>].</a:t>
+                </a:r>
+                <a:endParaRPr lang="ru-RU" sz="2400" dirty="0" smtClean="0"/>
+              </a:p>
+              <a:p>
+                <a:r>
+                  <a:rPr lang="en-US" sz="2400" dirty="0"/>
+                  <a:t>MAC </a:t>
+                </a:r>
+                <a14:m>
+                  <m:oMath xmlns:m="http://schemas.openxmlformats.org/officeDocument/2006/math">
+                    <m:r>
+                      <a:rPr lang="en-US" sz="2400" i="1">
+                        <a:latin typeface="Cambria Math" panose="02040503050406030204" pitchFamily="18" charset="0"/>
+                      </a:rPr>
+                      <m:t>𝐼</m:t>
+                    </m:r>
+                    <m:r>
+                      <a:rPr lang="en-US" sz="2400" i="1">
+                        <a:latin typeface="Cambria Math" panose="02040503050406030204" pitchFamily="18" charset="0"/>
+                      </a:rPr>
+                      <m:t>=(</m:t>
+                    </m:r>
+                    <m:r>
+                      <a:rPr lang="en-US" sz="2400" i="1">
+                        <a:latin typeface="Cambria Math" panose="02040503050406030204" pitchFamily="18" charset="0"/>
+                      </a:rPr>
+                      <m:t>𝑆</m:t>
+                    </m:r>
+                    <m:r>
+                      <a:rPr lang="en-US" sz="2400" i="1">
+                        <a:latin typeface="Cambria Math" panose="02040503050406030204" pitchFamily="18" charset="0"/>
+                      </a:rPr>
+                      <m:t>,</m:t>
+                    </m:r>
+                    <m:r>
+                      <a:rPr lang="en-US" sz="2400" i="1">
+                        <a:latin typeface="Cambria Math" panose="02040503050406030204" pitchFamily="18" charset="0"/>
+                      </a:rPr>
+                      <m:t>𝑉</m:t>
+                    </m:r>
+                    <m:r>
+                      <a:rPr lang="en-US" sz="2400" i="1">
+                        <a:latin typeface="Cambria Math" panose="02040503050406030204" pitchFamily="18" charset="0"/>
+                      </a:rPr>
+                      <m:t>)</m:t>
+                    </m:r>
+                  </m:oMath>
+                </a14:m>
+                <a:r>
+                  <a:rPr lang="en-US" sz="2400" dirty="0"/>
+                  <a:t> </a:t>
+                </a:r>
+                <a:r>
+                  <a:rPr lang="ru-RU" sz="2400" dirty="0" smtClean="0"/>
+                  <a:t>называется </a:t>
+                </a:r>
+                <a:r>
+                  <a:rPr lang="en-US" sz="2400" dirty="0" err="1" smtClean="0"/>
+                  <a:t>vq</a:t>
+                </a:r>
+                <a:r>
+                  <a:rPr lang="ru-RU" sz="2400" dirty="0" smtClean="0"/>
+                  <a:t> </a:t>
+                </a:r>
+                <a:r>
+                  <a:rPr lang="ru-RU" sz="2400" dirty="0"/>
+                  <a:t>стойким </a:t>
+                </a:r>
+                <a:r>
+                  <a:rPr lang="en-US" sz="2400" dirty="0"/>
+                  <a:t>MA</a:t>
+                </a:r>
+                <a:r>
+                  <a:rPr lang="ru-RU" sz="2400" dirty="0"/>
+                  <a:t>С, если </a:t>
+                </a:r>
+                <a14:m>
+                  <m:oMath xmlns:m="http://schemas.openxmlformats.org/officeDocument/2006/math">
+                    <m:r>
+                      <a:rPr lang="en-US" sz="2400" i="1">
+                        <a:latin typeface="Cambria Math" panose="02040503050406030204" pitchFamily="18" charset="0"/>
+                      </a:rPr>
+                      <m:t>∀</m:t>
+                    </m:r>
+                    <m:r>
+                      <a:rPr lang="en-US" sz="2400" i="1">
+                        <a:latin typeface="Cambria Math" panose="02040503050406030204" pitchFamily="18" charset="0"/>
+                      </a:rPr>
+                      <m:t>𝐴𝑀𝐴</m:t>
+                    </m:r>
+                    <m:sSubSup>
+                      <m:sSubSupPr>
+                        <m:ctrlPr>
+                          <a:rPr lang="en-US" sz="2400" i="1">
+                            <a:latin typeface="Cambria Math" panose="02040503050406030204" pitchFamily="18" charset="0"/>
+                          </a:rPr>
+                        </m:ctrlPr>
+                      </m:sSubSupPr>
+                      <m:e>
+                        <m:r>
+                          <a:rPr lang="en-US" sz="2400" i="1">
+                            <a:latin typeface="Cambria Math" panose="02040503050406030204" pitchFamily="18" charset="0"/>
+                          </a:rPr>
+                          <m:t>𝐶</m:t>
+                        </m:r>
+                      </m:e>
+                      <m:sub>
+                        <m:r>
+                          <a:rPr lang="en-US" sz="2400" i="1">
+                            <a:latin typeface="Cambria Math" panose="02040503050406030204" pitchFamily="18" charset="0"/>
+                          </a:rPr>
+                          <m:t>𝑎𝑑𝑣</m:t>
+                        </m:r>
+                      </m:sub>
+                      <m:sup>
+                        <m:r>
+                          <a:rPr lang="en-US" sz="2400" i="1">
+                            <a:latin typeface="Cambria Math" panose="02040503050406030204" pitchFamily="18" charset="0"/>
+                          </a:rPr>
+                          <m:t>𝑣𝑞</m:t>
+                        </m:r>
+                      </m:sup>
+                    </m:sSubSup>
+                    <m:d>
+                      <m:dPr>
+                        <m:begChr m:val="["/>
+                        <m:endChr m:val="]"/>
+                        <m:ctrlPr>
+                          <a:rPr lang="en-US" sz="2400" i="1">
+                            <a:latin typeface="Cambria Math" panose="02040503050406030204" pitchFamily="18" charset="0"/>
+                          </a:rPr>
+                        </m:ctrlPr>
+                      </m:dPr>
+                      <m:e>
+                        <m:r>
+                          <a:rPr lang="en-US" sz="2400" i="1">
+                            <a:latin typeface="Cambria Math" panose="02040503050406030204" pitchFamily="18" charset="0"/>
+                          </a:rPr>
+                          <m:t>𝐴</m:t>
+                        </m:r>
+                        <m:r>
+                          <a:rPr lang="en-US" sz="2400" i="1">
+                            <a:latin typeface="Cambria Math" panose="02040503050406030204" pitchFamily="18" charset="0"/>
+                          </a:rPr>
+                          <m:t>,</m:t>
+                        </m:r>
+                        <m:r>
+                          <a:rPr lang="en-US" sz="2400" i="1">
+                            <a:latin typeface="Cambria Math" panose="02040503050406030204" pitchFamily="18" charset="0"/>
+                          </a:rPr>
+                          <m:t>𝐼</m:t>
+                        </m:r>
+                      </m:e>
+                    </m:d>
+                    <m:r>
+                      <a:rPr lang="en-US" sz="2400" i="1">
+                        <a:latin typeface="Cambria Math" panose="02040503050406030204" pitchFamily="18" charset="0"/>
+                      </a:rPr>
+                      <m:t>≤</m:t>
+                    </m:r>
+                    <m:r>
+                      <a:rPr lang="en-US" sz="2400" i="1">
+                        <a:latin typeface="Cambria Math" panose="02040503050406030204" pitchFamily="18" charset="0"/>
+                      </a:rPr>
+                      <m:t>𝜖</m:t>
+                    </m:r>
+                    <m:r>
+                      <a:rPr lang="en-US" sz="2400" i="1">
+                        <a:latin typeface="Cambria Math" panose="02040503050406030204" pitchFamily="18" charset="0"/>
+                      </a:rPr>
+                      <m:t>, </m:t>
+                    </m:r>
+                    <m:r>
+                      <a:rPr lang="en-US" sz="2400" i="1">
+                        <a:latin typeface="Cambria Math" panose="02040503050406030204" pitchFamily="18" charset="0"/>
+                      </a:rPr>
+                      <m:t>𝜖</m:t>
+                    </m:r>
+                  </m:oMath>
+                </a14:m>
+                <a:r>
+                  <a:rPr lang="en-US" sz="2400" dirty="0"/>
+                  <a:t> – </a:t>
+                </a:r>
+                <a:r>
+                  <a:rPr lang="ru-RU" sz="2400" dirty="0"/>
+                  <a:t>пренебрежимо малая величина.</a:t>
+                </a:r>
+              </a:p>
+              <a:p>
+                <a:endParaRPr lang="en-US" sz="2400" dirty="0"/>
+              </a:p>
+            </p:txBody>
+          </p:sp>
+        </mc:Choice>
+        <mc:Fallback xmlns="">
+          <p:sp>
+            <p:nvSpPr>
+              <p:cNvPr id="3" name="Объект 2"/>
+              <p:cNvSpPr>
+                <a:spLocks noGrp="1" noRot="1" noChangeAspect="1" noMove="1" noResize="1" noEditPoints="1" noAdjustHandles="1" noChangeArrowheads="1" noChangeShapeType="1" noTextEdit="1"/>
+              </p:cNvSpPr>
+              <p:nvPr>
+                <p:ph idx="1"/>
+              </p:nvPr>
+            </p:nvSpPr>
+            <p:spPr>
+              <a:blipFill rotWithShape="0">
+                <a:blip r:embed="rId2"/>
+                <a:stretch>
+                  <a:fillRect l="-812" t="-1961"/>
+                </a:stretch>
+              </a:blipFill>
+            </p:spPr>
+            <p:txBody>
+              <a:bodyPr/>
+              <a:lstStyle/>
+              <a:p>
+                <a:r>
+                  <a:rPr lang="ru-RU">
+                    <a:noFill/>
+                  </a:rPr>
+                  <a:t> </a:t>
+                </a:r>
+              </a:p>
+            </p:txBody>
+          </p:sp>
+        </mc:Fallback>
+      </mc:AlternateContent>
+      <p:sp>
+        <p:nvSpPr>
+          <p:cNvPr id="4" name="Номер слайда 3"/>
+          <p:cNvSpPr>
+            <a:spLocks noGrp="1"/>
+          </p:cNvSpPr>
+          <p:nvPr>
+            <p:ph type="sldNum" sz="quarter" idx="12"/>
+          </p:nvPr>
+        </p:nvSpPr>
+        <p:spPr/>
+        <p:txBody>
+          <a:bodyPr/>
+          <a:lstStyle/>
+          <a:p>
+            <a:fld id="{8253DDDB-F8F7-4D64-A7FD-3F3D61C1949F}" type="slidenum">
+              <a:rPr lang="ru-RU" smtClean="0"/>
+              <a:t>14</a:t>
             </a:fld>
             <a:endParaRPr lang="ru-RU"/>
           </a:p>
@@ -9083,1852 +10917,6 @@
     </p:spTree>
     <p:extLst>
       <p:ext uri="{BB962C8B-B14F-4D97-AF65-F5344CB8AC3E}">
-        <p14:creationId xmlns:p14="http://schemas.microsoft.com/office/powerpoint/2010/main" val="2006613779"/>
-      </p:ext>
-    </p:extLst>
-  </p:cSld>
-  <p:clrMapOvr>
-    <a:masterClrMapping/>
-  </p:clrMapOvr>
-  <p:timing>
-    <p:tnLst>
-      <p:par>
-        <p:cTn id="1" dur="indefinite" restart="never" nodeType="tmRoot"/>
-      </p:par>
-    </p:tnLst>
-  </p:timing>
-</p:sld>
-</file>
-
-<file path=ppt/slides/slide14.xml><?xml version="1.0" encoding="utf-8"?>
-<p:sld xmlns:a="http://schemas.openxmlformats.org/drawingml/2006/main" xmlns:r="http://schemas.openxmlformats.org/officeDocument/2006/relationships" xmlns:p="http://schemas.openxmlformats.org/presentationml/2006/main">
-  <p:cSld>
-    <p:spTree>
-      <p:nvGrpSpPr>
-        <p:cNvPr id="1" name=""/>
-        <p:cNvGrpSpPr/>
-        <p:nvPr/>
-      </p:nvGrpSpPr>
-      <p:grpSpPr>
-        <a:xfrm>
-          <a:off x="0" y="0"/>
-          <a:ext cx="0" cy="0"/>
-          <a:chOff x="0" y="0"/>
-          <a:chExt cx="0" cy="0"/>
-        </a:xfrm>
-      </p:grpSpPr>
-      <p:sp>
-        <p:nvSpPr>
-          <p:cNvPr id="2" name="Заголовок 1"/>
-          <p:cNvSpPr>
-            <a:spLocks noGrp="1"/>
-          </p:cNvSpPr>
-          <p:nvPr>
-            <p:ph type="title"/>
-          </p:nvPr>
-        </p:nvSpPr>
-        <p:spPr/>
-        <p:txBody>
-          <a:bodyPr/>
-          <a:lstStyle/>
-          <a:p>
-            <a:r>
-              <a:rPr lang="ru-RU" dirty="0" smtClean="0"/>
-              <a:t>Игра на стойкость </a:t>
-            </a:r>
-            <a:r>
-              <a:rPr lang="en-US" dirty="0" smtClean="0"/>
-              <a:t>MAC</a:t>
-            </a:r>
-            <a:r>
-              <a:rPr lang="ru-RU" dirty="0" smtClean="0"/>
-              <a:t> </a:t>
-            </a:r>
-            <a:r>
-              <a:rPr lang="en-US" dirty="0" smtClean="0"/>
-              <a:t/>
-            </a:r>
-            <a:br>
-              <a:rPr lang="en-US" dirty="0" smtClean="0"/>
-            </a:br>
-            <a:r>
-              <a:rPr lang="ru-RU" dirty="0" smtClean="0"/>
-              <a:t>(с запросами на проверку</a:t>
-            </a:r>
-            <a:r>
-              <a:rPr lang="en-US" dirty="0" smtClean="0"/>
-              <a:t>)</a:t>
-            </a:r>
-            <a:endParaRPr lang="ru-RU" dirty="0"/>
-          </a:p>
-        </p:txBody>
-      </p:sp>
-      <mc:AlternateContent xmlns:mc="http://schemas.openxmlformats.org/markup-compatibility/2006" xmlns:a14="http://schemas.microsoft.com/office/drawing/2010/main">
-        <mc:Choice Requires="a14">
-          <p:sp>
-            <p:nvSpPr>
-              <p:cNvPr id="3" name="Объект 2"/>
-              <p:cNvSpPr>
-                <a:spLocks noGrp="1"/>
-              </p:cNvSpPr>
-              <p:nvPr>
-                <p:ph idx="1"/>
-              </p:nvPr>
-            </p:nvSpPr>
-            <p:spPr/>
-            <p:txBody>
-              <a:bodyPr>
-                <a:normAutofit/>
-              </a:bodyPr>
-              <a:lstStyle/>
-              <a:p>
-                <a:r>
-                  <a:rPr lang="ru-RU" sz="2400" dirty="0" smtClean="0"/>
-                  <a:t>Противник побеждает в игре, если пара </a:t>
-                </a:r>
-                <a14:m>
-                  <m:oMath xmlns:m="http://schemas.openxmlformats.org/officeDocument/2006/math">
-                    <m:r>
-                      <a:rPr lang="ru-RU" sz="2400" i="1">
-                        <a:latin typeface="Cambria Math" panose="02040503050406030204" pitchFamily="18" charset="0"/>
-                      </a:rPr>
-                      <m:t>(</m:t>
-                    </m:r>
-                    <m:r>
-                      <a:rPr lang="en-US" sz="2400" i="1">
-                        <a:latin typeface="Cambria Math" panose="02040503050406030204" pitchFamily="18" charset="0"/>
-                      </a:rPr>
-                      <m:t>𝑚</m:t>
-                    </m:r>
-                    <m:r>
-                      <a:rPr lang="en-US" sz="2400" i="1">
-                        <a:latin typeface="Cambria Math" panose="02040503050406030204" pitchFamily="18" charset="0"/>
-                      </a:rPr>
-                      <m:t>,</m:t>
-                    </m:r>
-                    <m:r>
-                      <a:rPr lang="en-US" sz="2400" i="1">
-                        <a:latin typeface="Cambria Math" panose="02040503050406030204" pitchFamily="18" charset="0"/>
-                      </a:rPr>
-                      <m:t>𝑡</m:t>
-                    </m:r>
-                    <m:r>
-                      <a:rPr lang="en-US" sz="2400" i="1">
-                        <a:latin typeface="Cambria Math" panose="02040503050406030204" pitchFamily="18" charset="0"/>
-                      </a:rPr>
-                      <m:t>)</m:t>
-                    </m:r>
-                  </m:oMath>
-                </a14:m>
-                <a:r>
-                  <a:rPr lang="en-US" sz="2400" dirty="0"/>
-                  <a:t> – </a:t>
-                </a:r>
-                <a:r>
-                  <a:rPr lang="ru-RU" sz="2400" dirty="0"/>
-                  <a:t>верная пара сообщение – </a:t>
-                </a:r>
-                <a:r>
-                  <a:rPr lang="en-US" sz="2400" dirty="0"/>
-                  <a:t>MA</a:t>
-                </a:r>
-                <a:r>
-                  <a:rPr lang="ru-RU" sz="2400" dirty="0"/>
-                  <a:t>С, т.е. </a:t>
-                </a:r>
-                <a14:m>
-                  <m:oMath xmlns:m="http://schemas.openxmlformats.org/officeDocument/2006/math">
-                    <m:r>
-                      <a:rPr lang="en-US" sz="2400" i="1">
-                        <a:latin typeface="Cambria Math" panose="02040503050406030204" pitchFamily="18" charset="0"/>
-                      </a:rPr>
-                      <m:t>𝑉</m:t>
-                    </m:r>
-                    <m:d>
-                      <m:dPr>
-                        <m:ctrlPr>
-                          <a:rPr lang="en-US" sz="2400" i="1">
-                            <a:latin typeface="Cambria Math" panose="02040503050406030204" pitchFamily="18" charset="0"/>
-                          </a:rPr>
-                        </m:ctrlPr>
-                      </m:dPr>
-                      <m:e>
-                        <m:r>
-                          <a:rPr lang="en-US" sz="2400" i="1">
-                            <a:latin typeface="Cambria Math" panose="02040503050406030204" pitchFamily="18" charset="0"/>
-                          </a:rPr>
-                          <m:t>𝑘</m:t>
-                        </m:r>
-                        <m:r>
-                          <a:rPr lang="en-US" sz="2400" i="1">
-                            <a:latin typeface="Cambria Math" panose="02040503050406030204" pitchFamily="18" charset="0"/>
-                          </a:rPr>
-                          <m:t>,</m:t>
-                        </m:r>
-                        <m:r>
-                          <a:rPr lang="en-US" sz="2400" i="1">
-                            <a:latin typeface="Cambria Math" panose="02040503050406030204" pitchFamily="18" charset="0"/>
-                          </a:rPr>
-                          <m:t>𝑚</m:t>
-                        </m:r>
-                        <m:r>
-                          <a:rPr lang="en-US" sz="2400" i="1">
-                            <a:latin typeface="Cambria Math" panose="02040503050406030204" pitchFamily="18" charset="0"/>
-                          </a:rPr>
-                          <m:t>,</m:t>
-                        </m:r>
-                        <m:r>
-                          <a:rPr lang="en-US" sz="2400" i="1">
-                            <a:latin typeface="Cambria Math" panose="02040503050406030204" pitchFamily="18" charset="0"/>
-                          </a:rPr>
-                          <m:t>𝑡</m:t>
-                        </m:r>
-                      </m:e>
-                    </m:d>
-                    <m:r>
-                      <a:rPr lang="en-US" sz="2400" i="1">
-                        <a:latin typeface="Cambria Math" panose="02040503050406030204" pitchFamily="18" charset="0"/>
-                      </a:rPr>
-                      <m:t>=1</m:t>
-                    </m:r>
-                    <m:r>
-                      <a:rPr lang="en-US" sz="2400">
-                        <a:latin typeface="Cambria Math" panose="02040503050406030204" pitchFamily="18" charset="0"/>
-                      </a:rPr>
-                      <m:t>.</m:t>
-                    </m:r>
-                  </m:oMath>
-                </a14:m>
-                <a:endParaRPr lang="en-US" sz="2400" dirty="0"/>
-              </a:p>
-              <a:p>
-                <a:r>
-                  <a:rPr lang="ru-RU" sz="2400" dirty="0"/>
-                  <a:t>Преимуществом противника </a:t>
-                </a:r>
-                <a14:m>
-                  <m:oMath xmlns:m="http://schemas.openxmlformats.org/officeDocument/2006/math">
-                    <m:r>
-                      <a:rPr lang="en-US" sz="2400" i="1">
-                        <a:latin typeface="Cambria Math" panose="02040503050406030204" pitchFamily="18" charset="0"/>
-                      </a:rPr>
-                      <m:t>𝐴</m:t>
-                    </m:r>
-                  </m:oMath>
-                </a14:m>
-                <a:r>
-                  <a:rPr lang="ru-RU" sz="2400" dirty="0"/>
-                  <a:t> в игре против </a:t>
-                </a:r>
-                <a:r>
-                  <a:rPr lang="en-US" sz="2400" dirty="0"/>
-                  <a:t>MAC </a:t>
-                </a:r>
-                <a14:m>
-                  <m:oMath xmlns:m="http://schemas.openxmlformats.org/officeDocument/2006/math">
-                    <m:r>
-                      <a:rPr lang="en-US" sz="2400" i="1">
-                        <a:latin typeface="Cambria Math" panose="02040503050406030204" pitchFamily="18" charset="0"/>
-                      </a:rPr>
-                      <m:t>𝐼</m:t>
-                    </m:r>
-                    <m:r>
-                      <a:rPr lang="en-US" sz="2400" i="1">
-                        <a:latin typeface="Cambria Math" panose="02040503050406030204" pitchFamily="18" charset="0"/>
-                      </a:rPr>
-                      <m:t>=(</m:t>
-                    </m:r>
-                    <m:r>
-                      <a:rPr lang="en-US" sz="2400" i="1">
-                        <a:latin typeface="Cambria Math" panose="02040503050406030204" pitchFamily="18" charset="0"/>
-                      </a:rPr>
-                      <m:t>𝑆</m:t>
-                    </m:r>
-                    <m:r>
-                      <a:rPr lang="en-US" sz="2400" i="1">
-                        <a:latin typeface="Cambria Math" panose="02040503050406030204" pitchFamily="18" charset="0"/>
-                      </a:rPr>
-                      <m:t>,</m:t>
-                    </m:r>
-                    <m:r>
-                      <a:rPr lang="en-US" sz="2400" i="1">
-                        <a:latin typeface="Cambria Math" panose="02040503050406030204" pitchFamily="18" charset="0"/>
-                      </a:rPr>
-                      <m:t>𝑉</m:t>
-                    </m:r>
-                    <m:r>
-                      <a:rPr lang="en-US" sz="2400" i="1">
-                        <a:latin typeface="Cambria Math" panose="02040503050406030204" pitchFamily="18" charset="0"/>
-                      </a:rPr>
-                      <m:t>)</m:t>
-                    </m:r>
-                  </m:oMath>
-                </a14:m>
-                <a:r>
-                  <a:rPr lang="en-US" sz="2400" dirty="0"/>
-                  <a:t> </a:t>
-                </a:r>
-                <a:r>
-                  <a:rPr lang="ru-RU" sz="2400" dirty="0"/>
-                  <a:t>называется величина </a:t>
-                </a:r>
-                <a14:m>
-                  <m:oMath xmlns:m="http://schemas.openxmlformats.org/officeDocument/2006/math">
-                    <m:r>
-                      <a:rPr lang="en-US" sz="2400" i="1">
-                        <a:latin typeface="Cambria Math" panose="02040503050406030204" pitchFamily="18" charset="0"/>
-                      </a:rPr>
-                      <m:t>𝑀𝐴</m:t>
-                    </m:r>
-                    <m:sSubSup>
-                      <m:sSubSupPr>
-                        <m:ctrlPr>
-                          <a:rPr lang="en-US" sz="2400" b="0" i="1" smtClean="0">
-                            <a:latin typeface="Cambria Math" panose="02040503050406030204" pitchFamily="18" charset="0"/>
-                          </a:rPr>
-                        </m:ctrlPr>
-                      </m:sSubSupPr>
-                      <m:e>
-                        <m:r>
-                          <a:rPr lang="en-US" sz="2400" i="1">
-                            <a:latin typeface="Cambria Math" panose="02040503050406030204" pitchFamily="18" charset="0"/>
-                          </a:rPr>
-                          <m:t>𝐶</m:t>
-                        </m:r>
-                      </m:e>
-                      <m:sub>
-                        <m:r>
-                          <a:rPr lang="en-US" sz="2400" i="1">
-                            <a:latin typeface="Cambria Math" panose="02040503050406030204" pitchFamily="18" charset="0"/>
-                          </a:rPr>
-                          <m:t>𝑎𝑑𝑣</m:t>
-                        </m:r>
-                      </m:sub>
-                      <m:sup>
-                        <m:r>
-                          <a:rPr lang="en-US" sz="2400" b="0" i="1" smtClean="0">
-                            <a:latin typeface="Cambria Math" panose="02040503050406030204" pitchFamily="18" charset="0"/>
-                          </a:rPr>
-                          <m:t>𝑣𝑞</m:t>
-                        </m:r>
-                      </m:sup>
-                    </m:sSubSup>
-                    <m:d>
-                      <m:dPr>
-                        <m:begChr m:val="["/>
-                        <m:endChr m:val="]"/>
-                        <m:ctrlPr>
-                          <a:rPr lang="en-US" sz="2400" i="1">
-                            <a:latin typeface="Cambria Math" panose="02040503050406030204" pitchFamily="18" charset="0"/>
-                          </a:rPr>
-                        </m:ctrlPr>
-                      </m:dPr>
-                      <m:e>
-                        <m:r>
-                          <a:rPr lang="en-US" sz="2400" i="1">
-                            <a:latin typeface="Cambria Math" panose="02040503050406030204" pitchFamily="18" charset="0"/>
-                          </a:rPr>
-                          <m:t>𝐴</m:t>
-                        </m:r>
-                        <m:r>
-                          <a:rPr lang="en-US" sz="2400" i="1">
-                            <a:latin typeface="Cambria Math" panose="02040503050406030204" pitchFamily="18" charset="0"/>
-                          </a:rPr>
-                          <m:t>,</m:t>
-                        </m:r>
-                        <m:r>
-                          <a:rPr lang="en-US" sz="2400" i="1">
-                            <a:latin typeface="Cambria Math" panose="02040503050406030204" pitchFamily="18" charset="0"/>
-                          </a:rPr>
-                          <m:t>𝐼</m:t>
-                        </m:r>
-                      </m:e>
-                    </m:d>
-                    <m:r>
-                      <a:rPr lang="en-US" sz="2400" i="1">
-                        <a:latin typeface="Cambria Math" panose="02040503050406030204" pitchFamily="18" charset="0"/>
-                      </a:rPr>
-                      <m:t>=</m:t>
-                    </m:r>
-                    <m:r>
-                      <m:rPr>
-                        <m:sty m:val="p"/>
-                      </m:rPr>
-                      <a:rPr lang="en-US" sz="2400">
-                        <a:latin typeface="Cambria Math" panose="02040503050406030204" pitchFamily="18" charset="0"/>
-                      </a:rPr>
-                      <m:t>Pr</m:t>
-                    </m:r>
-                    <m:r>
-                      <a:rPr lang="en-US" sz="2400" i="1">
-                        <a:latin typeface="Cambria Math" panose="02040503050406030204" pitchFamily="18" charset="0"/>
-                      </a:rPr>
-                      <m:t>⁡[</m:t>
-                    </m:r>
-                    <m:r>
-                      <a:rPr lang="en-US" sz="2400" i="1">
-                        <a:latin typeface="Cambria Math" panose="02040503050406030204" pitchFamily="18" charset="0"/>
-                      </a:rPr>
-                      <m:t>𝑉</m:t>
-                    </m:r>
-                    <m:d>
-                      <m:dPr>
-                        <m:ctrlPr>
-                          <a:rPr lang="en-US" sz="2400" i="1">
-                            <a:latin typeface="Cambria Math" panose="02040503050406030204" pitchFamily="18" charset="0"/>
-                          </a:rPr>
-                        </m:ctrlPr>
-                      </m:dPr>
-                      <m:e>
-                        <m:r>
-                          <a:rPr lang="en-US" sz="2400" i="1">
-                            <a:latin typeface="Cambria Math" panose="02040503050406030204" pitchFamily="18" charset="0"/>
-                          </a:rPr>
-                          <m:t>𝑘</m:t>
-                        </m:r>
-                        <m:r>
-                          <a:rPr lang="en-US" sz="2400" i="1">
-                            <a:latin typeface="Cambria Math" panose="02040503050406030204" pitchFamily="18" charset="0"/>
-                          </a:rPr>
-                          <m:t>,</m:t>
-                        </m:r>
-                        <m:r>
-                          <a:rPr lang="en-US" sz="2400" i="1">
-                            <a:latin typeface="Cambria Math" panose="02040503050406030204" pitchFamily="18" charset="0"/>
-                          </a:rPr>
-                          <m:t>𝑚</m:t>
-                        </m:r>
-                        <m:r>
-                          <a:rPr lang="en-US" sz="2400" i="1">
-                            <a:latin typeface="Cambria Math" panose="02040503050406030204" pitchFamily="18" charset="0"/>
-                          </a:rPr>
-                          <m:t>,</m:t>
-                        </m:r>
-                        <m:r>
-                          <a:rPr lang="en-US" sz="2400" i="1">
-                            <a:latin typeface="Cambria Math" panose="02040503050406030204" pitchFamily="18" charset="0"/>
-                          </a:rPr>
-                          <m:t>𝑡</m:t>
-                        </m:r>
-                      </m:e>
-                    </m:d>
-                    <m:r>
-                      <a:rPr lang="en-US" sz="2400" i="1">
-                        <a:latin typeface="Cambria Math" panose="02040503050406030204" pitchFamily="18" charset="0"/>
-                      </a:rPr>
-                      <m:t>=1</m:t>
-                    </m:r>
-                  </m:oMath>
-                </a14:m>
-                <a:r>
-                  <a:rPr lang="en-US" sz="2400" dirty="0" smtClean="0"/>
-                  <a:t>].</a:t>
-                </a:r>
-                <a:endParaRPr lang="ru-RU" sz="2400" dirty="0" smtClean="0"/>
-              </a:p>
-              <a:p>
-                <a:r>
-                  <a:rPr lang="en-US" sz="2400" dirty="0"/>
-                  <a:t>MAC </a:t>
-                </a:r>
-                <a14:m>
-                  <m:oMath xmlns:m="http://schemas.openxmlformats.org/officeDocument/2006/math">
-                    <m:r>
-                      <a:rPr lang="en-US" sz="2400" i="1">
-                        <a:latin typeface="Cambria Math" panose="02040503050406030204" pitchFamily="18" charset="0"/>
-                      </a:rPr>
-                      <m:t>𝐼</m:t>
-                    </m:r>
-                    <m:r>
-                      <a:rPr lang="en-US" sz="2400" i="1">
-                        <a:latin typeface="Cambria Math" panose="02040503050406030204" pitchFamily="18" charset="0"/>
-                      </a:rPr>
-                      <m:t>=(</m:t>
-                    </m:r>
-                    <m:r>
-                      <a:rPr lang="en-US" sz="2400" i="1">
-                        <a:latin typeface="Cambria Math" panose="02040503050406030204" pitchFamily="18" charset="0"/>
-                      </a:rPr>
-                      <m:t>𝑆</m:t>
-                    </m:r>
-                    <m:r>
-                      <a:rPr lang="en-US" sz="2400" i="1">
-                        <a:latin typeface="Cambria Math" panose="02040503050406030204" pitchFamily="18" charset="0"/>
-                      </a:rPr>
-                      <m:t>,</m:t>
-                    </m:r>
-                    <m:r>
-                      <a:rPr lang="en-US" sz="2400" i="1">
-                        <a:latin typeface="Cambria Math" panose="02040503050406030204" pitchFamily="18" charset="0"/>
-                      </a:rPr>
-                      <m:t>𝑉</m:t>
-                    </m:r>
-                    <m:r>
-                      <a:rPr lang="en-US" sz="2400" i="1">
-                        <a:latin typeface="Cambria Math" panose="02040503050406030204" pitchFamily="18" charset="0"/>
-                      </a:rPr>
-                      <m:t>)</m:t>
-                    </m:r>
-                  </m:oMath>
-                </a14:m>
-                <a:r>
-                  <a:rPr lang="en-US" sz="2400" dirty="0"/>
-                  <a:t> </a:t>
-                </a:r>
-                <a:r>
-                  <a:rPr lang="ru-RU" sz="2400" dirty="0" smtClean="0"/>
-                  <a:t>называется </a:t>
-                </a:r>
-                <a:r>
-                  <a:rPr lang="en-US" sz="2400" dirty="0" err="1" smtClean="0"/>
-                  <a:t>vq</a:t>
-                </a:r>
-                <a:r>
-                  <a:rPr lang="ru-RU" sz="2400" dirty="0" smtClean="0"/>
-                  <a:t> </a:t>
-                </a:r>
-                <a:r>
-                  <a:rPr lang="ru-RU" sz="2400" dirty="0"/>
-                  <a:t>стойким </a:t>
-                </a:r>
-                <a:r>
-                  <a:rPr lang="en-US" sz="2400" dirty="0"/>
-                  <a:t>MA</a:t>
-                </a:r>
-                <a:r>
-                  <a:rPr lang="ru-RU" sz="2400" dirty="0"/>
-                  <a:t>С, если </a:t>
-                </a:r>
-                <a14:m>
-                  <m:oMath xmlns:m="http://schemas.openxmlformats.org/officeDocument/2006/math">
-                    <m:r>
-                      <a:rPr lang="en-US" sz="2400" i="1">
-                        <a:latin typeface="Cambria Math" panose="02040503050406030204" pitchFamily="18" charset="0"/>
-                      </a:rPr>
-                      <m:t>∀</m:t>
-                    </m:r>
-                    <m:r>
-                      <a:rPr lang="en-US" sz="2400" i="1">
-                        <a:latin typeface="Cambria Math" panose="02040503050406030204" pitchFamily="18" charset="0"/>
-                      </a:rPr>
-                      <m:t>𝐴</m:t>
-                    </m:r>
-                    <m:r>
-                      <a:rPr lang="en-US" sz="2400" i="1">
-                        <a:latin typeface="Cambria Math" panose="02040503050406030204" pitchFamily="18" charset="0"/>
-                      </a:rPr>
-                      <m:t> </m:t>
-                    </m:r>
-                    <m:r>
-                      <a:rPr lang="en-US" sz="2400" i="1">
-                        <a:latin typeface="Cambria Math" panose="02040503050406030204" pitchFamily="18" charset="0"/>
-                      </a:rPr>
-                      <m:t>𝑀𝐴</m:t>
-                    </m:r>
-                    <m:sSub>
-                      <m:sSubPr>
-                        <m:ctrlPr>
-                          <a:rPr lang="en-US" sz="2400" i="1">
-                            <a:latin typeface="Cambria Math" panose="02040503050406030204" pitchFamily="18" charset="0"/>
-                          </a:rPr>
-                        </m:ctrlPr>
-                      </m:sSubPr>
-                      <m:e>
-                        <m:r>
-                          <a:rPr lang="en-US" sz="2400" i="1">
-                            <a:latin typeface="Cambria Math" panose="02040503050406030204" pitchFamily="18" charset="0"/>
-                          </a:rPr>
-                          <m:t>𝐶</m:t>
-                        </m:r>
-                      </m:e>
-                      <m:sub>
-                        <m:r>
-                          <a:rPr lang="en-US" sz="2400" i="1">
-                            <a:latin typeface="Cambria Math" panose="02040503050406030204" pitchFamily="18" charset="0"/>
-                          </a:rPr>
-                          <m:t>𝑎𝑑𝑣</m:t>
-                        </m:r>
-                      </m:sub>
-                    </m:sSub>
-                    <m:d>
-                      <m:dPr>
-                        <m:begChr m:val="["/>
-                        <m:endChr m:val="]"/>
-                        <m:ctrlPr>
-                          <a:rPr lang="en-US" sz="2400" i="1">
-                            <a:latin typeface="Cambria Math" panose="02040503050406030204" pitchFamily="18" charset="0"/>
-                          </a:rPr>
-                        </m:ctrlPr>
-                      </m:dPr>
-                      <m:e>
-                        <m:r>
-                          <a:rPr lang="en-US" sz="2400" i="1">
-                            <a:latin typeface="Cambria Math" panose="02040503050406030204" pitchFamily="18" charset="0"/>
-                          </a:rPr>
-                          <m:t>𝐴</m:t>
-                        </m:r>
-                        <m:r>
-                          <a:rPr lang="en-US" sz="2400" i="1">
-                            <a:latin typeface="Cambria Math" panose="02040503050406030204" pitchFamily="18" charset="0"/>
-                          </a:rPr>
-                          <m:t>,</m:t>
-                        </m:r>
-                        <m:r>
-                          <a:rPr lang="en-US" sz="2400" i="1">
-                            <a:latin typeface="Cambria Math" panose="02040503050406030204" pitchFamily="18" charset="0"/>
-                          </a:rPr>
-                          <m:t>𝐼</m:t>
-                        </m:r>
-                      </m:e>
-                    </m:d>
-                    <m:r>
-                      <a:rPr lang="en-US" sz="2400" i="1">
-                        <a:latin typeface="Cambria Math" panose="02040503050406030204" pitchFamily="18" charset="0"/>
-                      </a:rPr>
-                      <m:t>≤</m:t>
-                    </m:r>
-                    <m:r>
-                      <a:rPr lang="en-US" sz="2400" i="1">
-                        <a:latin typeface="Cambria Math" panose="02040503050406030204" pitchFamily="18" charset="0"/>
-                      </a:rPr>
-                      <m:t>𝜖</m:t>
-                    </m:r>
-                    <m:r>
-                      <a:rPr lang="en-US" sz="2400" i="1">
-                        <a:latin typeface="Cambria Math" panose="02040503050406030204" pitchFamily="18" charset="0"/>
-                      </a:rPr>
-                      <m:t>, </m:t>
-                    </m:r>
-                    <m:r>
-                      <a:rPr lang="en-US" sz="2400" i="1">
-                        <a:latin typeface="Cambria Math" panose="02040503050406030204" pitchFamily="18" charset="0"/>
-                      </a:rPr>
-                      <m:t>𝜖</m:t>
-                    </m:r>
-                  </m:oMath>
-                </a14:m>
-                <a:r>
-                  <a:rPr lang="en-US" sz="2400" dirty="0"/>
-                  <a:t> – </a:t>
-                </a:r>
-                <a:r>
-                  <a:rPr lang="ru-RU" sz="2400" dirty="0"/>
-                  <a:t>пренебрежимо малая величина.</a:t>
-                </a:r>
-              </a:p>
-              <a:p>
-                <a:endParaRPr lang="en-US" sz="2400" dirty="0"/>
-              </a:p>
-            </p:txBody>
-          </p:sp>
-        </mc:Choice>
-        <mc:Fallback xmlns="">
-          <p:sp>
-            <p:nvSpPr>
-              <p:cNvPr id="3" name="Объект 2"/>
-              <p:cNvSpPr>
-                <a:spLocks noGrp="1" noRot="1" noChangeAspect="1" noMove="1" noResize="1" noEditPoints="1" noAdjustHandles="1" noChangeArrowheads="1" noChangeShapeType="1" noTextEdit="1"/>
-              </p:cNvSpPr>
-              <p:nvPr>
-                <p:ph idx="1"/>
-              </p:nvPr>
-            </p:nvSpPr>
-            <p:spPr>
-              <a:blipFill rotWithShape="0">
-                <a:blip r:embed="rId2"/>
-                <a:stretch>
-                  <a:fillRect l="-812" t="-1961"/>
-                </a:stretch>
-              </a:blipFill>
-            </p:spPr>
-            <p:txBody>
-              <a:bodyPr/>
-              <a:lstStyle/>
-              <a:p>
-                <a:r>
-                  <a:rPr lang="ru-RU">
-                    <a:noFill/>
-                  </a:rPr>
-                  <a:t> </a:t>
-                </a:r>
-              </a:p>
-            </p:txBody>
-          </p:sp>
-        </mc:Fallback>
-      </mc:AlternateContent>
-      <p:sp>
-        <p:nvSpPr>
-          <p:cNvPr id="4" name="Номер слайда 3"/>
-          <p:cNvSpPr>
-            <a:spLocks noGrp="1"/>
-          </p:cNvSpPr>
-          <p:nvPr>
-            <p:ph type="sldNum" sz="quarter" idx="12"/>
-          </p:nvPr>
-        </p:nvSpPr>
-        <p:spPr/>
-        <p:txBody>
-          <a:bodyPr/>
-          <a:lstStyle/>
-          <a:p>
-            <a:fld id="{8253DDDB-F8F7-4D64-A7FD-3F3D61C1949F}" type="slidenum">
-              <a:rPr lang="ru-RU" smtClean="0"/>
-              <a:t>14</a:t>
-            </a:fld>
-            <a:endParaRPr lang="ru-RU"/>
-          </a:p>
-        </p:txBody>
-      </p:sp>
-      <p:sp>
-        <p:nvSpPr>
-          <p:cNvPr id="5" name="Rectangle 4"/>
-          <p:cNvSpPr>
-            <a:spLocks noChangeArrowheads="1"/>
-          </p:cNvSpPr>
-          <p:nvPr/>
-        </p:nvSpPr>
-        <p:spPr bwMode="auto">
-          <a:xfrm>
-            <a:off x="2649478" y="4901502"/>
-            <a:ext cx="1295400" cy="1454847"/>
-          </a:xfrm>
-          <a:prstGeom prst="rect">
-            <a:avLst/>
-          </a:prstGeom>
-          <a:solidFill>
-            <a:schemeClr val="accent1"/>
-          </a:solidFill>
-          <a:ln w="9525">
-            <a:solidFill>
-              <a:schemeClr val="tx1"/>
-            </a:solidFill>
-            <a:miter lim="800000"/>
-            <a:headEnd/>
-            <a:tailEnd/>
-          </a:ln>
-          <a:effectLst/>
-        </p:spPr>
-        <p:txBody>
-          <a:bodyPr wrap="none"/>
-          <a:lstStyle/>
-          <a:p>
-            <a:pPr algn="ctr"/>
-            <a:r>
-              <a:rPr lang="en-US"/>
-              <a:t>Chal.</a:t>
-            </a:r>
-          </a:p>
-        </p:txBody>
-      </p:sp>
-      <mc:AlternateContent xmlns:mc="http://schemas.openxmlformats.org/markup-compatibility/2006" xmlns:a14="http://schemas.microsoft.com/office/drawing/2010/main">
-        <mc:Choice Requires="a14">
-          <p:sp>
-            <p:nvSpPr>
-              <p:cNvPr id="8" name="Rectangle 7"/>
-              <p:cNvSpPr>
-                <a:spLocks noChangeArrowheads="1"/>
-              </p:cNvSpPr>
-              <p:nvPr/>
-            </p:nvSpPr>
-            <p:spPr bwMode="auto">
-              <a:xfrm>
-                <a:off x="7831078" y="4901502"/>
-                <a:ext cx="1295400" cy="1454847"/>
-              </a:xfrm>
-              <a:prstGeom prst="rect">
-                <a:avLst/>
-              </a:prstGeom>
-              <a:solidFill>
-                <a:schemeClr val="accent1"/>
-              </a:solidFill>
-              <a:ln w="9525">
-                <a:solidFill>
-                  <a:schemeClr val="tx1"/>
-                </a:solidFill>
-                <a:miter lim="800000"/>
-                <a:headEnd/>
-                <a:tailEnd/>
-              </a:ln>
-              <a:effectLst/>
-            </p:spPr>
-            <p:txBody>
-              <a:bodyPr wrap="none"/>
-              <a:lstStyle/>
-              <a:p>
-                <a:pPr algn="ctr"/>
-                <a:r>
-                  <a:rPr lang="en-US" dirty="0"/>
-                  <a:t>Adv. </a:t>
-                </a:r>
-                <a14:m>
-                  <m:oMath xmlns:m="http://schemas.openxmlformats.org/officeDocument/2006/math">
-                    <m:r>
-                      <a:rPr lang="en-US" i="1" dirty="0" smtClean="0">
-                        <a:latin typeface="Cambria Math" panose="02040503050406030204" pitchFamily="18" charset="0"/>
-                      </a:rPr>
-                      <m:t>𝐴</m:t>
-                    </m:r>
-                  </m:oMath>
-                </a14:m>
-                <a:endParaRPr lang="en-US" dirty="0"/>
-              </a:p>
-            </p:txBody>
-          </p:sp>
-        </mc:Choice>
-        <mc:Fallback xmlns="">
-          <p:sp>
-            <p:nvSpPr>
-              <p:cNvPr id="8" name="Rectangle 7"/>
-              <p:cNvSpPr>
-                <a:spLocks noRot="1" noChangeAspect="1" noMove="1" noResize="1" noEditPoints="1" noAdjustHandles="1" noChangeArrowheads="1" noChangeShapeType="1" noTextEdit="1"/>
-              </p:cNvSpPr>
-              <p:nvPr/>
-            </p:nvSpPr>
-            <p:spPr bwMode="auto">
-              <a:xfrm>
-                <a:off x="7831078" y="4901502"/>
-                <a:ext cx="1295400" cy="1454847"/>
-              </a:xfrm>
-              <a:prstGeom prst="rect">
-                <a:avLst/>
-              </a:prstGeom>
-              <a:blipFill rotWithShape="0">
-                <a:blip r:embed="rId3"/>
-                <a:stretch>
-                  <a:fillRect t="-1660"/>
-                </a:stretch>
-              </a:blipFill>
-              <a:ln w="9525">
-                <a:solidFill>
-                  <a:schemeClr val="tx1"/>
-                </a:solidFill>
-                <a:miter lim="800000"/>
-                <a:headEnd/>
-                <a:tailEnd/>
-              </a:ln>
-              <a:effectLst/>
-            </p:spPr>
-            <p:txBody>
-              <a:bodyPr/>
-              <a:lstStyle/>
-              <a:p>
-                <a:r>
-                  <a:rPr lang="ru-RU">
-                    <a:noFill/>
-                  </a:rPr>
-                  <a:t> </a:t>
-                </a:r>
-              </a:p>
-            </p:txBody>
-          </p:sp>
-        </mc:Fallback>
-      </mc:AlternateContent>
-      <p:grpSp>
-        <p:nvGrpSpPr>
-          <p:cNvPr id="9" name="Group 21"/>
-          <p:cNvGrpSpPr>
-            <a:grpSpLocks/>
-          </p:cNvGrpSpPr>
-          <p:nvPr/>
-        </p:nvGrpSpPr>
-        <p:grpSpPr bwMode="auto">
-          <a:xfrm>
-            <a:off x="4002028" y="5114093"/>
-            <a:ext cx="3771900" cy="400050"/>
-            <a:chOff x="1776" y="1791"/>
-            <a:chExt cx="2400" cy="336"/>
-          </a:xfrm>
-        </p:grpSpPr>
-        <p:sp>
-          <p:nvSpPr>
-            <p:cNvPr id="10" name="Line 10"/>
-            <p:cNvSpPr>
-              <a:spLocks noChangeShapeType="1"/>
-            </p:cNvSpPr>
-            <p:nvPr/>
-          </p:nvSpPr>
-          <p:spPr bwMode="auto">
-            <a:xfrm flipH="1">
-              <a:off x="1776" y="2122"/>
-              <a:ext cx="2400" cy="0"/>
-            </a:xfrm>
-            <a:prstGeom prst="line">
-              <a:avLst/>
-            </a:prstGeom>
-            <a:noFill/>
-            <a:ln w="38100" cmpd="sng">
-              <a:solidFill>
-                <a:schemeClr val="tx1"/>
-              </a:solidFill>
-              <a:round/>
-              <a:headEnd/>
-              <a:tailEnd type="triangle" w="med" len="med"/>
-            </a:ln>
-            <a:effectLst/>
-          </p:spPr>
-          <p:txBody>
-            <a:bodyPr/>
-            <a:lstStyle/>
-            <a:p>
-              <a:endParaRPr lang="en-US"/>
-            </a:p>
-          </p:txBody>
-        </p:sp>
-        <mc:AlternateContent xmlns:mc="http://schemas.openxmlformats.org/markup-compatibility/2006" xmlns:a14="http://schemas.microsoft.com/office/drawing/2010/main">
-          <mc:Choice Requires="a14">
-            <p:sp>
-              <p:nvSpPr>
-                <p:cNvPr id="11" name="Text Box 11"/>
-                <p:cNvSpPr txBox="1">
-                  <a:spLocks noChangeArrowheads="1"/>
-                </p:cNvSpPr>
-                <p:nvPr/>
-              </p:nvSpPr>
-              <p:spPr bwMode="auto">
-                <a:xfrm>
-                  <a:off x="2515" y="1791"/>
-                  <a:ext cx="808" cy="336"/>
-                </a:xfrm>
-                <a:prstGeom prst="rect">
-                  <a:avLst/>
-                </a:prstGeom>
-                <a:noFill/>
-                <a:ln w="9525">
-                  <a:noFill/>
-                  <a:miter lim="800000"/>
-                  <a:headEnd/>
-                  <a:tailEnd/>
-                </a:ln>
-                <a:effectLst/>
-              </p:spPr>
-              <p:txBody>
-                <a:bodyPr wrap="none">
-                  <a:spAutoFit/>
-                </a:bodyPr>
-                <a:lstStyle/>
-                <a:p>
-                  <a14:m>
-                    <m:oMath xmlns:m="http://schemas.openxmlformats.org/officeDocument/2006/math">
-                      <m:sSub>
-                        <m:sSubPr>
-                          <m:ctrlPr>
-                            <a:rPr lang="en-US" sz="2000" b="0" i="1" smtClean="0">
-                              <a:latin typeface="Cambria Math" panose="02040503050406030204" pitchFamily="18" charset="0"/>
-                              <a:sym typeface="Symbol" pitchFamily="18" charset="2"/>
-                            </a:rPr>
-                          </m:ctrlPr>
-                        </m:sSubPr>
-                        <m:e>
-                          <m:r>
-                            <a:rPr lang="en-US" sz="2000" b="0" i="1" smtClean="0">
-                              <a:latin typeface="Cambria Math" panose="02040503050406030204" pitchFamily="18" charset="0"/>
-                              <a:sym typeface="Symbol" pitchFamily="18" charset="2"/>
-                            </a:rPr>
-                            <m:t>𝑚</m:t>
-                          </m:r>
-                        </m:e>
-                        <m:sub>
-                          <m:r>
-                            <a:rPr lang="en-US" sz="2000" b="0" i="1" smtClean="0">
-                              <a:latin typeface="Cambria Math" panose="02040503050406030204" pitchFamily="18" charset="0"/>
-                              <a:sym typeface="Symbol" pitchFamily="18" charset="2"/>
-                            </a:rPr>
-                            <m:t>𝑖</m:t>
-                          </m:r>
-                        </m:sub>
-                      </m:sSub>
-                    </m:oMath>
-                  </a14:m>
-                  <a:r>
-                    <a:rPr lang="en-US" sz="2000" dirty="0" smtClean="0">
-                      <a:sym typeface="Symbol" pitchFamily="18" charset="2"/>
-                    </a:rPr>
-                    <a:t> [</a:t>
-                  </a:r>
-                  <a14:m>
-                    <m:oMath xmlns:m="http://schemas.openxmlformats.org/officeDocument/2006/math">
-                      <m:sSub>
-                        <m:sSubPr>
-                          <m:ctrlPr>
-                            <a:rPr lang="en-US" sz="2000" b="0" i="1" dirty="0" smtClean="0">
-                              <a:latin typeface="Cambria Math" panose="02040503050406030204" pitchFamily="18" charset="0"/>
-                              <a:sym typeface="Symbol" pitchFamily="18" charset="2"/>
-                            </a:rPr>
-                          </m:ctrlPr>
-                        </m:sSubPr>
-                        <m:e>
-                          <m:r>
-                            <a:rPr lang="en-US" sz="2000" b="0" i="1" dirty="0" smtClean="0">
-                              <a:latin typeface="Cambria Math" panose="02040503050406030204" pitchFamily="18" charset="0"/>
-                              <a:sym typeface="Symbol" pitchFamily="18" charset="2"/>
-                            </a:rPr>
-                            <m:t>𝑚</m:t>
-                          </m:r>
-                        </m:e>
-                        <m:sub>
-                          <m:r>
-                            <a:rPr lang="en-US" sz="2000" b="0" i="1" dirty="0" smtClean="0">
-                              <a:latin typeface="Cambria Math" panose="02040503050406030204" pitchFamily="18" charset="0"/>
-                              <a:sym typeface="Symbol" pitchFamily="18" charset="2"/>
-                            </a:rPr>
-                            <m:t>𝑖</m:t>
-                          </m:r>
-                        </m:sub>
-                      </m:sSub>
-                      <m:r>
-                        <a:rPr lang="en-US" sz="2000" b="0" i="1" dirty="0" smtClean="0">
-                          <a:latin typeface="Cambria Math" panose="02040503050406030204" pitchFamily="18" charset="0"/>
-                          <a:sym typeface="Symbol" pitchFamily="18" charset="2"/>
-                        </a:rPr>
-                        <m:t>,</m:t>
-                      </m:r>
-                      <m:sSub>
-                        <m:sSubPr>
-                          <m:ctrlPr>
-                            <a:rPr lang="en-US" sz="2000" b="0" i="1" dirty="0" smtClean="0">
-                              <a:latin typeface="Cambria Math" panose="02040503050406030204" pitchFamily="18" charset="0"/>
-                              <a:sym typeface="Symbol" pitchFamily="18" charset="2"/>
-                            </a:rPr>
-                          </m:ctrlPr>
-                        </m:sSubPr>
-                        <m:e>
-                          <m:r>
-                            <a:rPr lang="en-US" sz="2000" b="0" i="1" dirty="0" smtClean="0">
-                              <a:latin typeface="Cambria Math" panose="02040503050406030204" pitchFamily="18" charset="0"/>
-                              <a:sym typeface="Symbol" pitchFamily="18" charset="2"/>
-                            </a:rPr>
-                            <m:t>𝑡</m:t>
-                          </m:r>
-                        </m:e>
-                        <m:sub>
-                          <m:r>
-                            <a:rPr lang="en-US" sz="2000" b="0" i="1" dirty="0" smtClean="0">
-                              <a:latin typeface="Cambria Math" panose="02040503050406030204" pitchFamily="18" charset="0"/>
-                              <a:sym typeface="Symbol" pitchFamily="18" charset="2"/>
-                            </a:rPr>
-                            <m:t>𝑖</m:t>
-                          </m:r>
-                        </m:sub>
-                      </m:sSub>
-                    </m:oMath>
-                  </a14:m>
-                  <a:r>
-                    <a:rPr lang="en-US" sz="2000" dirty="0" smtClean="0">
-                      <a:sym typeface="Symbol" pitchFamily="18" charset="2"/>
-                    </a:rPr>
-                    <a:t>]</a:t>
-                  </a:r>
-                  <a:endParaRPr lang="en-US" sz="2000" dirty="0">
-                    <a:sym typeface="Symbol" pitchFamily="18" charset="2"/>
-                  </a:endParaRPr>
-                </a:p>
-              </p:txBody>
-            </p:sp>
-          </mc:Choice>
-          <mc:Fallback xmlns="">
-            <p:sp>
-              <p:nvSpPr>
-                <p:cNvPr id="11" name="Text Box 11"/>
-                <p:cNvSpPr txBox="1">
-                  <a:spLocks noRot="1" noChangeAspect="1" noMove="1" noResize="1" noEditPoints="1" noAdjustHandles="1" noChangeArrowheads="1" noChangeShapeType="1" noTextEdit="1"/>
-                </p:cNvSpPr>
-                <p:nvPr/>
-              </p:nvSpPr>
-              <p:spPr bwMode="auto">
-                <a:xfrm>
-                  <a:off x="2515" y="1791"/>
-                  <a:ext cx="808" cy="336"/>
-                </a:xfrm>
-                <a:prstGeom prst="rect">
-                  <a:avLst/>
-                </a:prstGeom>
-                <a:blipFill rotWithShape="0">
-                  <a:blip r:embed="rId4"/>
-                  <a:stretch>
-                    <a:fillRect t="-9091" r="-4327" b="-25758"/>
-                  </a:stretch>
-                </a:blipFill>
-                <a:ln w="9525">
-                  <a:noFill/>
-                  <a:miter lim="800000"/>
-                  <a:headEnd/>
-                  <a:tailEnd/>
-                </a:ln>
-                <a:effectLst/>
-              </p:spPr>
-              <p:txBody>
-                <a:bodyPr/>
-                <a:lstStyle/>
-                <a:p>
-                  <a:r>
-                    <a:rPr lang="ru-RU">
-                      <a:noFill/>
-                    </a:rPr>
-                    <a:t> </a:t>
-                  </a:r>
-                </a:p>
-              </p:txBody>
-            </p:sp>
-          </mc:Fallback>
-        </mc:AlternateContent>
-      </p:grpSp>
-      <p:grpSp>
-        <p:nvGrpSpPr>
-          <p:cNvPr id="12" name="Group 20"/>
-          <p:cNvGrpSpPr>
-            <a:grpSpLocks/>
-          </p:cNvGrpSpPr>
-          <p:nvPr/>
-        </p:nvGrpSpPr>
-        <p:grpSpPr bwMode="auto">
-          <a:xfrm>
-            <a:off x="4040128" y="5593771"/>
-            <a:ext cx="3813178" cy="406004"/>
-            <a:chOff x="1776" y="2069"/>
-            <a:chExt cx="2402" cy="341"/>
-          </a:xfrm>
-        </p:grpSpPr>
-        <p:sp>
-          <p:nvSpPr>
-            <p:cNvPr id="13" name="Line 13"/>
-            <p:cNvSpPr>
-              <a:spLocks noChangeShapeType="1"/>
-            </p:cNvSpPr>
-            <p:nvPr/>
-          </p:nvSpPr>
-          <p:spPr bwMode="auto">
-            <a:xfrm>
-              <a:off x="1776" y="2410"/>
-              <a:ext cx="2352" cy="0"/>
-            </a:xfrm>
-            <a:prstGeom prst="line">
-              <a:avLst/>
-            </a:prstGeom>
-            <a:noFill/>
-            <a:ln w="38100" cmpd="sng">
-              <a:solidFill>
-                <a:schemeClr val="tx1"/>
-              </a:solidFill>
-              <a:round/>
-              <a:headEnd/>
-              <a:tailEnd type="triangle" w="med" len="med"/>
-            </a:ln>
-            <a:effectLst/>
-          </p:spPr>
-          <p:txBody>
-            <a:bodyPr/>
-            <a:lstStyle/>
-            <a:p>
-              <a:endParaRPr lang="en-US"/>
-            </a:p>
-          </p:txBody>
-        </p:sp>
-        <mc:AlternateContent xmlns:mc="http://schemas.openxmlformats.org/markup-compatibility/2006" xmlns:a14="http://schemas.microsoft.com/office/drawing/2010/main">
-          <mc:Choice Requires="a14">
-            <p:sp>
-              <p:nvSpPr>
-                <p:cNvPr id="14" name="Text Box 14"/>
-                <p:cNvSpPr txBox="1">
-                  <a:spLocks noChangeArrowheads="1"/>
-                </p:cNvSpPr>
-                <p:nvPr/>
-              </p:nvSpPr>
-              <p:spPr bwMode="auto">
-                <a:xfrm>
-                  <a:off x="1828" y="2069"/>
-                  <a:ext cx="2350" cy="336"/>
-                </a:xfrm>
-                <a:prstGeom prst="rect">
-                  <a:avLst/>
-                </a:prstGeom>
-                <a:noFill/>
-                <a:ln w="9525">
-                  <a:noFill/>
-                  <a:miter lim="800000"/>
-                  <a:headEnd/>
-                  <a:tailEnd/>
-                </a:ln>
-                <a:effectLst/>
-              </p:spPr>
-              <p:txBody>
-                <a:bodyPr wrap="none">
-                  <a:spAutoFit/>
-                </a:bodyPr>
-                <a:lstStyle/>
-                <a:p>
-                  <a14:m>
-                    <m:oMath xmlns:m="http://schemas.openxmlformats.org/officeDocument/2006/math">
-                      <m:sSub>
-                        <m:sSubPr>
-                          <m:ctrlPr>
-                            <a:rPr lang="en-US" sz="2000" b="0" i="1" dirty="0" smtClean="0">
-                              <a:latin typeface="Cambria Math" panose="02040503050406030204" pitchFamily="18" charset="0"/>
-                            </a:rPr>
-                          </m:ctrlPr>
-                        </m:sSubPr>
-                        <m:e>
-                          <m:r>
-                            <a:rPr lang="en-US" sz="2000" b="0" i="1" dirty="0" smtClean="0">
-                              <a:latin typeface="Cambria Math" panose="02040503050406030204" pitchFamily="18" charset="0"/>
-                            </a:rPr>
-                            <m:t>𝑡</m:t>
-                          </m:r>
-                        </m:e>
-                        <m:sub>
-                          <m:r>
-                            <a:rPr lang="en-US" sz="2000" b="0" i="1" dirty="0" smtClean="0">
-                              <a:latin typeface="Cambria Math" panose="02040503050406030204" pitchFamily="18" charset="0"/>
-                            </a:rPr>
-                            <m:t>𝑖</m:t>
-                          </m:r>
-                        </m:sub>
-                      </m:sSub>
-                      <m:sSup>
-                        <m:sSupPr>
-                          <m:ctrlPr>
-                            <a:rPr lang="en-US" sz="2000" b="0" i="1" dirty="0" smtClean="0">
-                              <a:latin typeface="Cambria Math" panose="02040503050406030204" pitchFamily="18" charset="0"/>
-                            </a:rPr>
-                          </m:ctrlPr>
-                        </m:sSupPr>
-                        <m:e>
-                          <m:r>
-                            <a:rPr lang="en-US" sz="2000" b="0" i="1" dirty="0" smtClean="0">
-                              <a:latin typeface="Cambria Math" panose="02040503050406030204" pitchFamily="18" charset="0"/>
-                            </a:rPr>
-                            <m:t>←</m:t>
-                          </m:r>
-                        </m:e>
-                        <m:sup>
-                          <m:r>
-                            <a:rPr lang="en-US" sz="2000" b="0" i="1" dirty="0" smtClean="0">
-                              <a:latin typeface="Cambria Math" panose="02040503050406030204" pitchFamily="18" charset="0"/>
-                            </a:rPr>
-                            <m:t>𝑅</m:t>
-                          </m:r>
-                        </m:sup>
-                      </m:sSup>
-                      <m:r>
-                        <a:rPr lang="en-US" sz="2000" b="0" i="1" dirty="0" smtClean="0">
-                          <a:latin typeface="Cambria Math" panose="02040503050406030204" pitchFamily="18" charset="0"/>
-                        </a:rPr>
-                        <m:t>𝑆</m:t>
-                      </m:r>
-                      <m:r>
-                        <a:rPr lang="en-US" sz="2000" b="0" i="1" dirty="0" smtClean="0">
-                          <a:latin typeface="Cambria Math" panose="02040503050406030204" pitchFamily="18" charset="0"/>
-                        </a:rPr>
-                        <m:t>(</m:t>
-                      </m:r>
-                      <m:r>
-                        <a:rPr lang="en-US" sz="2000" b="0" i="1" dirty="0" smtClean="0">
-                          <a:latin typeface="Cambria Math" panose="02040503050406030204" pitchFamily="18" charset="0"/>
-                        </a:rPr>
-                        <m:t>𝑘</m:t>
-                      </m:r>
-                      <m:r>
-                        <a:rPr lang="en-US" sz="2000" b="0" i="1" dirty="0" smtClean="0">
-                          <a:latin typeface="Cambria Math" panose="02040503050406030204" pitchFamily="18" charset="0"/>
-                        </a:rPr>
-                        <m:t>,</m:t>
-                      </m:r>
-                      <m:sSub>
-                        <m:sSubPr>
-                          <m:ctrlPr>
-                            <a:rPr lang="en-US" sz="2000" b="0" i="1" dirty="0" smtClean="0">
-                              <a:latin typeface="Cambria Math" panose="02040503050406030204" pitchFamily="18" charset="0"/>
-                            </a:rPr>
-                          </m:ctrlPr>
-                        </m:sSubPr>
-                        <m:e>
-                          <m:r>
-                            <a:rPr lang="en-US" sz="2000" b="0" i="1" dirty="0" smtClean="0">
-                              <a:latin typeface="Cambria Math" panose="02040503050406030204" pitchFamily="18" charset="0"/>
-                            </a:rPr>
-                            <m:t>𝑚</m:t>
-                          </m:r>
-                        </m:e>
-                        <m:sub>
-                          <m:r>
-                            <a:rPr lang="en-US" sz="2000" b="0" i="1" dirty="0" smtClean="0">
-                              <a:latin typeface="Cambria Math" panose="02040503050406030204" pitchFamily="18" charset="0"/>
-                            </a:rPr>
-                            <m:t>𝑖</m:t>
-                          </m:r>
-                        </m:sub>
-                      </m:sSub>
-                      <m:r>
-                        <a:rPr lang="en-US" sz="2000" b="0" i="1" dirty="0" smtClean="0">
-                          <a:latin typeface="Cambria Math" panose="02040503050406030204" pitchFamily="18" charset="0"/>
-                        </a:rPr>
-                        <m:t>)</m:t>
-                      </m:r>
-                    </m:oMath>
-                  </a14:m>
-                  <a:r>
-                    <a:rPr lang="ru-RU" sz="2000" dirty="0" smtClean="0"/>
-                    <a:t> </a:t>
-                  </a:r>
-                  <a:r>
-                    <a:rPr lang="en-US" sz="2000" dirty="0" smtClean="0"/>
-                    <a:t>[</a:t>
-                  </a:r>
-                  <a14:m>
-                    <m:oMath xmlns:m="http://schemas.openxmlformats.org/officeDocument/2006/math">
-                      <m:sSub>
-                        <m:sSubPr>
-                          <m:ctrlPr>
-                            <a:rPr lang="en-US" sz="2000" b="0" i="1" smtClean="0">
-                              <a:latin typeface="Cambria Math" panose="02040503050406030204" pitchFamily="18" charset="0"/>
-                            </a:rPr>
-                          </m:ctrlPr>
-                        </m:sSubPr>
-                        <m:e>
-                          <m:r>
-                            <a:rPr lang="en-US" sz="2000" b="0" i="1" smtClean="0">
-                              <a:latin typeface="Cambria Math" panose="02040503050406030204" pitchFamily="18" charset="0"/>
-                            </a:rPr>
-                            <m:t>𝑟</m:t>
-                          </m:r>
-                        </m:e>
-                        <m:sub>
-                          <m:r>
-                            <a:rPr lang="en-US" sz="2000" b="0" i="1" smtClean="0">
-                              <a:latin typeface="Cambria Math" panose="02040503050406030204" pitchFamily="18" charset="0"/>
-                            </a:rPr>
-                            <m:t>𝑖</m:t>
-                          </m:r>
-                        </m:sub>
-                      </m:sSub>
-                      <m:r>
-                        <a:rPr lang="en-US" sz="2000" b="0" i="1" smtClean="0">
-                          <a:latin typeface="Cambria Math" panose="02040503050406030204" pitchFamily="18" charset="0"/>
-                        </a:rPr>
-                        <m:t>←</m:t>
-                      </m:r>
-                      <m:r>
-                        <a:rPr lang="en-US" sz="2000" b="0" i="1" smtClean="0">
-                          <a:latin typeface="Cambria Math" panose="02040503050406030204" pitchFamily="18" charset="0"/>
-                        </a:rPr>
-                        <m:t>𝑉</m:t>
-                      </m:r>
-                      <m:r>
-                        <a:rPr lang="en-US" sz="2000" b="0" i="1" smtClean="0">
-                          <a:latin typeface="Cambria Math" panose="02040503050406030204" pitchFamily="18" charset="0"/>
-                        </a:rPr>
-                        <m:t>(</m:t>
-                      </m:r>
-                      <m:r>
-                        <a:rPr lang="en-US" sz="2000" b="0" i="1" smtClean="0">
-                          <a:latin typeface="Cambria Math" panose="02040503050406030204" pitchFamily="18" charset="0"/>
-                        </a:rPr>
-                        <m:t>𝑘</m:t>
-                      </m:r>
-                      <m:r>
-                        <a:rPr lang="en-US" sz="2000" b="0" i="1" smtClean="0">
-                          <a:latin typeface="Cambria Math" panose="02040503050406030204" pitchFamily="18" charset="0"/>
-                        </a:rPr>
-                        <m:t>,</m:t>
-                      </m:r>
-                      <m:sSub>
-                        <m:sSubPr>
-                          <m:ctrlPr>
-                            <a:rPr lang="en-US" sz="2000" b="0" i="1" smtClean="0">
-                              <a:latin typeface="Cambria Math" panose="02040503050406030204" pitchFamily="18" charset="0"/>
-                            </a:rPr>
-                          </m:ctrlPr>
-                        </m:sSubPr>
-                        <m:e>
-                          <m:r>
-                            <a:rPr lang="en-US" sz="2000" b="0" i="1" smtClean="0">
-                              <a:latin typeface="Cambria Math" panose="02040503050406030204" pitchFamily="18" charset="0"/>
-                            </a:rPr>
-                            <m:t>𝑚</m:t>
-                          </m:r>
-                        </m:e>
-                        <m:sub>
-                          <m:r>
-                            <a:rPr lang="en-US" sz="2000" b="0" i="1" smtClean="0">
-                              <a:latin typeface="Cambria Math" panose="02040503050406030204" pitchFamily="18" charset="0"/>
-                            </a:rPr>
-                            <m:t>𝑖</m:t>
-                          </m:r>
-                        </m:sub>
-                      </m:sSub>
-                      <m:r>
-                        <a:rPr lang="en-US" sz="2000" b="0" i="1" smtClean="0">
-                          <a:latin typeface="Cambria Math" panose="02040503050406030204" pitchFamily="18" charset="0"/>
-                        </a:rPr>
-                        <m:t>,</m:t>
-                      </m:r>
-                      <m:sSub>
-                        <m:sSubPr>
-                          <m:ctrlPr>
-                            <a:rPr lang="en-US" sz="2000" b="0" i="1" smtClean="0">
-                              <a:latin typeface="Cambria Math" panose="02040503050406030204" pitchFamily="18" charset="0"/>
-                            </a:rPr>
-                          </m:ctrlPr>
-                        </m:sSubPr>
-                        <m:e>
-                          <m:r>
-                            <a:rPr lang="en-US" sz="2000" b="0" i="1" smtClean="0">
-                              <a:latin typeface="Cambria Math" panose="02040503050406030204" pitchFamily="18" charset="0"/>
-                            </a:rPr>
-                            <m:t>𝑡</m:t>
-                          </m:r>
-                        </m:e>
-                        <m:sub>
-                          <m:r>
-                            <a:rPr lang="en-US" sz="2000" b="0" i="1" smtClean="0">
-                              <a:latin typeface="Cambria Math" panose="02040503050406030204" pitchFamily="18" charset="0"/>
-                            </a:rPr>
-                            <m:t>𝑖</m:t>
-                          </m:r>
-                        </m:sub>
-                      </m:sSub>
-                      <m:r>
-                        <a:rPr lang="en-US" sz="2000" b="0" i="1" smtClean="0">
-                          <a:latin typeface="Cambria Math" panose="02040503050406030204" pitchFamily="18" charset="0"/>
-                        </a:rPr>
-                        <m:t>)</m:t>
-                      </m:r>
-                    </m:oMath>
-                  </a14:m>
-                  <a:r>
-                    <a:rPr lang="en-US" sz="2000" dirty="0" smtClean="0"/>
-                    <a:t>]</a:t>
-                  </a:r>
-                  <a:endParaRPr lang="en-US" sz="2000" dirty="0"/>
-                </a:p>
-              </p:txBody>
-            </p:sp>
-          </mc:Choice>
-          <mc:Fallback xmlns="">
-            <p:sp>
-              <p:nvSpPr>
-                <p:cNvPr id="14" name="Text Box 14"/>
-                <p:cNvSpPr txBox="1">
-                  <a:spLocks noRot="1" noChangeAspect="1" noMove="1" noResize="1" noEditPoints="1" noAdjustHandles="1" noChangeArrowheads="1" noChangeShapeType="1" noTextEdit="1"/>
-                </p:cNvSpPr>
-                <p:nvPr/>
-              </p:nvSpPr>
-              <p:spPr bwMode="auto">
-                <a:xfrm>
-                  <a:off x="1828" y="2069"/>
-                  <a:ext cx="2350" cy="336"/>
-                </a:xfrm>
-                <a:prstGeom prst="rect">
-                  <a:avLst/>
-                </a:prstGeom>
-                <a:blipFill rotWithShape="0">
-                  <a:blip r:embed="rId5"/>
-                  <a:stretch>
-                    <a:fillRect t="-9231" b="-27692"/>
-                  </a:stretch>
-                </a:blipFill>
-                <a:ln w="9525">
-                  <a:noFill/>
-                  <a:miter lim="800000"/>
-                  <a:headEnd/>
-                  <a:tailEnd/>
-                </a:ln>
-                <a:effectLst/>
-              </p:spPr>
-              <p:txBody>
-                <a:bodyPr/>
-                <a:lstStyle/>
-                <a:p>
-                  <a:r>
-                    <a:rPr lang="ru-RU">
-                      <a:noFill/>
-                    </a:rPr>
-                    <a:t> </a:t>
-                  </a:r>
-                </a:p>
-              </p:txBody>
-            </p:sp>
-          </mc:Fallback>
-        </mc:AlternateContent>
-      </p:grpSp>
-      <p:sp>
-        <p:nvSpPr>
-          <p:cNvPr id="15" name="Rectangle 18"/>
-          <p:cNvSpPr>
-            <a:spLocks noChangeArrowheads="1"/>
-          </p:cNvSpPr>
-          <p:nvPr/>
-        </p:nvSpPr>
-        <p:spPr bwMode="auto">
-          <a:xfrm>
-            <a:off x="2009718" y="4607626"/>
-            <a:ext cx="7924800" cy="1920172"/>
-          </a:xfrm>
-          <a:prstGeom prst="rect">
-            <a:avLst/>
-          </a:prstGeom>
-          <a:noFill/>
-          <a:ln w="38100">
-            <a:solidFill>
-              <a:schemeClr val="folHlink"/>
-            </a:solidFill>
-            <a:miter lim="800000"/>
-            <a:headEnd/>
-            <a:tailEnd/>
-          </a:ln>
-          <a:effectLst/>
-        </p:spPr>
-        <p:txBody>
-          <a:bodyPr wrap="none" anchor="ctr"/>
-          <a:lstStyle/>
-          <a:p>
-            <a:endParaRPr lang="en-US"/>
-          </a:p>
-        </p:txBody>
-      </p:sp>
-      <p:sp>
-        <p:nvSpPr>
-          <p:cNvPr id="16" name="TextBox 15"/>
-          <p:cNvSpPr txBox="1"/>
-          <p:nvPr/>
-        </p:nvSpPr>
-        <p:spPr>
-          <a:xfrm>
-            <a:off x="5608419" y="5829788"/>
-            <a:ext cx="415498" cy="492443"/>
-          </a:xfrm>
-          <a:prstGeom prst="rect">
-            <a:avLst/>
-          </a:prstGeom>
-          <a:noFill/>
-        </p:spPr>
-        <p:txBody>
-          <a:bodyPr wrap="none" rtlCol="0">
-            <a:spAutoFit/>
-          </a:bodyPr>
-          <a:lstStyle/>
-          <a:p>
-            <a:r>
-              <a:rPr lang="en-US" sz="2600" dirty="0" smtClean="0"/>
-              <a:t>…</a:t>
-            </a:r>
-            <a:endParaRPr lang="ru-RU" sz="2600" dirty="0"/>
-          </a:p>
-        </p:txBody>
-      </p:sp>
-      <p:sp>
-        <p:nvSpPr>
-          <p:cNvPr id="17" name="Line 5"/>
-          <p:cNvSpPr>
-            <a:spLocks noChangeShapeType="1"/>
-          </p:cNvSpPr>
-          <p:nvPr/>
-        </p:nvSpPr>
-        <p:spPr bwMode="auto">
-          <a:xfrm>
-            <a:off x="9934518" y="5639550"/>
-            <a:ext cx="386096" cy="0"/>
-          </a:xfrm>
-          <a:prstGeom prst="line">
-            <a:avLst/>
-          </a:prstGeom>
-          <a:noFill/>
-          <a:ln w="9525">
-            <a:solidFill>
-              <a:schemeClr val="tx1"/>
-            </a:solidFill>
-            <a:round/>
-            <a:headEnd/>
-            <a:tailEnd type="triangle" w="med" len="med"/>
-          </a:ln>
-          <a:effectLst/>
-        </p:spPr>
-        <p:txBody>
-          <a:bodyPr/>
-          <a:lstStyle/>
-          <a:p>
-            <a:endParaRPr lang="en-US"/>
-          </a:p>
-        </p:txBody>
-      </p:sp>
-      <mc:AlternateContent xmlns:mc="http://schemas.openxmlformats.org/markup-compatibility/2006" xmlns:a14="http://schemas.microsoft.com/office/drawing/2010/main">
-        <mc:Choice Requires="a14">
-          <p:sp>
-            <p:nvSpPr>
-              <p:cNvPr id="18" name="Text Box 6"/>
-              <p:cNvSpPr txBox="1">
-                <a:spLocks noChangeArrowheads="1"/>
-              </p:cNvSpPr>
-              <p:nvPr/>
-            </p:nvSpPr>
-            <p:spPr bwMode="auto">
-              <a:xfrm>
-                <a:off x="10149875" y="5209218"/>
-                <a:ext cx="471365" cy="461665"/>
-              </a:xfrm>
-              <a:prstGeom prst="rect">
-                <a:avLst/>
-              </a:prstGeom>
-              <a:noFill/>
-              <a:ln w="9525">
-                <a:noFill/>
-                <a:miter lim="800000"/>
-                <a:headEnd/>
-                <a:tailEnd/>
-              </a:ln>
-              <a:effectLst/>
-            </p:spPr>
-            <p:txBody>
-              <a:bodyPr wrap="square">
-                <a:spAutoFit/>
-              </a:bodyPr>
-              <a:lstStyle/>
-              <a:p>
-                <a:pPr/>
-                <a14:m>
-                  <m:oMathPara xmlns:m="http://schemas.openxmlformats.org/officeDocument/2006/math">
-                    <m:oMathParaPr>
-                      <m:jc m:val="centerGroup"/>
-                    </m:oMathParaPr>
-                    <m:oMath xmlns:m="http://schemas.openxmlformats.org/officeDocument/2006/math">
-                      <m:d>
-                        <m:dPr>
-                          <m:ctrlPr>
-                            <a:rPr lang="ru-RU" sz="2400" i="1">
-                              <a:latin typeface="Cambria Math" panose="02040503050406030204" pitchFamily="18" charset="0"/>
-                            </a:rPr>
-                          </m:ctrlPr>
-                        </m:dPr>
-                        <m:e>
-                          <m:r>
-                            <a:rPr lang="en-US" sz="2400" i="1">
-                              <a:latin typeface="Cambria Math" panose="02040503050406030204" pitchFamily="18" charset="0"/>
-                            </a:rPr>
-                            <m:t>𝑚</m:t>
-                          </m:r>
-                          <m:r>
-                            <a:rPr lang="en-US" sz="2400" i="1">
-                              <a:latin typeface="Cambria Math" panose="02040503050406030204" pitchFamily="18" charset="0"/>
-                            </a:rPr>
-                            <m:t>,</m:t>
-                          </m:r>
-                          <m:r>
-                            <a:rPr lang="en-US" sz="2400" i="1">
-                              <a:latin typeface="Cambria Math" panose="02040503050406030204" pitchFamily="18" charset="0"/>
-                            </a:rPr>
-                            <m:t>𝑡</m:t>
-                          </m:r>
-                        </m:e>
-                      </m:d>
-                    </m:oMath>
-                  </m:oMathPara>
-                </a14:m>
-                <a:endParaRPr lang="en-US" sz="2400" i="1" dirty="0"/>
-              </a:p>
-            </p:txBody>
-          </p:sp>
-        </mc:Choice>
-        <mc:Fallback xmlns="">
-          <p:sp>
-            <p:nvSpPr>
-              <p:cNvPr id="18" name="Text Box 6"/>
-              <p:cNvSpPr txBox="1">
-                <a:spLocks noRot="1" noChangeAspect="1" noMove="1" noResize="1" noEditPoints="1" noAdjustHandles="1" noChangeArrowheads="1" noChangeShapeType="1" noTextEdit="1"/>
-              </p:cNvSpPr>
-              <p:nvPr/>
-            </p:nvSpPr>
-            <p:spPr bwMode="auto">
-              <a:xfrm>
-                <a:off x="10149875" y="5209218"/>
-                <a:ext cx="471365" cy="461665"/>
-              </a:xfrm>
-              <a:prstGeom prst="rect">
-                <a:avLst/>
-              </a:prstGeom>
-              <a:blipFill rotWithShape="0">
-                <a:blip r:embed="rId6"/>
-                <a:stretch>
-                  <a:fillRect r="-75325"/>
-                </a:stretch>
-              </a:blipFill>
-              <a:ln w="9525">
-                <a:noFill/>
-                <a:miter lim="800000"/>
-                <a:headEnd/>
-                <a:tailEnd/>
-              </a:ln>
-              <a:effectLst/>
-            </p:spPr>
-            <p:txBody>
-              <a:bodyPr/>
-              <a:lstStyle/>
-              <a:p>
-                <a:r>
-                  <a:rPr lang="ru-RU">
-                    <a:noFill/>
-                  </a:rPr>
-                  <a:t> </a:t>
-                </a:r>
-              </a:p>
-            </p:txBody>
-          </p:sp>
-        </mc:Fallback>
-      </mc:AlternateContent>
-      <p:sp>
-        <p:nvSpPr>
-          <p:cNvPr id="19" name="TextBox 18"/>
-          <p:cNvSpPr txBox="1"/>
-          <p:nvPr/>
-        </p:nvSpPr>
-        <p:spPr>
-          <a:xfrm>
-            <a:off x="5608419" y="4725210"/>
-            <a:ext cx="415498" cy="492443"/>
-          </a:xfrm>
-          <a:prstGeom prst="rect">
-            <a:avLst/>
-          </a:prstGeom>
-          <a:noFill/>
-        </p:spPr>
-        <p:txBody>
-          <a:bodyPr wrap="none" rtlCol="0">
-            <a:spAutoFit/>
-          </a:bodyPr>
-          <a:lstStyle/>
-          <a:p>
-            <a:r>
-              <a:rPr lang="en-US" sz="2600" dirty="0" smtClean="0"/>
-              <a:t>…</a:t>
-            </a:r>
-            <a:endParaRPr lang="ru-RU" sz="2600" dirty="0"/>
-          </a:p>
-        </p:txBody>
-      </p:sp>
-      <mc:AlternateContent xmlns:mc="http://schemas.openxmlformats.org/markup-compatibility/2006" xmlns:a14="http://schemas.microsoft.com/office/drawing/2010/main">
-        <mc:Choice Requires="a14">
-          <p:sp>
-            <p:nvSpPr>
-              <p:cNvPr id="20" name="Text Box 13"/>
-              <p:cNvSpPr txBox="1">
-                <a:spLocks noChangeArrowheads="1"/>
-              </p:cNvSpPr>
-              <p:nvPr/>
-            </p:nvSpPr>
-            <p:spPr bwMode="auto">
-              <a:xfrm>
-                <a:off x="2966526" y="5522086"/>
-                <a:ext cx="632609" cy="423129"/>
-              </a:xfrm>
-              <a:prstGeom prst="rect">
-                <a:avLst/>
-              </a:prstGeom>
-              <a:noFill/>
-              <a:ln w="9525">
-                <a:noFill/>
-                <a:miter lim="800000"/>
-                <a:headEnd/>
-                <a:tailEnd/>
-              </a:ln>
-              <a:effectLst/>
-            </p:spPr>
-            <p:txBody>
-              <a:bodyPr wrap="none">
-                <a:spAutoFit/>
-              </a:bodyPr>
-              <a:lstStyle/>
-              <a:p>
-                <a:r>
-                  <a:rPr lang="en-US" sz="1600" i="1" dirty="0" smtClean="0"/>
-                  <a:t>k</a:t>
-                </a:r>
-                <a14:m>
-                  <m:oMath xmlns:m="http://schemas.openxmlformats.org/officeDocument/2006/math">
-                    <m:groupChr>
-                      <m:groupChrPr>
-                        <m:chr m:val="←"/>
-                        <m:vertJc m:val="bot"/>
-                        <m:ctrlPr>
-                          <a:rPr lang="en-US" sz="1600" i="1">
-                            <a:latin typeface="Cambria Math" panose="02040503050406030204" pitchFamily="18" charset="0"/>
-                          </a:rPr>
-                        </m:ctrlPr>
-                      </m:groupChrPr>
-                      <m:e>
-                        <m:r>
-                          <m:rPr>
-                            <m:brk m:alnAt="2"/>
-                          </m:rPr>
-                          <a:rPr lang="en-US" sz="1600" i="1">
-                            <a:latin typeface="Cambria Math" panose="02040503050406030204" pitchFamily="18" charset="0"/>
-                          </a:rPr>
-                          <m:t>𝑅</m:t>
-                        </m:r>
-                      </m:e>
-                    </m:groupChr>
-                    <m:r>
-                      <a:rPr lang="en-US" sz="1600" b="0" i="1" smtClean="0">
-                        <a:latin typeface="Cambria Math" panose="02040503050406030204" pitchFamily="18" charset="0"/>
-                      </a:rPr>
-                      <m:t>𝐾</m:t>
-                    </m:r>
-                  </m:oMath>
-                </a14:m>
-                <a:endParaRPr lang="en-US" sz="1600" b="1" baseline="-25000" dirty="0">
-                  <a:cs typeface="Arial" charset="0"/>
-                  <a:sym typeface="Symbol" pitchFamily="18" charset="2"/>
-                </a:endParaRPr>
-              </a:p>
-            </p:txBody>
-          </p:sp>
-        </mc:Choice>
-        <mc:Fallback xmlns="">
-          <p:sp>
-            <p:nvSpPr>
-              <p:cNvPr id="20" name="Text Box 13"/>
-              <p:cNvSpPr txBox="1">
-                <a:spLocks noRot="1" noChangeAspect="1" noMove="1" noResize="1" noEditPoints="1" noAdjustHandles="1" noChangeArrowheads="1" noChangeShapeType="1" noTextEdit="1"/>
-              </p:cNvSpPr>
-              <p:nvPr/>
-            </p:nvSpPr>
-            <p:spPr bwMode="auto">
-              <a:xfrm>
-                <a:off x="2966526" y="5522086"/>
-                <a:ext cx="632609" cy="423129"/>
-              </a:xfrm>
-              <a:prstGeom prst="rect">
-                <a:avLst/>
-              </a:prstGeom>
-              <a:blipFill rotWithShape="0">
-                <a:blip r:embed="rId7"/>
-                <a:stretch>
-                  <a:fillRect l="-5825" r="-28155" b="-44928"/>
-                </a:stretch>
-              </a:blipFill>
-              <a:ln w="9525">
-                <a:noFill/>
-                <a:miter lim="800000"/>
-                <a:headEnd/>
-                <a:tailEnd/>
-              </a:ln>
-              <a:effectLst/>
-            </p:spPr>
-            <p:txBody>
-              <a:bodyPr/>
-              <a:lstStyle/>
-              <a:p>
-                <a:r>
-                  <a:rPr lang="ru-RU">
-                    <a:noFill/>
-                  </a:rPr>
-                  <a:t> </a:t>
-                </a:r>
-              </a:p>
-            </p:txBody>
-          </p:sp>
-        </mc:Fallback>
-      </mc:AlternateContent>
-    </p:spTree>
-    <p:extLst>
-      <p:ext uri="{BB962C8B-B14F-4D97-AF65-F5344CB8AC3E}">
         <p14:creationId xmlns:p14="http://schemas.microsoft.com/office/powerpoint/2010/main" val="1491956838"/>
       </p:ext>
     </p:extLst>
@@ -11050,11 +11038,7 @@
                 </a:r>
                 <a:r>
                   <a:rPr lang="ru-RU" dirty="0" smtClean="0"/>
-                  <a:t>Определения </a:t>
-                </a:r>
-                <a:r>
-                  <a:rPr lang="ru-RU" dirty="0" smtClean="0"/>
-                  <a:t>стойкост</a:t>
+                  <a:t>Определения стойкост</a:t>
                 </a:r>
                 <a:r>
                   <a:rPr lang="ru-RU" dirty="0"/>
@@ -11065,20 +11049,24 @@
                   <a:t> </a:t>
                 </a:r>
                 <a:r>
-                  <a:rPr lang="ru-RU" dirty="0" smtClean="0"/>
-                  <a:t>и </a:t>
-                </a:r>
-                <a:r>
                   <a:rPr lang="en-US" dirty="0" err="1" smtClean="0"/>
                   <a:t>vq</a:t>
                 </a:r>
                 <a:r>
+                  <a:rPr lang="ru-RU" dirty="0" smtClean="0"/>
+                  <a:t> сводится к стойкости </a:t>
+                </a:r>
+                <a:r>
                   <a:rPr lang="en-US" dirty="0" smtClean="0"/>
+                  <a:t>MAC,</a:t>
+                </a:r>
+                <a:r>
+                  <a:rPr lang="ru-RU" dirty="0" smtClean="0"/>
                   <a:t> </a:t>
                 </a:r>
                 <a:r>
                   <a:rPr lang="ru-RU" dirty="0" smtClean="0"/>
-                  <a:t>стойкости эквивалентны, в частности для любого противника  </a:t>
+                  <a:t>в частности для любого противника  </a:t>
                 </a:r>
                 <a14:m>
                   <m:oMath xmlns:m="http://schemas.openxmlformats.org/officeDocument/2006/math">
@@ -11269,11 +11257,7 @@
                 </a:r>
                 <a:r>
                   <a:rPr lang="ru-RU" dirty="0" smtClean="0"/>
-                  <a:t>запросов, </a:t>
-                </a:r>
-                <a:r>
-                  <a:rPr lang="ru-RU" dirty="0" smtClean="0"/>
-                  <a:t>причём</a:t>
+                  <a:t>запросов, причём</a:t>
                 </a:r>
                 <a:r>
                   <a:rPr lang="en-US" dirty="0" smtClean="0"/>
@@ -11474,6 +11458,17 @@
                 <a:pPr marL="0" indent="0">
                   <a:buNone/>
                 </a:pPr>
+                <a14:m>
+                  <m:oMath xmlns:m="http://schemas.openxmlformats.org/officeDocument/2006/math">
+                    <m:r>
+                      <a:rPr lang="en-US" i="1">
+                        <a:latin typeface="Cambria Math" panose="02040503050406030204" pitchFamily="18" charset="0"/>
+                        <a:ea typeface="Cambria Math" panose="02040503050406030204" pitchFamily="18" charset="0"/>
+                      </a:rPr>
+                      <m:t>⊳</m:t>
+                    </m:r>
+                  </m:oMath>
+                </a14:m>
                 <a:r>
                   <a:rPr lang="en-US" dirty="0" smtClean="0"/>
                   <a:t> </a:t>
@@ -11523,7 +11518,7 @@
               </p:nvPr>
             </p:nvSpPr>
             <p:spPr>
-              <a:blipFill>
+              <a:blipFill rotWithShape="0">
                 <a:blip r:embed="rId2"/>
                 <a:stretch>
                   <a:fillRect l="-1043" t="-2101" r="-174"/>
@@ -12769,8 +12764,8 @@
           </a:fontRef>
         </p:style>
       </p:cxnSp>
-      <mc:AlternateContent xmlns:mc="http://schemas.openxmlformats.org/markup-compatibility/2006" xmlns:a14="http://schemas.microsoft.com/office/drawing/2010/main">
-        <mc:Choice Requires="a14">
+      <mc:AlternateContent xmlns:mc="http://schemas.openxmlformats.org/markup-compatibility/2006">
+        <mc:Choice xmlns:a14="http://schemas.microsoft.com/office/drawing/2010/main" Requires="a14">
           <p:sp>
             <p:nvSpPr>
               <p:cNvPr id="38" name="Прямоугольник 37"/>
@@ -12780,7 +12775,7 @@
             <p:spPr>
               <a:xfrm>
                 <a:off x="7694890" y="4778264"/>
-                <a:ext cx="1832874" cy="369332"/>
+                <a:ext cx="1846083" cy="411395"/>
               </a:xfrm>
               <a:prstGeom prst="rect">
                 <a:avLst/>
@@ -12829,7 +12824,7 @@
                                 <a:rPr lang="en-US" b="0" i="1" smtClean="0">
                                   <a:latin typeface="Cambria Math" panose="02040503050406030204" pitchFamily="18" charset="0"/>
                                 </a:rPr>
-                                <m:t>𝑖</m:t>
+                                <m:t>𝑗</m:t>
                               </m:r>
                             </m:sub>
                           </m:sSub>
@@ -12860,7 +12855,7 @@
                                 <a:rPr lang="en-US" b="0" i="1" smtClean="0">
                                   <a:latin typeface="Cambria Math" panose="02040503050406030204" pitchFamily="18" charset="0"/>
                                 </a:rPr>
-                                <m:t>𝑖</m:t>
+                                <m:t>𝑗</m:t>
                               </m:r>
                             </m:sub>
                           </m:sSub>
@@ -12898,7 +12893,7 @@
             </p:txBody>
           </p:sp>
         </mc:Choice>
-        <mc:Fallback xmlns="">
+        <mc:Fallback>
           <p:sp>
             <p:nvSpPr>
               <p:cNvPr id="38" name="Прямоугольник 37"/>
@@ -12910,7 +12905,7 @@
             <p:spPr>
               <a:xfrm>
                 <a:off x="7694890" y="4778264"/>
-                <a:ext cx="1832874" cy="369332"/>
+                <a:ext cx="1846083" cy="411395"/>
               </a:xfrm>
               <a:prstGeom prst="rect">
                 <a:avLst/>
@@ -12918,7 +12913,7 @@
               <a:blipFill rotWithShape="0">
                 <a:blip r:embed="rId8"/>
                 <a:stretch>
-                  <a:fillRect b="-1667"/>
+                  <a:fillRect b="-7463"/>
                 </a:stretch>
               </a:blipFill>
             </p:spPr>
@@ -13288,8 +13283,8 @@
           </p:txBody>
         </p:sp>
       </p:grpSp>
-      <mc:AlternateContent xmlns:mc="http://schemas.openxmlformats.org/markup-compatibility/2006" xmlns:a14="http://schemas.microsoft.com/office/drawing/2010/main">
-        <mc:Choice Requires="a14">
+      <mc:AlternateContent xmlns:mc="http://schemas.openxmlformats.org/markup-compatibility/2006">
+        <mc:Choice xmlns:a14="http://schemas.microsoft.com/office/drawing/2010/main" Requires="a14">
           <p:sp>
             <p:nvSpPr>
               <p:cNvPr id="47" name="Прямоугольник 46"/>
@@ -13299,7 +13294,7 @@
             <p:spPr>
               <a:xfrm>
                 <a:off x="8096695" y="5595685"/>
-                <a:ext cx="946926" cy="369332"/>
+                <a:ext cx="960135" cy="411395"/>
               </a:xfrm>
               <a:prstGeom prst="rect">
                 <a:avLst/>
@@ -13348,7 +13343,7 @@
                                 <a:rPr lang="en-US" b="0" i="1" smtClean="0">
                                   <a:latin typeface="Cambria Math" panose="02040503050406030204" pitchFamily="18" charset="0"/>
                                 </a:rPr>
-                                <m:t>𝑖</m:t>
+                                <m:t>𝑗</m:t>
                               </m:r>
                             </m:sub>
                           </m:sSub>
@@ -13379,7 +13374,7 @@
                                 <a:rPr lang="en-US" b="0" i="1" smtClean="0">
                                   <a:latin typeface="Cambria Math" panose="02040503050406030204" pitchFamily="18" charset="0"/>
                                 </a:rPr>
-                                <m:t>𝑖</m:t>
+                                <m:t>𝑗</m:t>
                               </m:r>
                             </m:sub>
                           </m:sSub>
@@ -13393,7 +13388,7 @@
             </p:txBody>
           </p:sp>
         </mc:Choice>
-        <mc:Fallback xmlns="">
+        <mc:Fallback>
           <p:sp>
             <p:nvSpPr>
               <p:cNvPr id="47" name="Прямоугольник 46"/>
@@ -13405,7 +13400,7 @@
             <p:spPr>
               <a:xfrm>
                 <a:off x="8096695" y="5595685"/>
-                <a:ext cx="946926" cy="369332"/>
+                <a:ext cx="960135" cy="411395"/>
               </a:xfrm>
               <a:prstGeom prst="rect">
                 <a:avLst/>
@@ -13413,7 +13408,7 @@
               <a:blipFill rotWithShape="0">
                 <a:blip r:embed="rId11"/>
                 <a:stretch>
-                  <a:fillRect/>
+                  <a:fillRect b="-7463"/>
                 </a:stretch>
               </a:blipFill>
             </p:spPr>
@@ -13979,10 +13974,10 @@
         </p:nvGrpSpPr>
         <p:grpSpPr bwMode="auto">
           <a:xfrm>
-            <a:off x="4002028" y="5114093"/>
-            <a:ext cx="3771900" cy="400050"/>
+            <a:off x="4002028" y="5114092"/>
+            <a:ext cx="3771900" cy="425053"/>
             <a:chOff x="1776" y="1791"/>
-            <a:chExt cx="2400" cy="336"/>
+            <a:chExt cx="2400" cy="357"/>
           </a:xfrm>
         </p:grpSpPr>
         <p:sp>
@@ -14020,8 +14015,8 @@
             </a:p>
           </p:txBody>
         </p:sp>
-        <mc:AlternateContent xmlns:mc="http://schemas.openxmlformats.org/markup-compatibility/2006" xmlns:a14="http://schemas.microsoft.com/office/drawing/2010/main">
-          <mc:Choice Requires="a14">
+        <mc:AlternateContent xmlns:mc="http://schemas.openxmlformats.org/markup-compatibility/2006">
+          <mc:Choice xmlns:a14="http://schemas.microsoft.com/office/drawing/2010/main" Requires="a14">
             <p:sp>
               <p:nvSpPr>
                 <p:cNvPr id="9" name="Text Box 11"/>
@@ -14033,7 +14028,7 @@
               <p:spPr bwMode="auto">
                 <a:xfrm>
                   <a:off x="2515" y="1791"/>
-                  <a:ext cx="808" cy="336"/>
+                  <a:ext cx="808" cy="357"/>
                 </a:xfrm>
                 <a:prstGeom prst="rect">
                   <a:avLst/>
@@ -14117,7 +14112,7 @@
                               <a:latin typeface="Cambria Math" panose="02040503050406030204" pitchFamily="18" charset="0"/>
                               <a:sym typeface="Symbol" pitchFamily="18" charset="2"/>
                             </a:rPr>
-                            <m:t>𝑖</m:t>
+                            <m:t>𝑗</m:t>
                           </m:r>
                         </m:sub>
                       </m:sSub>
@@ -14152,7 +14147,7 @@
                               <a:latin typeface="Cambria Math" panose="02040503050406030204" pitchFamily="18" charset="0"/>
                               <a:sym typeface="Symbol" pitchFamily="18" charset="2"/>
                             </a:rPr>
-                            <m:t>𝑖</m:t>
+                            <m:t>𝑗</m:t>
                           </m:r>
                         </m:sub>
                       </m:sSub>
@@ -14171,7 +14166,7 @@
               </p:txBody>
             </p:sp>
           </mc:Choice>
-          <mc:Fallback xmlns="">
+          <mc:Fallback>
             <p:sp>
               <p:nvSpPr>
                 <p:cNvPr id="9" name="Text Box 11"/>
@@ -14183,7 +14178,7 @@
               <p:spPr bwMode="auto">
                 <a:xfrm>
                   <a:off x="2515" y="1791"/>
-                  <a:ext cx="808" cy="336"/>
+                  <a:ext cx="808" cy="357"/>
                 </a:xfrm>
                 <a:prstGeom prst="rect">
                   <a:avLst/>
@@ -14191,7 +14186,7 @@
                 <a:blipFill rotWithShape="0">
                   <a:blip r:embed="rId4"/>
                   <a:stretch>
-                    <a:fillRect t="-9091" r="-4327" b="-25758"/>
+                    <a:fillRect t="-7143" r="-4327" b="-20000"/>
                   </a:stretch>
                 </a:blipFill>
                 <a:ln w="9525">
@@ -14229,9 +14224,9 @@
         <p:grpSpPr bwMode="auto">
           <a:xfrm>
             <a:off x="4040128" y="5593771"/>
-            <a:ext cx="3733803" cy="406004"/>
+            <a:ext cx="3733803" cy="425054"/>
             <a:chOff x="1776" y="2069"/>
-            <a:chExt cx="2352" cy="341"/>
+            <a:chExt cx="2352" cy="357"/>
           </a:xfrm>
         </p:grpSpPr>
         <p:sp>
@@ -14269,8 +14264,8 @@
             </a:p>
           </p:txBody>
         </p:sp>
-        <mc:AlternateContent xmlns:mc="http://schemas.openxmlformats.org/markup-compatibility/2006" xmlns:a14="http://schemas.microsoft.com/office/drawing/2010/main">
-          <mc:Choice Requires="a14">
+        <mc:AlternateContent xmlns:mc="http://schemas.openxmlformats.org/markup-compatibility/2006">
+          <mc:Choice xmlns:a14="http://schemas.microsoft.com/office/drawing/2010/main" Requires="a14">
             <p:sp>
               <p:nvSpPr>
                 <p:cNvPr id="12" name="Text Box 14"/>
@@ -14282,7 +14277,7 @@
               <p:spPr bwMode="auto">
                 <a:xfrm>
                   <a:off x="2326" y="2069"/>
-                  <a:ext cx="1353" cy="336"/>
+                  <a:ext cx="1353" cy="357"/>
                 </a:xfrm>
                 <a:prstGeom prst="rect">
                   <a:avLst/>
@@ -14442,7 +14437,7 @@
                             <a:rPr lang="en-US" sz="2000" b="0" i="1" smtClean="0">
                               <a:latin typeface="Cambria Math" panose="02040503050406030204" pitchFamily="18" charset="0"/>
                             </a:rPr>
-                            <m:t>𝑖</m:t>
+                            <m:t>𝑗</m:t>
                           </m:r>
                         </m:sub>
                       </m:sSub>
@@ -14457,7 +14452,7 @@
               </p:txBody>
             </p:sp>
           </mc:Choice>
-          <mc:Fallback xmlns="">
+          <mc:Fallback>
             <p:sp>
               <p:nvSpPr>
                 <p:cNvPr id="12" name="Text Box 14"/>
@@ -14469,7 +14464,7 @@
               <p:spPr bwMode="auto">
                 <a:xfrm>
                   <a:off x="2326" y="2069"/>
-                  <a:ext cx="1353" cy="336"/>
+                  <a:ext cx="1353" cy="357"/>
                 </a:xfrm>
                 <a:prstGeom prst="rect">
                   <a:avLst/>
@@ -14477,7 +14472,7 @@
                 <a:blipFill rotWithShape="0">
                   <a:blip r:embed="rId5"/>
                   <a:stretch>
-                    <a:fillRect t="-9231" r="-1989" b="-27692"/>
+                    <a:fillRect t="-7246" r="-1989" b="-21739"/>
                   </a:stretch>
                 </a:blipFill>
                 <a:ln w="9525">
@@ -21923,15 +21918,15 @@
                 </a:pPr>
                 <a:r>
                   <a:rPr lang="ru-RU" dirty="0" smtClean="0"/>
-                  <a:t>Очевидно, что выигрыш в такой игре есть фактически </a:t>
-                </a:r>
-                <a:r>
-                  <a:rPr lang="ru-RU" dirty="0" err="1" smtClean="0"/>
-                  <a:t>угадавание</a:t>
+                  <a:t>Очевидно, что выигрыш в такой игре есть фактически угад</a:t>
+                </a:r>
+                <a:r>
+                  <a:rPr lang="ru-RU" dirty="0"/>
+                  <a:t>ы</a:t>
                 </a:r>
                 <a:r>
                   <a:rPr lang="ru-RU" dirty="0" smtClean="0"/>
-                  <a:t> следующего значения случайной функции, что возможно с вероятность </a:t>
+                  <a:t>вание следующего значения случайной функции, что возможно с вероятность </a:t>
                 </a:r>
                 <a14:m>
                   <m:oMath xmlns:m="http://schemas.openxmlformats.org/officeDocument/2006/math">
@@ -31274,8 +31269,8 @@
           </p:sp>
         </mc:Fallback>
       </mc:AlternateContent>
-      <mc:AlternateContent xmlns:mc="http://schemas.openxmlformats.org/markup-compatibility/2006" xmlns:a14="http://schemas.microsoft.com/office/drawing/2010/main">
-        <mc:Choice Requires="a14">
+      <mc:AlternateContent xmlns:mc="http://schemas.openxmlformats.org/markup-compatibility/2006">
+        <mc:Choice xmlns:a14="http://schemas.microsoft.com/office/drawing/2010/main" Requires="a14">
           <p:sp>
             <p:nvSpPr>
               <p:cNvPr id="3" name="Объект 2"/>
@@ -31538,7 +31533,7 @@
                 </a14:m>
                 <a:r>
                   <a:rPr lang="ru-RU" dirty="0"/>
-                  <a:t>. Тогда пара </a:t>
+                  <a:t>. Тогда </a:t>
                 </a:r>
                 <a14:m>
                   <m:oMath xmlns:m="http://schemas.openxmlformats.org/officeDocument/2006/math">
@@ -32171,7 +32166,7 @@
             </p:txBody>
           </p:sp>
         </mc:Choice>
-        <mc:Fallback xmlns="">
+        <mc:Fallback>
           <p:sp>
             <p:nvSpPr>
               <p:cNvPr id="3" name="Объект 2"/>
@@ -33079,7 +33074,7 @@
             </a:r>
             <a:r>
               <a:rPr lang="ru-RU" dirty="0" smtClean="0"/>
-              <a:t>и другие циклические коды не подходят для решения указанной нами задачи. Задача циклических кодов – обеспечение целостности при защите от случайных изменений, вызванных передачей по каналу связи. Мы пытаемся защититься от преднамеренных изменений, внесённых противником, который может вычислить и </a:t>
+              <a:t>и другие помехоустойчивые коды не подходят для решения указанной нами задачи. Задача циклических кодов – обеспечение целостности при защите от случайных изменений, вызванных передачей по каналу связи. Мы пытаемся защититься от преднамеренных изменений, внесённых противником, который может вычислить и </a:t>
             </a:r>
             <a:r>
               <a:rPr lang="en-US" dirty="0" smtClean="0"/>

--- a/Lectures/Lecture9.pptx
+++ b/Lectures/Lecture9.pptx
@@ -299,7 +299,7 @@
           <a:p>
             <a:fld id="{CBA08D16-15DC-4E25-BDC3-F25146157B16}" type="datetimeFigureOut">
               <a:rPr lang="ru-RU" smtClean="0"/>
-              <a:t>12.11.2020</a:t>
+              <a:t>18.11.2021</a:t>
             </a:fld>
             <a:endParaRPr lang="ru-RU"/>
           </a:p>
@@ -698,7 +698,7 @@
           <a:p>
             <a:fld id="{FCEC8293-DB51-454A-BE81-EC8FCB31EBA2}" type="datetime1">
               <a:rPr lang="ru-RU" smtClean="0"/>
-              <a:t>12.11.2020</a:t>
+              <a:t>18.11.2021</a:t>
             </a:fld>
             <a:endParaRPr lang="ru-RU"/>
           </a:p>
@@ -872,7 +872,7 @@
           <a:p>
             <a:fld id="{241C87B1-1C35-4DBD-BC18-2BC72E776603}" type="datetime1">
               <a:rPr lang="ru-RU" smtClean="0"/>
-              <a:t>12.11.2020</a:t>
+              <a:t>18.11.2021</a:t>
             </a:fld>
             <a:endParaRPr lang="ru-RU"/>
           </a:p>
@@ -1056,7 +1056,7 @@
           <a:p>
             <a:fld id="{3134C275-26C0-42CD-9111-9ADE65922AF9}" type="datetime1">
               <a:rPr lang="ru-RU" smtClean="0"/>
-              <a:t>12.11.2020</a:t>
+              <a:t>18.11.2021</a:t>
             </a:fld>
             <a:endParaRPr lang="ru-RU"/>
           </a:p>
@@ -1230,7 +1230,7 @@
           <a:p>
             <a:fld id="{C1A9A50B-C350-45F5-8AAB-ADB9E670AF2E}" type="datetime1">
               <a:rPr lang="ru-RU" smtClean="0"/>
-              <a:t>12.11.2020</a:t>
+              <a:t>18.11.2021</a:t>
             </a:fld>
             <a:endParaRPr lang="ru-RU"/>
           </a:p>
@@ -1480,7 +1480,7 @@
           <a:p>
             <a:fld id="{089688C9-348F-42F9-B6C0-5990DDE0C5B2}" type="datetime1">
               <a:rPr lang="ru-RU" smtClean="0"/>
-              <a:t>12.11.2020</a:t>
+              <a:t>18.11.2021</a:t>
             </a:fld>
             <a:endParaRPr lang="ru-RU"/>
           </a:p>
@@ -1716,7 +1716,7 @@
           <a:p>
             <a:fld id="{684AFD8F-6DD9-4AD3-A505-FDC3F5C5F3F6}" type="datetime1">
               <a:rPr lang="ru-RU" smtClean="0"/>
-              <a:t>12.11.2020</a:t>
+              <a:t>18.11.2021</a:t>
             </a:fld>
             <a:endParaRPr lang="ru-RU"/>
           </a:p>
@@ -2087,7 +2087,7 @@
           <a:p>
             <a:fld id="{63551EFE-4D02-45EB-A747-8B6F047B5AA0}" type="datetime1">
               <a:rPr lang="ru-RU" smtClean="0"/>
-              <a:t>12.11.2020</a:t>
+              <a:t>18.11.2021</a:t>
             </a:fld>
             <a:endParaRPr lang="ru-RU"/>
           </a:p>
@@ -2209,7 +2209,7 @@
           <a:p>
             <a:fld id="{813A9F34-E5CD-4B8F-AA9E-889C84372B20}" type="datetime1">
               <a:rPr lang="ru-RU" smtClean="0"/>
-              <a:t>12.11.2020</a:t>
+              <a:t>18.11.2021</a:t>
             </a:fld>
             <a:endParaRPr lang="ru-RU"/>
           </a:p>
@@ -2308,7 +2308,7 @@
           <a:p>
             <a:fld id="{51224D22-9B29-44A6-8E82-95FC492DEDC1}" type="datetime1">
               <a:rPr lang="ru-RU" smtClean="0"/>
-              <a:t>12.11.2020</a:t>
+              <a:t>18.11.2021</a:t>
             </a:fld>
             <a:endParaRPr lang="ru-RU"/>
           </a:p>
@@ -2589,7 +2589,7 @@
           <a:p>
             <a:fld id="{91D1034F-4441-48A1-BDC0-25EA1022324A}" type="datetime1">
               <a:rPr lang="ru-RU" smtClean="0"/>
-              <a:t>12.11.2020</a:t>
+              <a:t>18.11.2021</a:t>
             </a:fld>
             <a:endParaRPr lang="ru-RU"/>
           </a:p>
@@ -2846,7 +2846,7 @@
           <a:p>
             <a:fld id="{B0FFDE79-B627-473B-AE17-4C65BD2495F7}" type="datetime1">
               <a:rPr lang="ru-RU" smtClean="0"/>
-              <a:t>12.11.2020</a:t>
+              <a:t>18.11.2021</a:t>
             </a:fld>
             <a:endParaRPr lang="ru-RU"/>
           </a:p>
@@ -3063,7 +3063,7 @@
           <a:p>
             <a:fld id="{11CA537A-1B8C-47BA-9BA6-7CE3FAFDA8BE}" type="datetime1">
               <a:rPr lang="ru-RU" smtClean="0"/>
-              <a:t>12.11.2020</a:t>
+              <a:t>18.11.2021</a:t>
             </a:fld>
             <a:endParaRPr lang="ru-RU"/>
           </a:p>
@@ -3561,11 +3561,7 @@
           <a:p>
             <a:r>
               <a:rPr lang="ru-RU" dirty="0" smtClean="0"/>
-              <a:t>МИФИ </a:t>
-            </a:r>
-            <a:r>
-              <a:rPr lang="ru-RU" dirty="0" smtClean="0"/>
-              <a:t>2020</a:t>
+              <a:t>МИФИ 2020</a:t>
             </a:r>
             <a:endParaRPr lang="ru-RU" dirty="0"/>
           </a:p>
@@ -3758,6 +3754,13 @@
   <p:clrMapOvr>
     <a:masterClrMapping/>
   </p:clrMapOvr>
+  <p:timing>
+    <p:tnLst>
+      <p:par>
+        <p:cTn id="1" dur="indefinite" restart="never" nodeType="tmRoot"/>
+      </p:par>
+    </p:tnLst>
+  </p:timing>
 </p:sld>
 </file>
 
@@ -5349,6 +5352,13 @@
   <p:clrMapOvr>
     <a:masterClrMapping/>
   </p:clrMapOvr>
+  <p:timing>
+    <p:tnLst>
+      <p:par>
+        <p:cTn id="1" dur="indefinite" restart="never" nodeType="tmRoot"/>
+      </p:par>
+    </p:tnLst>
+  </p:timing>
 </p:sld>
 </file>
 
@@ -7099,6 +7109,13 @@
   <p:clrMapOvr>
     <a:masterClrMapping/>
   </p:clrMapOvr>
+  <p:timing>
+    <p:tnLst>
+      <p:par>
+        <p:cTn id="1" dur="indefinite" restart="never" nodeType="tmRoot"/>
+      </p:par>
+    </p:tnLst>
+  </p:timing>
 </p:sld>
 </file>
 
@@ -8517,8 +8534,8 @@
             </a:p>
           </p:txBody>
         </p:sp>
-        <mc:AlternateContent xmlns:mc="http://schemas.openxmlformats.org/markup-compatibility/2006">
-          <mc:Choice xmlns:a14="http://schemas.microsoft.com/office/drawing/2010/main" Requires="a14">
+        <mc:AlternateContent xmlns:mc="http://schemas.openxmlformats.org/markup-compatibility/2006" xmlns:a14="http://schemas.microsoft.com/office/drawing/2010/main">
+          <mc:Choice Requires="a14">
             <p:sp>
               <p:nvSpPr>
                 <p:cNvPr id="14" name="Text Box 14"/>
@@ -8821,7 +8838,7 @@
               </p:txBody>
             </p:sp>
           </mc:Choice>
-          <mc:Fallback>
+          <mc:Fallback xmlns="">
             <p:sp>
               <p:nvSpPr>
                 <p:cNvPr id="14" name="Text Box 14"/>
@@ -9327,8 +9344,8 @@
           </a:p>
         </p:txBody>
       </p:sp>
-      <mc:AlternateContent xmlns:mc="http://schemas.openxmlformats.org/markup-compatibility/2006">
-        <mc:Choice xmlns:a14="http://schemas.microsoft.com/office/drawing/2010/main" Requires="a14">
+      <mc:AlternateContent xmlns:mc="http://schemas.openxmlformats.org/markup-compatibility/2006" xmlns:a14="http://schemas.microsoft.com/office/drawing/2010/main">
+        <mc:Choice Requires="a14">
           <p:sp>
             <p:nvSpPr>
               <p:cNvPr id="3" name="Объект 2"/>
@@ -9886,7 +9903,7 @@
             </p:txBody>
           </p:sp>
         </mc:Choice>
-        <mc:Fallback>
+        <mc:Fallback xmlns="">
           <p:sp>
             <p:nvSpPr>
               <p:cNvPr id="3" name="Объект 2"/>
@@ -10138,8 +10155,8 @@
             </a:p>
           </p:txBody>
         </p:sp>
-        <mc:AlternateContent xmlns:mc="http://schemas.openxmlformats.org/markup-compatibility/2006">
-          <mc:Choice xmlns:a14="http://schemas.microsoft.com/office/drawing/2010/main" Requires="a14">
+        <mc:AlternateContent xmlns:mc="http://schemas.openxmlformats.org/markup-compatibility/2006" xmlns:a14="http://schemas.microsoft.com/office/drawing/2010/main">
+          <mc:Choice Requires="a14">
             <p:sp>
               <p:nvSpPr>
                 <p:cNvPr id="11" name="Text Box 11"/>
@@ -10303,7 +10320,7 @@
               </p:txBody>
             </p:sp>
           </mc:Choice>
-          <mc:Fallback>
+          <mc:Fallback xmlns="">
             <p:sp>
               <p:nvSpPr>
                 <p:cNvPr id="11" name="Text Box 11"/>
@@ -10401,8 +10418,8 @@
             </a:p>
           </p:txBody>
         </p:sp>
-        <mc:AlternateContent xmlns:mc="http://schemas.openxmlformats.org/markup-compatibility/2006">
-          <mc:Choice xmlns:a14="http://schemas.microsoft.com/office/drawing/2010/main" Requires="a14">
+        <mc:AlternateContent xmlns:mc="http://schemas.openxmlformats.org/markup-compatibility/2006" xmlns:a14="http://schemas.microsoft.com/office/drawing/2010/main">
+          <mc:Choice Requires="a14">
             <p:sp>
               <p:nvSpPr>
                 <p:cNvPr id="14" name="Text Box 14"/>
@@ -10699,7 +10716,7 @@
               </p:txBody>
             </p:sp>
           </mc:Choice>
-          <mc:Fallback>
+          <mc:Fallback xmlns="">
             <p:sp>
               <p:nvSpPr>
                 <p:cNvPr id="14" name="Text Box 14"/>
@@ -13487,8 +13504,8 @@
           </p:txBody>
         </p:sp>
       </p:grpSp>
-      <mc:AlternateContent xmlns:mc="http://schemas.openxmlformats.org/markup-compatibility/2006">
-        <mc:Choice xmlns:a14="http://schemas.microsoft.com/office/drawing/2010/main" Requires="a14">
+      <mc:AlternateContent xmlns:mc="http://schemas.openxmlformats.org/markup-compatibility/2006" xmlns:a14="http://schemas.microsoft.com/office/drawing/2010/main">
+        <mc:Choice Requires="a14">
           <p:sp>
             <p:nvSpPr>
               <p:cNvPr id="47" name="Прямоугольник 46"/>
@@ -13592,7 +13609,7 @@
             </p:txBody>
           </p:sp>
         </mc:Choice>
-        <mc:Fallback>
+        <mc:Fallback xmlns="">
           <p:sp>
             <p:nvSpPr>
               <p:cNvPr id="47" name="Прямоугольник 46"/>
@@ -14956,8 +14973,8 @@
           </a:p>
         </p:txBody>
       </p:sp>
-      <mc:AlternateContent xmlns:mc="http://schemas.openxmlformats.org/markup-compatibility/2006">
-        <mc:Choice xmlns:a14="http://schemas.microsoft.com/office/drawing/2010/main" Requires="a14">
+      <mc:AlternateContent xmlns:mc="http://schemas.openxmlformats.org/markup-compatibility/2006" xmlns:a14="http://schemas.microsoft.com/office/drawing/2010/main">
+        <mc:Choice Requires="a14">
           <p:sp>
             <p:nvSpPr>
               <p:cNvPr id="18" name="Text Box 13"/>
@@ -15163,7 +15180,7 @@
             </p:txBody>
           </p:sp>
         </mc:Choice>
-        <mc:Fallback>
+        <mc:Fallback xmlns="">
           <p:sp>
             <p:nvSpPr>
               <p:cNvPr id="18" name="Text Box 13"/>
@@ -15269,8 +15286,8 @@
           </a:p>
         </p:txBody>
       </p:sp>
-      <mc:AlternateContent xmlns:mc="http://schemas.openxmlformats.org/markup-compatibility/2006">
-        <mc:Choice xmlns:a14="http://schemas.microsoft.com/office/drawing/2010/main" Requires="a14">
+      <mc:AlternateContent xmlns:mc="http://schemas.openxmlformats.org/markup-compatibility/2006" xmlns:a14="http://schemas.microsoft.com/office/drawing/2010/main">
+        <mc:Choice Requires="a14">
           <p:sp>
             <p:nvSpPr>
               <p:cNvPr id="3" name="Объект 2"/>
@@ -15355,7 +15372,7 @@
                           <a:rPr lang="en-US" b="0" i="1" smtClean="0">
                             <a:latin typeface="Cambria Math" panose="02040503050406030204" pitchFamily="18" charset="0"/>
                           </a:rPr>
-                          <m:t>𝑖</m:t>
+                          <m:t>𝑗</m:t>
                         </m:r>
                       </m:sub>
                     </m:sSub>
@@ -15434,17 +15451,13 @@
                       <a:rPr lang="en-US" b="0" i="1" smtClean="0">
                         <a:latin typeface="Cambria Math" panose="02040503050406030204" pitchFamily="18" charset="0"/>
                       </a:rPr>
-                      <m:t>𝑖</m:t>
+                      <m:t>𝑗</m:t>
                     </m:r>
                   </m:oMath>
                 </a14:m>
                 <a:r>
                   <a:rPr lang="ru-RU" dirty="0" smtClean="0"/>
-                  <a:t> (т.е</a:t>
-                </a:r>
-                <a:r>
-                  <a:rPr lang="ru-RU" dirty="0" smtClean="0"/>
-                  <a:t>.</a:t>
+                  <a:t> (т.е.</a:t>
                 </a:r>
                 <a:r>
                   <a:rPr lang="en-US" dirty="0" smtClean="0"/>
@@ -15452,11 +15465,7 @@
                 </a:r>
                 <a:r>
                   <a:rPr lang="ru-RU" dirty="0" smtClean="0"/>
-                  <a:t>хоть одна пара</a:t>
-                </a:r>
-                <a:r>
-                  <a:rPr lang="ru-RU" dirty="0" smtClean="0"/>
-                  <a:t>, полученная от противника была верной). Очевидно, что до события </a:t>
+                  <a:t>хоть одна пара, полученная от противника была верной). Очевидно, что до события </a:t>
                 </a:r>
                 <a14:m>
                   <m:oMath xmlns:m="http://schemas.openxmlformats.org/officeDocument/2006/math">
@@ -15661,7 +15670,7 @@
             </p:txBody>
           </p:sp>
         </mc:Choice>
-        <mc:Fallback>
+        <mc:Fallback xmlns="">
           <p:sp>
             <p:nvSpPr>
               <p:cNvPr id="3" name="Объект 2"/>
@@ -15872,10 +15881,10 @@
         </p:nvGrpSpPr>
         <p:grpSpPr bwMode="auto">
           <a:xfrm>
-            <a:off x="4002028" y="5114093"/>
-            <a:ext cx="3771900" cy="400050"/>
+            <a:off x="4002028" y="5114092"/>
+            <a:ext cx="3771900" cy="425053"/>
             <a:chOff x="1776" y="1791"/>
-            <a:chExt cx="2400" cy="336"/>
+            <a:chExt cx="2400" cy="357"/>
           </a:xfrm>
         </p:grpSpPr>
         <p:sp>
@@ -15926,7 +15935,7 @@
               <p:spPr bwMode="auto">
                 <a:xfrm>
                   <a:off x="2515" y="1791"/>
-                  <a:ext cx="808" cy="336"/>
+                  <a:ext cx="808" cy="357"/>
                 </a:xfrm>
                 <a:prstGeom prst="rect">
                   <a:avLst/>
@@ -16010,7 +16019,7 @@
                               <a:latin typeface="Cambria Math" panose="02040503050406030204" pitchFamily="18" charset="0"/>
                               <a:sym typeface="Symbol" pitchFamily="18" charset="2"/>
                             </a:rPr>
-                            <m:t>𝑖</m:t>
+                            <m:t>𝑗</m:t>
                           </m:r>
                         </m:sub>
                       </m:sSub>
@@ -16045,7 +16054,7 @@
                               <a:latin typeface="Cambria Math" panose="02040503050406030204" pitchFamily="18" charset="0"/>
                               <a:sym typeface="Symbol" pitchFamily="18" charset="2"/>
                             </a:rPr>
-                            <m:t>𝑖</m:t>
+                            <m:t>𝑗</m:t>
                           </m:r>
                         </m:sub>
                       </m:sSub>
@@ -16076,15 +16085,15 @@
               <p:spPr bwMode="auto">
                 <a:xfrm>
                   <a:off x="2515" y="1791"/>
-                  <a:ext cx="808" cy="336"/>
+                  <a:ext cx="808" cy="357"/>
                 </a:xfrm>
                 <a:prstGeom prst="rect">
                   <a:avLst/>
                 </a:prstGeom>
-                <a:blipFill rotWithShape="0">
+                <a:blipFill>
                   <a:blip r:embed="rId4"/>
                   <a:stretch>
-                    <a:fillRect t="-9091" r="-4327" b="-25758"/>
+                    <a:fillRect t="-7143" r="-4327" b="-20000"/>
                   </a:stretch>
                 </a:blipFill>
                 <a:ln w="9525">
@@ -16617,8 +16626,8 @@
           </a:p>
         </p:txBody>
       </p:sp>
-      <mc:AlternateContent xmlns:mc="http://schemas.openxmlformats.org/markup-compatibility/2006">
-        <mc:Choice xmlns:a14="http://schemas.microsoft.com/office/drawing/2010/main" Requires="a14">
+      <mc:AlternateContent xmlns:mc="http://schemas.openxmlformats.org/markup-compatibility/2006" xmlns:a14="http://schemas.microsoft.com/office/drawing/2010/main">
+        <mc:Choice Requires="a14">
           <p:sp>
             <p:nvSpPr>
               <p:cNvPr id="32" name="Text Box 13"/>
@@ -16824,7 +16833,7 @@
             </p:txBody>
           </p:sp>
         </mc:Choice>
-        <mc:Fallback>
+        <mc:Fallback xmlns="">
           <p:sp>
             <p:nvSpPr>
               <p:cNvPr id="32" name="Text Box 13"/>
@@ -17487,8 +17496,8 @@
           </a:p>
         </p:txBody>
       </p:sp>
-      <mc:AlternateContent xmlns:mc="http://schemas.openxmlformats.org/markup-compatibility/2006">
-        <mc:Choice xmlns:a14="http://schemas.microsoft.com/office/drawing/2010/main" Requires="a14">
+      <mc:AlternateContent xmlns:mc="http://schemas.openxmlformats.org/markup-compatibility/2006" xmlns:a14="http://schemas.microsoft.com/office/drawing/2010/main">
+        <mc:Choice Requires="a14">
           <p:sp>
             <p:nvSpPr>
               <p:cNvPr id="3" name="Объект 2"/>
@@ -18234,7 +18243,7 @@
             </p:txBody>
           </p:sp>
         </mc:Choice>
-        <mc:Fallback>
+        <mc:Fallback xmlns="">
           <p:sp>
             <p:nvSpPr>
               <p:cNvPr id="3" name="Объект 2"/>
@@ -18445,10 +18454,10 @@
         </p:nvGrpSpPr>
         <p:grpSpPr bwMode="auto">
           <a:xfrm>
-            <a:off x="4002028" y="5114093"/>
-            <a:ext cx="3771900" cy="400050"/>
+            <a:off x="4002028" y="5114092"/>
+            <a:ext cx="3771900" cy="425053"/>
             <a:chOff x="1776" y="1791"/>
-            <a:chExt cx="2400" cy="336"/>
+            <a:chExt cx="2400" cy="357"/>
           </a:xfrm>
         </p:grpSpPr>
         <p:sp>
@@ -18499,7 +18508,7 @@
               <p:spPr bwMode="auto">
                 <a:xfrm>
                   <a:off x="2515" y="1791"/>
-                  <a:ext cx="808" cy="336"/>
+                  <a:ext cx="808" cy="357"/>
                 </a:xfrm>
                 <a:prstGeom prst="rect">
                   <a:avLst/>
@@ -18583,7 +18592,7 @@
                               <a:latin typeface="Cambria Math" panose="02040503050406030204" pitchFamily="18" charset="0"/>
                               <a:sym typeface="Symbol" pitchFamily="18" charset="2"/>
                             </a:rPr>
-                            <m:t>𝑖</m:t>
+                            <m:t>𝑗</m:t>
                           </m:r>
                         </m:sub>
                       </m:sSub>
@@ -18618,7 +18627,7 @@
                               <a:latin typeface="Cambria Math" panose="02040503050406030204" pitchFamily="18" charset="0"/>
                               <a:sym typeface="Symbol" pitchFamily="18" charset="2"/>
                             </a:rPr>
-                            <m:t>𝑖</m:t>
+                            <m:t>𝑗</m:t>
                           </m:r>
                         </m:sub>
                       </m:sSub>
@@ -18649,15 +18658,15 @@
               <p:spPr bwMode="auto">
                 <a:xfrm>
                   <a:off x="2515" y="1791"/>
-                  <a:ext cx="808" cy="336"/>
+                  <a:ext cx="808" cy="357"/>
                 </a:xfrm>
                 <a:prstGeom prst="rect">
                   <a:avLst/>
                 </a:prstGeom>
-                <a:blipFill rotWithShape="0">
-                  <a:blip r:embed="rId4"/>
+                <a:blipFill>
+                  <a:blip r:embed="rId2"/>
                   <a:stretch>
-                    <a:fillRect t="-9091" r="-4327" b="-25758"/>
+                    <a:fillRect t="-7143" r="-4327" b="-20000"/>
                   </a:stretch>
                 </a:blipFill>
                 <a:ln w="9525">
@@ -18735,8 +18744,8 @@
             </a:p>
           </p:txBody>
         </p:sp>
-        <mc:AlternateContent xmlns:mc="http://schemas.openxmlformats.org/markup-compatibility/2006">
-          <mc:Choice xmlns:a14="http://schemas.microsoft.com/office/drawing/2010/main" Requires="a14">
+        <mc:AlternateContent xmlns:mc="http://schemas.openxmlformats.org/markup-compatibility/2006" xmlns:a14="http://schemas.microsoft.com/office/drawing/2010/main">
+          <mc:Choice Requires="a14">
             <p:sp>
               <p:nvSpPr>
                 <p:cNvPr id="26" name="Text Box 14"/>
@@ -18904,7 +18913,7 @@
               </p:txBody>
             </p:sp>
           </mc:Choice>
-          <mc:Fallback>
+          <mc:Fallback xmlns="">
             <p:sp>
               <p:nvSpPr>
                 <p:cNvPr id="26" name="Text Box 14"/>
@@ -19204,8 +19213,8 @@
           </a:p>
         </p:txBody>
       </p:sp>
-      <mc:AlternateContent xmlns:mc="http://schemas.openxmlformats.org/markup-compatibility/2006">
-        <mc:Choice xmlns:a14="http://schemas.microsoft.com/office/drawing/2010/main" Requires="a14">
+      <mc:AlternateContent xmlns:mc="http://schemas.openxmlformats.org/markup-compatibility/2006" xmlns:a14="http://schemas.microsoft.com/office/drawing/2010/main">
+        <mc:Choice Requires="a14">
           <p:sp>
             <p:nvSpPr>
               <p:cNvPr id="32" name="Text Box 13"/>
@@ -19491,7 +19500,7 @@
             </p:txBody>
           </p:sp>
         </mc:Choice>
-        <mc:Fallback>
+        <mc:Fallback xmlns="">
           <p:sp>
             <p:nvSpPr>
               <p:cNvPr id="32" name="Text Box 13"/>
@@ -19647,8 +19656,8 @@
           </a:p>
         </p:txBody>
       </p:sp>
-      <mc:AlternateContent xmlns:mc="http://schemas.openxmlformats.org/markup-compatibility/2006">
-        <mc:Choice xmlns:a14="http://schemas.microsoft.com/office/drawing/2010/main" Requires="a14">
+      <mc:AlternateContent xmlns:mc="http://schemas.openxmlformats.org/markup-compatibility/2006" xmlns:a14="http://schemas.microsoft.com/office/drawing/2010/main">
+        <mc:Choice Requires="a14">
           <p:sp>
             <p:nvSpPr>
               <p:cNvPr id="3" name="Объект 2"/>
@@ -20088,11 +20097,7 @@
                 </a:r>
                 <a:r>
                   <a:rPr lang="ru-RU" dirty="0" smtClean="0"/>
-                  <a:t>сверх полиномиальная</a:t>
-                </a:r>
-                <a:r>
-                  <a:rPr lang="ru-RU" dirty="0" smtClean="0"/>
-                  <a:t>. Тогда </a:t>
+                  <a:t>сверх полиномиальная. Тогда </a:t>
                 </a:r>
                 <a:r>
                   <a:rPr lang="en-US" dirty="0" smtClean="0"/>
@@ -20397,7 +20402,7 @@
             </p:txBody>
           </p:sp>
         </mc:Choice>
-        <mc:Fallback>
+        <mc:Fallback xmlns="">
           <p:sp>
             <p:nvSpPr>
               <p:cNvPr id="3" name="Объект 2"/>
@@ -27319,19 +27324,11 @@
             </a:r>
             <a:r>
               <a:rPr lang="ru-RU" b="1" dirty="0" smtClean="0"/>
-              <a:t>с </a:t>
-            </a:r>
-            <a:r>
-              <a:rPr lang="ru-RU" b="1" dirty="0" smtClean="0"/>
-              <a:t>сверх полиномиальной</a:t>
+              <a:t>с сверх полиномиальной</a:t>
             </a:r>
             <a:r>
               <a:rPr lang="ru-RU" dirty="0" smtClean="0"/>
-              <a:t> </a:t>
-            </a:r>
-            <a:r>
-              <a:rPr lang="ru-RU" dirty="0" smtClean="0"/>
-              <a:t>областью значений является стойким </a:t>
+              <a:t> областью значений является стойким </a:t>
             </a:r>
             <a:r>
               <a:rPr lang="en-US" dirty="0" smtClean="0"/>
@@ -27362,7 +27359,15 @@
             </a:r>
             <a:r>
               <a:rPr lang="ru-RU" dirty="0" smtClean="0"/>
-              <a:t>имеют фиксированных вход (например размер блока в случае блочного шифра). Мы же ходим получать </a:t>
+              <a:t>имеют фиксированны</a:t>
+            </a:r>
+            <a:r>
+              <a:rPr lang="ru-RU" dirty="0"/>
+              <a:t>й</a:t>
+            </a:r>
+            <a:r>
+              <a:rPr lang="ru-RU" dirty="0" smtClean="0"/>
+              <a:t> вход (например размер блока в случае блочного шифра). Мы же ходим получать </a:t>
             </a:r>
             <a:r>
               <a:rPr lang="en-US" dirty="0" smtClean="0"/>
@@ -27858,7 +27863,6 @@
                   <a:rPr lang="ru-RU" dirty="0" smtClean="0"/>
                   <a:t>.</a:t>
                 </a:r>
-                <a:endParaRPr lang="ru-RU" dirty="0" smtClean="0"/>
               </a:p>
               <a:p>
                 <a:pPr marL="0" indent="0">
@@ -27969,7 +27973,15 @@
                 </a14:m>
                 <a:r>
                   <a:rPr lang="ru-RU" dirty="0" smtClean="0"/>
-                  <a:t>. В введём </a:t>
+                  <a:t>. </a:t>
+                </a:r>
+                <a:r>
+                  <a:rPr lang="ru-RU"/>
+                  <a:t>В</a:t>
+                </a:r>
+                <a:r>
+                  <a:rPr lang="ru-RU" smtClean="0"/>
+                  <a:t>ведём </a:t>
                 </a:r>
                 <a:r>
                   <a:rPr lang="ru-RU" dirty="0" err="1" smtClean="0"/>
@@ -28151,7 +28163,7 @@
               <a:blipFill>
                 <a:blip r:embed="rId2"/>
                 <a:stretch>
-                  <a:fillRect l="-1043" t="-2460" r="-1507"/>
+                  <a:fillRect l="-1043" t="-2460" r="-812"/>
                 </a:stretch>
               </a:blipFill>
             </p:spPr>
@@ -32775,18 +32787,14 @@
           <a:p>
             <a:r>
               <a:rPr lang="ru-RU" dirty="0" smtClean="0"/>
-              <a:t>Аутентичность </a:t>
-            </a:r>
-            <a:r>
-              <a:rPr lang="ru-RU" dirty="0" smtClean="0"/>
-              <a:t>сообщений</a:t>
+              <a:t>Аутентичность сообщений</a:t>
             </a:r>
             <a:endParaRPr lang="ru-RU" dirty="0"/>
           </a:p>
         </p:txBody>
       </p:sp>
-      <mc:AlternateContent xmlns:mc="http://schemas.openxmlformats.org/markup-compatibility/2006">
-        <mc:Choice xmlns:a14="http://schemas.microsoft.com/office/drawing/2010/main" Requires="a14">
+      <mc:AlternateContent xmlns:mc="http://schemas.openxmlformats.org/markup-compatibility/2006" xmlns:a14="http://schemas.microsoft.com/office/drawing/2010/main">
+        <mc:Choice Requires="a14">
           <p:sp>
             <p:nvSpPr>
               <p:cNvPr id="3" name="Объект 2"/>
@@ -32823,11 +32831,7 @@
                 </a14:m>
                 <a:r>
                   <a:rPr lang="ru-RU" dirty="0" smtClean="0"/>
-                  <a:t> при </a:t>
-                </a:r>
-                <a:r>
-                  <a:rPr lang="ru-RU" dirty="0" smtClean="0"/>
-                  <a:t>передаче (аутентичность сообщений</a:t>
+                  <a:t> при передаче (аутентичность сообщений</a:t>
                 </a:r>
                 <a:r>
                   <a:rPr lang="ru-RU" dirty="0"/>
@@ -33006,7 +33010,7 @@
             </p:txBody>
           </p:sp>
         </mc:Choice>
-        <mc:Fallback>
+        <mc:Fallback xmlns="">
           <p:sp>
             <p:nvSpPr>
               <p:cNvPr id="3" name="Объект 2"/>
@@ -33083,8 +33087,8 @@
         </p:blipFill>
         <p:spPr>
           <a:xfrm>
-            <a:off x="2182595" y="4607626"/>
-            <a:ext cx="7940439" cy="2250374"/>
+            <a:off x="2699238" y="4877703"/>
+            <a:ext cx="6570942" cy="1862249"/>
           </a:xfrm>
           <a:prstGeom prst="rect">
             <a:avLst/>
@@ -33151,7 +33155,6 @@
               <a:rPr lang="ru-RU" dirty="0"/>
               <a:t>сообщений</a:t>
             </a:r>
-            <a:endParaRPr lang="ru-RU" dirty="0"/>
           </a:p>
         </p:txBody>
       </p:sp>
@@ -33217,6 +33220,13 @@
   <p:clrMapOvr>
     <a:masterClrMapping/>
   </p:clrMapOvr>
+  <p:timing>
+    <p:tnLst>
+      <p:par>
+        <p:cTn id="1" dur="indefinite" restart="never" nodeType="tmRoot"/>
+      </p:par>
+    </p:tnLst>
+  </p:timing>
 </p:sld>
 </file>
 
@@ -33596,8 +33606,8 @@
           </a:p>
         </p:txBody>
       </p:sp>
-      <mc:AlternateContent xmlns:mc="http://schemas.openxmlformats.org/markup-compatibility/2006">
-        <mc:Choice xmlns:a14="http://schemas.microsoft.com/office/drawing/2010/main" Requires="a14">
+      <mc:AlternateContent xmlns:mc="http://schemas.openxmlformats.org/markup-compatibility/2006" xmlns:a14="http://schemas.microsoft.com/office/drawing/2010/main">
+        <mc:Choice Requires="a14">
           <p:sp>
             <p:nvSpPr>
               <p:cNvPr id="3" name="Объект 2"/>
@@ -34371,7 +34381,7 @@
             </p:txBody>
           </p:sp>
         </mc:Choice>
-        <mc:Fallback>
+        <mc:Fallback xmlns="">
           <p:sp>
             <p:nvSpPr>
               <p:cNvPr id="3" name="Объект 2"/>
@@ -34438,6 +34448,13 @@
   <p:clrMapOvr>
     <a:masterClrMapping/>
   </p:clrMapOvr>
+  <p:timing>
+    <p:tnLst>
+      <p:par>
+        <p:cTn id="1" dur="indefinite" restart="never" nodeType="tmRoot"/>
+      </p:par>
+    </p:tnLst>
+  </p:timing>
 </p:sld>
 </file>
 
@@ -34485,8 +34502,8 @@
           </a:p>
         </p:txBody>
       </p:sp>
-      <mc:AlternateContent xmlns:mc="http://schemas.openxmlformats.org/markup-compatibility/2006">
-        <mc:Choice xmlns:a14="http://schemas.microsoft.com/office/drawing/2010/main" Requires="a14">
+      <mc:AlternateContent xmlns:mc="http://schemas.openxmlformats.org/markup-compatibility/2006" xmlns:a14="http://schemas.microsoft.com/office/drawing/2010/main">
+        <mc:Choice Requires="a14">
           <p:sp>
             <p:nvSpPr>
               <p:cNvPr id="3" name="Объект 2"/>
@@ -34787,10 +34804,10 @@
                 </a:r>
                 <a:r>
                   <a:rPr lang="ru-RU" b="0" dirty="0" err="1" smtClean="0"/>
-                  <a:t>рандоминизованная</a:t>
-                </a:r>
-                <a:r>
-                  <a:rPr lang="en-US" dirty="0"/>
+                  <a:t>рандомизированная</a:t>
+                </a:r>
+                <a:r>
+                  <a:rPr lang="en-US" dirty="0" smtClean="0"/>
                   <a:t> </a:t>
                 </a:r>
                 <a:r>
@@ -34841,7 +34858,7 @@
             </p:txBody>
           </p:sp>
         </mc:Choice>
-        <mc:Fallback>
+        <mc:Fallback xmlns="">
           <p:sp>
             <p:nvSpPr>
               <p:cNvPr id="3" name="Объект 2"/>
@@ -34912,6 +34929,13 @@
   <p:clrMapOvr>
     <a:masterClrMapping/>
   </p:clrMapOvr>
+  <p:timing>
+    <p:tnLst>
+      <p:par>
+        <p:cTn id="1" dur="indefinite" restart="never" nodeType="tmRoot"/>
+      </p:par>
+    </p:tnLst>
+  </p:timing>
 </p:sld>
 </file>
 

--- a/Lectures/Lecture9.pptx
+++ b/Lectures/Lecture9.pptx
@@ -299,7 +299,7 @@
           <a:p>
             <a:fld id="{CBA08D16-15DC-4E25-BDC3-F25146157B16}" type="datetimeFigureOut">
               <a:rPr lang="ru-RU" smtClean="0"/>
-              <a:t>18.11.2021</a:t>
+              <a:t>16.11.2023</a:t>
             </a:fld>
             <a:endParaRPr lang="ru-RU"/>
           </a:p>
@@ -698,7 +698,7 @@
           <a:p>
             <a:fld id="{FCEC8293-DB51-454A-BE81-EC8FCB31EBA2}" type="datetime1">
               <a:rPr lang="ru-RU" smtClean="0"/>
-              <a:t>18.11.2021</a:t>
+              <a:t>16.11.2023</a:t>
             </a:fld>
             <a:endParaRPr lang="ru-RU"/>
           </a:p>
@@ -872,7 +872,7 @@
           <a:p>
             <a:fld id="{241C87B1-1C35-4DBD-BC18-2BC72E776603}" type="datetime1">
               <a:rPr lang="ru-RU" smtClean="0"/>
-              <a:t>18.11.2021</a:t>
+              <a:t>16.11.2023</a:t>
             </a:fld>
             <a:endParaRPr lang="ru-RU"/>
           </a:p>
@@ -1056,7 +1056,7 @@
           <a:p>
             <a:fld id="{3134C275-26C0-42CD-9111-9ADE65922AF9}" type="datetime1">
               <a:rPr lang="ru-RU" smtClean="0"/>
-              <a:t>18.11.2021</a:t>
+              <a:t>16.11.2023</a:t>
             </a:fld>
             <a:endParaRPr lang="ru-RU"/>
           </a:p>
@@ -1230,7 +1230,7 @@
           <a:p>
             <a:fld id="{C1A9A50B-C350-45F5-8AAB-ADB9E670AF2E}" type="datetime1">
               <a:rPr lang="ru-RU" smtClean="0"/>
-              <a:t>18.11.2021</a:t>
+              <a:t>16.11.2023</a:t>
             </a:fld>
             <a:endParaRPr lang="ru-RU"/>
           </a:p>
@@ -1480,7 +1480,7 @@
           <a:p>
             <a:fld id="{089688C9-348F-42F9-B6C0-5990DDE0C5B2}" type="datetime1">
               <a:rPr lang="ru-RU" smtClean="0"/>
-              <a:t>18.11.2021</a:t>
+              <a:t>16.11.2023</a:t>
             </a:fld>
             <a:endParaRPr lang="ru-RU"/>
           </a:p>
@@ -1716,7 +1716,7 @@
           <a:p>
             <a:fld id="{684AFD8F-6DD9-4AD3-A505-FDC3F5C5F3F6}" type="datetime1">
               <a:rPr lang="ru-RU" smtClean="0"/>
-              <a:t>18.11.2021</a:t>
+              <a:t>16.11.2023</a:t>
             </a:fld>
             <a:endParaRPr lang="ru-RU"/>
           </a:p>
@@ -2087,7 +2087,7 @@
           <a:p>
             <a:fld id="{63551EFE-4D02-45EB-A747-8B6F047B5AA0}" type="datetime1">
               <a:rPr lang="ru-RU" smtClean="0"/>
-              <a:t>18.11.2021</a:t>
+              <a:t>16.11.2023</a:t>
             </a:fld>
             <a:endParaRPr lang="ru-RU"/>
           </a:p>
@@ -2209,7 +2209,7 @@
           <a:p>
             <a:fld id="{813A9F34-E5CD-4B8F-AA9E-889C84372B20}" type="datetime1">
               <a:rPr lang="ru-RU" smtClean="0"/>
-              <a:t>18.11.2021</a:t>
+              <a:t>16.11.2023</a:t>
             </a:fld>
             <a:endParaRPr lang="ru-RU"/>
           </a:p>
@@ -2308,7 +2308,7 @@
           <a:p>
             <a:fld id="{51224D22-9B29-44A6-8E82-95FC492DEDC1}" type="datetime1">
               <a:rPr lang="ru-RU" smtClean="0"/>
-              <a:t>18.11.2021</a:t>
+              <a:t>16.11.2023</a:t>
             </a:fld>
             <a:endParaRPr lang="ru-RU"/>
           </a:p>
@@ -2589,7 +2589,7 @@
           <a:p>
             <a:fld id="{91D1034F-4441-48A1-BDC0-25EA1022324A}" type="datetime1">
               <a:rPr lang="ru-RU" smtClean="0"/>
-              <a:t>18.11.2021</a:t>
+              <a:t>16.11.2023</a:t>
             </a:fld>
             <a:endParaRPr lang="ru-RU"/>
           </a:p>
@@ -2846,7 +2846,7 @@
           <a:p>
             <a:fld id="{B0FFDE79-B627-473B-AE17-4C65BD2495F7}" type="datetime1">
               <a:rPr lang="ru-RU" smtClean="0"/>
-              <a:t>18.11.2021</a:t>
+              <a:t>16.11.2023</a:t>
             </a:fld>
             <a:endParaRPr lang="ru-RU"/>
           </a:p>
@@ -3063,7 +3063,7 @@
           <a:p>
             <a:fld id="{11CA537A-1B8C-47BA-9BA6-7CE3FAFDA8BE}" type="datetime1">
               <a:rPr lang="ru-RU" smtClean="0"/>
-              <a:t>18.11.2021</a:t>
+              <a:t>16.11.2023</a:t>
             </a:fld>
             <a:endParaRPr lang="ru-RU"/>
           </a:p>
@@ -3561,7 +3561,11 @@
           <a:p>
             <a:r>
               <a:rPr lang="ru-RU" dirty="0" smtClean="0"/>
-              <a:t>МИФИ 2020</a:t>
+              <a:t>МИФИ </a:t>
+            </a:r>
+            <a:r>
+              <a:rPr lang="ru-RU" dirty="0" smtClean="0"/>
+              <a:t>2023</a:t>
             </a:r>
             <a:endParaRPr lang="ru-RU" dirty="0"/>
           </a:p>
@@ -8493,10 +8497,10 @@
         </p:nvGrpSpPr>
         <p:grpSpPr bwMode="auto">
           <a:xfrm>
-            <a:off x="4040128" y="5599725"/>
-            <a:ext cx="3887791" cy="400051"/>
-            <a:chOff x="1776" y="2074"/>
-            <a:chExt cx="2449" cy="336"/>
+            <a:off x="4002028" y="5593771"/>
+            <a:ext cx="3884616" cy="406004"/>
+            <a:chOff x="1752" y="2069"/>
+            <a:chExt cx="2447" cy="341"/>
           </a:xfrm>
         </p:grpSpPr>
         <p:sp>
@@ -8534,8 +8538,8 @@
             </a:p>
           </p:txBody>
         </p:sp>
-        <mc:AlternateContent xmlns:mc="http://schemas.openxmlformats.org/markup-compatibility/2006" xmlns:a14="http://schemas.microsoft.com/office/drawing/2010/main">
-          <mc:Choice Requires="a14">
+        <mc:AlternateContent xmlns:mc="http://schemas.openxmlformats.org/markup-compatibility/2006">
+          <mc:Choice xmlns:a14="http://schemas.microsoft.com/office/drawing/2010/main" Requires="a14">
             <p:sp>
               <p:nvSpPr>
                 <p:cNvPr id="14" name="Text Box 14"/>
@@ -8546,7 +8550,7 @@
               </p:nvSpPr>
               <p:spPr bwMode="auto">
                 <a:xfrm>
-                  <a:off x="1778" y="2074"/>
+                  <a:off x="1752" y="2069"/>
                   <a:ext cx="2447" cy="336"/>
                 </a:xfrm>
                 <a:prstGeom prst="rect">
@@ -8838,7 +8842,7 @@
               </p:txBody>
             </p:sp>
           </mc:Choice>
-          <mc:Fallback xmlns="">
+          <mc:Fallback>
             <p:sp>
               <p:nvSpPr>
                 <p:cNvPr id="14" name="Text Box 14"/>
@@ -8849,16 +8853,16 @@
               </p:nvSpPr>
               <p:spPr bwMode="auto">
                 <a:xfrm>
-                  <a:off x="1778" y="2074"/>
+                  <a:off x="1752" y="2069"/>
                   <a:ext cx="2447" cy="336"/>
                 </a:xfrm>
                 <a:prstGeom prst="rect">
                   <a:avLst/>
                 </a:prstGeom>
-                <a:blipFill>
+                <a:blipFill rotWithShape="0">
                   <a:blip r:embed="rId5"/>
                   <a:stretch>
-                    <a:fillRect t="-9231" r="-627" b="-27692"/>
+                    <a:fillRect t="-9231" r="-628" b="-27692"/>
                   </a:stretch>
                 </a:blipFill>
                 <a:ln w="9525">
@@ -27324,11 +27328,19 @@
             </a:r>
             <a:r>
               <a:rPr lang="ru-RU" b="1" dirty="0" smtClean="0"/>
-              <a:t>с сверх полиномиальной</a:t>
+              <a:t>с </a:t>
+            </a:r>
+            <a:r>
+              <a:rPr lang="ru-RU" b="1" dirty="0" err="1" smtClean="0"/>
+              <a:t>сверхполиномиальной</a:t>
             </a:r>
             <a:r>
               <a:rPr lang="ru-RU" dirty="0" smtClean="0"/>
-              <a:t> областью значений является стойким </a:t>
+              <a:t> </a:t>
+            </a:r>
+            <a:r>
+              <a:rPr lang="ru-RU" dirty="0" smtClean="0"/>
+              <a:t>областью значений является стойким </a:t>
             </a:r>
             <a:r>
               <a:rPr lang="en-US" dirty="0" smtClean="0"/>
@@ -27503,8 +27515,8 @@
           </a:p>
         </p:txBody>
       </p:sp>
-      <mc:AlternateContent xmlns:mc="http://schemas.openxmlformats.org/markup-compatibility/2006">
-        <mc:Choice xmlns:a14="http://schemas.microsoft.com/office/drawing/2010/main" Requires="a14">
+      <mc:AlternateContent xmlns:mc="http://schemas.openxmlformats.org/markup-compatibility/2006" xmlns:a14="http://schemas.microsoft.com/office/drawing/2010/main">
+        <mc:Choice Requires="a14">
           <p:sp>
             <p:nvSpPr>
               <p:cNvPr id="3" name="Объект 2"/>
@@ -28144,7 +28156,7 @@
             </p:txBody>
           </p:sp>
         </mc:Choice>
-        <mc:Fallback>
+        <mc:Fallback xmlns="">
           <p:sp>
             <p:nvSpPr>
               <p:cNvPr id="3" name="Объект 2"/>
@@ -30865,8 +30877,8 @@
           <a:chExt cx="0" cy="0"/>
         </a:xfrm>
       </p:grpSpPr>
-      <mc:AlternateContent xmlns:mc="http://schemas.openxmlformats.org/markup-compatibility/2006" xmlns:a14="http://schemas.microsoft.com/office/drawing/2010/main">
-        <mc:Choice Requires="a14">
+      <mc:AlternateContent xmlns:mc="http://schemas.openxmlformats.org/markup-compatibility/2006">
+        <mc:Choice xmlns:a14="http://schemas.microsoft.com/office/drawing/2010/main" Requires="a14">
           <p:sp>
             <p:nvSpPr>
               <p:cNvPr id="2" name="Заголовок 1"/>
@@ -30884,7 +30896,19 @@
               <a:p>
                 <a:r>
                   <a:rPr lang="ru-RU" dirty="0" smtClean="0"/>
-                  <a:t>Атака на</a:t>
+                  <a:t>Префиксная </a:t>
+                </a:r>
+                <a:r>
+                  <a:rPr lang="ru-RU" dirty="0"/>
+                  <a:t>а</a:t>
+                </a:r>
+                <a:r>
+                  <a:rPr lang="ru-RU" dirty="0" smtClean="0"/>
+                  <a:t>така </a:t>
+                </a:r>
+                <a:r>
+                  <a:rPr lang="ru-RU" dirty="0" smtClean="0"/>
+                  <a:t>на</a:t>
                 </a:r>
                 <a:r>
                   <a:rPr lang="en-US" dirty="0" smtClean="0"/>
@@ -30932,7 +30956,7 @@
             </p:txBody>
           </p:sp>
         </mc:Choice>
-        <mc:Fallback xmlns="">
+        <mc:Fallback>
           <p:sp>
             <p:nvSpPr>
               <p:cNvPr id="2" name="Заголовок 1"/>
@@ -31473,8 +31497,8 @@
           <a:chExt cx="0" cy="0"/>
         </a:xfrm>
       </p:grpSpPr>
-      <mc:AlternateContent xmlns:mc="http://schemas.openxmlformats.org/markup-compatibility/2006" xmlns:a14="http://schemas.microsoft.com/office/drawing/2010/main">
-        <mc:Choice Requires="a14">
+      <mc:AlternateContent xmlns:mc="http://schemas.openxmlformats.org/markup-compatibility/2006">
+        <mc:Choice xmlns:a14="http://schemas.microsoft.com/office/drawing/2010/main" Requires="a14">
           <p:sp>
             <p:nvSpPr>
               <p:cNvPr id="2" name="Заголовок 1"/>
@@ -31492,7 +31516,11 @@
               <a:p>
                 <a:r>
                   <a:rPr lang="ru-RU" dirty="0" smtClean="0"/>
-                  <a:t>Атака на </a:t>
+                  <a:t>Префиксная атака </a:t>
+                </a:r>
+                <a:r>
+                  <a:rPr lang="ru-RU" dirty="0" smtClean="0"/>
+                  <a:t>на </a:t>
                 </a:r>
                 <a14:m>
                   <m:oMath xmlns:m="http://schemas.openxmlformats.org/officeDocument/2006/math">
@@ -31536,7 +31564,7 @@
             </p:txBody>
           </p:sp>
         </mc:Choice>
-        <mc:Fallback xmlns="">
+        <mc:Fallback>
           <p:sp>
             <p:nvSpPr>
               <p:cNvPr id="2" name="Заголовок 1"/>
@@ -31570,8 +31598,8 @@
           </p:sp>
         </mc:Fallback>
       </mc:AlternateContent>
-      <mc:AlternateContent xmlns:mc="http://schemas.openxmlformats.org/markup-compatibility/2006" xmlns:a14="http://schemas.microsoft.com/office/drawing/2010/main">
-        <mc:Choice Requires="a14">
+      <mc:AlternateContent xmlns:mc="http://schemas.openxmlformats.org/markup-compatibility/2006">
+        <mc:Choice xmlns:a14="http://schemas.microsoft.com/office/drawing/2010/main" Requires="a14">
           <p:sp>
             <p:nvSpPr>
               <p:cNvPr id="3" name="Объект 2"/>
@@ -31584,7 +31612,7 @@
             </p:nvSpPr>
             <p:spPr>
               <a:xfrm>
-                <a:off x="838200" y="2088570"/>
+                <a:off x="189523" y="2072939"/>
                 <a:ext cx="10787743" cy="4351338"/>
               </a:xfrm>
             </p:spPr>
@@ -32467,7 +32495,7 @@
             </p:txBody>
           </p:sp>
         </mc:Choice>
-        <mc:Fallback xmlns="">
+        <mc:Fallback>
           <p:sp>
             <p:nvSpPr>
               <p:cNvPr id="3" name="Объект 2"/>
@@ -32480,13 +32508,13 @@
             </p:nvSpPr>
             <p:spPr>
               <a:xfrm>
-                <a:off x="838200" y="2088570"/>
+                <a:off x="189523" y="2072939"/>
                 <a:ext cx="10787743" cy="4351338"/>
               </a:xfrm>
               <a:blipFill rotWithShape="0">
                 <a:blip r:embed="rId3"/>
                 <a:stretch>
-                  <a:fillRect l="-1018" t="-2244"/>
+                  <a:fillRect l="-1017" t="-2101"/>
                 </a:stretch>
               </a:blipFill>
             </p:spPr>
@@ -32544,7 +32572,7 @@
         </p:blipFill>
         <p:spPr>
           <a:xfrm>
-            <a:off x="7148946" y="365125"/>
+            <a:off x="7062977" y="1514206"/>
             <a:ext cx="4795404" cy="1857605"/>
           </a:xfrm>
           <a:prstGeom prst="rect">

--- a/Lectures/Lecture9.pptx
+++ b/Lectures/Lecture9.pptx
@@ -299,7 +299,7 @@
           <a:p>
             <a:fld id="{CBA08D16-15DC-4E25-BDC3-F25146157B16}" type="datetimeFigureOut">
               <a:rPr lang="ru-RU" smtClean="0"/>
-              <a:t>16.11.2023</a:t>
+              <a:t>14.11.2024</a:t>
             </a:fld>
             <a:endParaRPr lang="ru-RU"/>
           </a:p>
@@ -698,7 +698,7 @@
           <a:p>
             <a:fld id="{FCEC8293-DB51-454A-BE81-EC8FCB31EBA2}" type="datetime1">
               <a:rPr lang="ru-RU" smtClean="0"/>
-              <a:t>16.11.2023</a:t>
+              <a:t>14.11.2024</a:t>
             </a:fld>
             <a:endParaRPr lang="ru-RU"/>
           </a:p>
@@ -872,7 +872,7 @@
           <a:p>
             <a:fld id="{241C87B1-1C35-4DBD-BC18-2BC72E776603}" type="datetime1">
               <a:rPr lang="ru-RU" smtClean="0"/>
-              <a:t>16.11.2023</a:t>
+              <a:t>14.11.2024</a:t>
             </a:fld>
             <a:endParaRPr lang="ru-RU"/>
           </a:p>
@@ -1056,7 +1056,7 @@
           <a:p>
             <a:fld id="{3134C275-26C0-42CD-9111-9ADE65922AF9}" type="datetime1">
               <a:rPr lang="ru-RU" smtClean="0"/>
-              <a:t>16.11.2023</a:t>
+              <a:t>14.11.2024</a:t>
             </a:fld>
             <a:endParaRPr lang="ru-RU"/>
           </a:p>
@@ -1230,7 +1230,7 @@
           <a:p>
             <a:fld id="{C1A9A50B-C350-45F5-8AAB-ADB9E670AF2E}" type="datetime1">
               <a:rPr lang="ru-RU" smtClean="0"/>
-              <a:t>16.11.2023</a:t>
+              <a:t>14.11.2024</a:t>
             </a:fld>
             <a:endParaRPr lang="ru-RU"/>
           </a:p>
@@ -1480,7 +1480,7 @@
           <a:p>
             <a:fld id="{089688C9-348F-42F9-B6C0-5990DDE0C5B2}" type="datetime1">
               <a:rPr lang="ru-RU" smtClean="0"/>
-              <a:t>16.11.2023</a:t>
+              <a:t>14.11.2024</a:t>
             </a:fld>
             <a:endParaRPr lang="ru-RU"/>
           </a:p>
@@ -1716,7 +1716,7 @@
           <a:p>
             <a:fld id="{684AFD8F-6DD9-4AD3-A505-FDC3F5C5F3F6}" type="datetime1">
               <a:rPr lang="ru-RU" smtClean="0"/>
-              <a:t>16.11.2023</a:t>
+              <a:t>14.11.2024</a:t>
             </a:fld>
             <a:endParaRPr lang="ru-RU"/>
           </a:p>
@@ -2087,7 +2087,7 @@
           <a:p>
             <a:fld id="{63551EFE-4D02-45EB-A747-8B6F047B5AA0}" type="datetime1">
               <a:rPr lang="ru-RU" smtClean="0"/>
-              <a:t>16.11.2023</a:t>
+              <a:t>14.11.2024</a:t>
             </a:fld>
             <a:endParaRPr lang="ru-RU"/>
           </a:p>
@@ -2209,7 +2209,7 @@
           <a:p>
             <a:fld id="{813A9F34-E5CD-4B8F-AA9E-889C84372B20}" type="datetime1">
               <a:rPr lang="ru-RU" smtClean="0"/>
-              <a:t>16.11.2023</a:t>
+              <a:t>14.11.2024</a:t>
             </a:fld>
             <a:endParaRPr lang="ru-RU"/>
           </a:p>
@@ -2308,7 +2308,7 @@
           <a:p>
             <a:fld id="{51224D22-9B29-44A6-8E82-95FC492DEDC1}" type="datetime1">
               <a:rPr lang="ru-RU" smtClean="0"/>
-              <a:t>16.11.2023</a:t>
+              <a:t>14.11.2024</a:t>
             </a:fld>
             <a:endParaRPr lang="ru-RU"/>
           </a:p>
@@ -2589,7 +2589,7 @@
           <a:p>
             <a:fld id="{91D1034F-4441-48A1-BDC0-25EA1022324A}" type="datetime1">
               <a:rPr lang="ru-RU" smtClean="0"/>
-              <a:t>16.11.2023</a:t>
+              <a:t>14.11.2024</a:t>
             </a:fld>
             <a:endParaRPr lang="ru-RU"/>
           </a:p>
@@ -2846,7 +2846,7 @@
           <a:p>
             <a:fld id="{B0FFDE79-B627-473B-AE17-4C65BD2495F7}" type="datetime1">
               <a:rPr lang="ru-RU" smtClean="0"/>
-              <a:t>16.11.2023</a:t>
+              <a:t>14.11.2024</a:t>
             </a:fld>
             <a:endParaRPr lang="ru-RU"/>
           </a:p>
@@ -3063,7 +3063,7 @@
           <a:p>
             <a:fld id="{11CA537A-1B8C-47BA-9BA6-7CE3FAFDA8BE}" type="datetime1">
               <a:rPr lang="ru-RU" smtClean="0"/>
-              <a:t>16.11.2023</a:t>
+              <a:t>14.11.2024</a:t>
             </a:fld>
             <a:endParaRPr lang="ru-RU"/>
           </a:p>
@@ -3565,7 +3565,11 @@
             </a:r>
             <a:r>
               <a:rPr lang="ru-RU" dirty="0" smtClean="0"/>
-              <a:t>2023</a:t>
+              <a:t>202</a:t>
+            </a:r>
+            <a:r>
+              <a:rPr lang="en-US" smtClean="0"/>
+              <a:t>4</a:t>
             </a:r>
             <a:endParaRPr lang="ru-RU" dirty="0"/>
           </a:p>
@@ -8538,8 +8542,8 @@
             </a:p>
           </p:txBody>
         </p:sp>
-        <mc:AlternateContent xmlns:mc="http://schemas.openxmlformats.org/markup-compatibility/2006">
-          <mc:Choice xmlns:a14="http://schemas.microsoft.com/office/drawing/2010/main" Requires="a14">
+        <mc:AlternateContent xmlns:mc="http://schemas.openxmlformats.org/markup-compatibility/2006" xmlns:a14="http://schemas.microsoft.com/office/drawing/2010/main">
+          <mc:Choice Requires="a14">
             <p:sp>
               <p:nvSpPr>
                 <p:cNvPr id="14" name="Text Box 14"/>
@@ -8842,7 +8846,7 @@
               </p:txBody>
             </p:sp>
           </mc:Choice>
-          <mc:Fallback>
+          <mc:Fallback xmlns="">
             <p:sp>
               <p:nvSpPr>
                 <p:cNvPr id="14" name="Text Box 14"/>
@@ -27336,11 +27340,7 @@
             </a:r>
             <a:r>
               <a:rPr lang="ru-RU" dirty="0" smtClean="0"/>
-              <a:t> </a:t>
-            </a:r>
-            <a:r>
-              <a:rPr lang="ru-RU" dirty="0" smtClean="0"/>
-              <a:t>областью значений является стойким </a:t>
+              <a:t> областью значений является стойким </a:t>
             </a:r>
             <a:r>
               <a:rPr lang="en-US" dirty="0" smtClean="0"/>
@@ -30877,8 +30877,8 @@
           <a:chExt cx="0" cy="0"/>
         </a:xfrm>
       </p:grpSpPr>
-      <mc:AlternateContent xmlns:mc="http://schemas.openxmlformats.org/markup-compatibility/2006">
-        <mc:Choice xmlns:a14="http://schemas.microsoft.com/office/drawing/2010/main" Requires="a14">
+      <mc:AlternateContent xmlns:mc="http://schemas.openxmlformats.org/markup-compatibility/2006" xmlns:a14="http://schemas.microsoft.com/office/drawing/2010/main">
+        <mc:Choice Requires="a14">
           <p:sp>
             <p:nvSpPr>
               <p:cNvPr id="2" name="Заголовок 1"/>
@@ -30904,11 +30904,7 @@
                 </a:r>
                 <a:r>
                   <a:rPr lang="ru-RU" dirty="0" smtClean="0"/>
-                  <a:t>така </a:t>
-                </a:r>
-                <a:r>
-                  <a:rPr lang="ru-RU" dirty="0" smtClean="0"/>
-                  <a:t>на</a:t>
+                  <a:t>така на</a:t>
                 </a:r>
                 <a:r>
                   <a:rPr lang="en-US" dirty="0" smtClean="0"/>
@@ -30956,7 +30952,7 @@
             </p:txBody>
           </p:sp>
         </mc:Choice>
-        <mc:Fallback>
+        <mc:Fallback xmlns="">
           <p:sp>
             <p:nvSpPr>
               <p:cNvPr id="2" name="Заголовок 1"/>
@@ -31497,8 +31493,8 @@
           <a:chExt cx="0" cy="0"/>
         </a:xfrm>
       </p:grpSpPr>
-      <mc:AlternateContent xmlns:mc="http://schemas.openxmlformats.org/markup-compatibility/2006">
-        <mc:Choice xmlns:a14="http://schemas.microsoft.com/office/drawing/2010/main" Requires="a14">
+      <mc:AlternateContent xmlns:mc="http://schemas.openxmlformats.org/markup-compatibility/2006" xmlns:a14="http://schemas.microsoft.com/office/drawing/2010/main">
+        <mc:Choice Requires="a14">
           <p:sp>
             <p:nvSpPr>
               <p:cNvPr id="2" name="Заголовок 1"/>
@@ -31516,11 +31512,7 @@
               <a:p>
                 <a:r>
                   <a:rPr lang="ru-RU" dirty="0" smtClean="0"/>
-                  <a:t>Префиксная атака </a:t>
-                </a:r>
-                <a:r>
-                  <a:rPr lang="ru-RU" dirty="0" smtClean="0"/>
-                  <a:t>на </a:t>
+                  <a:t>Префиксная атака на </a:t>
                 </a:r>
                 <a14:m>
                   <m:oMath xmlns:m="http://schemas.openxmlformats.org/officeDocument/2006/math">
@@ -31564,7 +31556,7 @@
             </p:txBody>
           </p:sp>
         </mc:Choice>
-        <mc:Fallback>
+        <mc:Fallback xmlns="">
           <p:sp>
             <p:nvSpPr>
               <p:cNvPr id="2" name="Заголовок 1"/>
@@ -31598,8 +31590,8 @@
           </p:sp>
         </mc:Fallback>
       </mc:AlternateContent>
-      <mc:AlternateContent xmlns:mc="http://schemas.openxmlformats.org/markup-compatibility/2006">
-        <mc:Choice xmlns:a14="http://schemas.microsoft.com/office/drawing/2010/main" Requires="a14">
+      <mc:AlternateContent xmlns:mc="http://schemas.openxmlformats.org/markup-compatibility/2006" xmlns:a14="http://schemas.microsoft.com/office/drawing/2010/main">
+        <mc:Choice Requires="a14">
           <p:sp>
             <p:nvSpPr>
               <p:cNvPr id="3" name="Объект 2"/>
@@ -32495,7 +32487,7 @@
             </p:txBody>
           </p:sp>
         </mc:Choice>
-        <mc:Fallback>
+        <mc:Fallback xmlns="">
           <p:sp>
             <p:nvSpPr>
               <p:cNvPr id="3" name="Объект 2"/>
